--- a/setup/ARMTemplates/AzureX.pptx
+++ b/setup/ARMTemplates/AzureX.pptx
@@ -5,8 +5,10 @@
     <p:sldMasterId id="2147483648" r:id="rId1"/>
   </p:sldMasterIdLst>
   <p:sldIdLst>
-    <p:sldId id="256" r:id="rId2"/>
-    <p:sldId id="258" r:id="rId3"/>
+    <p:sldId id="259" r:id="rId2"/>
+    <p:sldId id="262" r:id="rId3"/>
+    <p:sldId id="261" r:id="rId4"/>
+    <p:sldId id="258" r:id="rId5"/>
   </p:sldIdLst>
   <p:sldSz cx="12192000" cy="6858000"/>
   <p:notesSz cx="6858000" cy="9144000"/>
@@ -242,7 +244,7 @@
           <a:p>
             <a:fld id="{4215C990-A328-409D-95CF-76DFE9640D99}" type="datetimeFigureOut">
               <a:rPr lang="en-US" smtClean="0"/>
-              <a:t>2/23/2017</a:t>
+              <a:t>2/28/2017</a:t>
             </a:fld>
             <a:endParaRPr lang="en-US"/>
           </a:p>
@@ -410,7 +412,7 @@
           <a:p>
             <a:fld id="{4215C990-A328-409D-95CF-76DFE9640D99}" type="datetimeFigureOut">
               <a:rPr lang="en-US" smtClean="0"/>
-              <a:t>2/23/2017</a:t>
+              <a:t>2/28/2017</a:t>
             </a:fld>
             <a:endParaRPr lang="en-US"/>
           </a:p>
@@ -588,7 +590,7 @@
           <a:p>
             <a:fld id="{4215C990-A328-409D-95CF-76DFE9640D99}" type="datetimeFigureOut">
               <a:rPr lang="en-US" smtClean="0"/>
-              <a:t>2/23/2017</a:t>
+              <a:t>2/28/2017</a:t>
             </a:fld>
             <a:endParaRPr lang="en-US"/>
           </a:p>
@@ -756,7 +758,7 @@
           <a:p>
             <a:fld id="{4215C990-A328-409D-95CF-76DFE9640D99}" type="datetimeFigureOut">
               <a:rPr lang="en-US" smtClean="0"/>
-              <a:t>2/23/2017</a:t>
+              <a:t>2/28/2017</a:t>
             </a:fld>
             <a:endParaRPr lang="en-US"/>
           </a:p>
@@ -1001,7 +1003,7 @@
           <a:p>
             <a:fld id="{4215C990-A328-409D-95CF-76DFE9640D99}" type="datetimeFigureOut">
               <a:rPr lang="en-US" smtClean="0"/>
-              <a:t>2/23/2017</a:t>
+              <a:t>2/28/2017</a:t>
             </a:fld>
             <a:endParaRPr lang="en-US"/>
           </a:p>
@@ -1230,7 +1232,7 @@
           <a:p>
             <a:fld id="{4215C990-A328-409D-95CF-76DFE9640D99}" type="datetimeFigureOut">
               <a:rPr lang="en-US" smtClean="0"/>
-              <a:t>2/23/2017</a:t>
+              <a:t>2/28/2017</a:t>
             </a:fld>
             <a:endParaRPr lang="en-US"/>
           </a:p>
@@ -1594,7 +1596,7 @@
           <a:p>
             <a:fld id="{4215C990-A328-409D-95CF-76DFE9640D99}" type="datetimeFigureOut">
               <a:rPr lang="en-US" smtClean="0"/>
-              <a:t>2/23/2017</a:t>
+              <a:t>2/28/2017</a:t>
             </a:fld>
             <a:endParaRPr lang="en-US"/>
           </a:p>
@@ -1711,7 +1713,7 @@
           <a:p>
             <a:fld id="{4215C990-A328-409D-95CF-76DFE9640D99}" type="datetimeFigureOut">
               <a:rPr lang="en-US" smtClean="0"/>
-              <a:t>2/23/2017</a:t>
+              <a:t>2/28/2017</a:t>
             </a:fld>
             <a:endParaRPr lang="en-US"/>
           </a:p>
@@ -1806,7 +1808,7 @@
           <a:p>
             <a:fld id="{4215C990-A328-409D-95CF-76DFE9640D99}" type="datetimeFigureOut">
               <a:rPr lang="en-US" smtClean="0"/>
-              <a:t>2/23/2017</a:t>
+              <a:t>2/28/2017</a:t>
             </a:fld>
             <a:endParaRPr lang="en-US"/>
           </a:p>
@@ -2081,7 +2083,7 @@
           <a:p>
             <a:fld id="{4215C990-A328-409D-95CF-76DFE9640D99}" type="datetimeFigureOut">
               <a:rPr lang="en-US" smtClean="0"/>
-              <a:t>2/23/2017</a:t>
+              <a:t>2/28/2017</a:t>
             </a:fld>
             <a:endParaRPr lang="en-US"/>
           </a:p>
@@ -2333,7 +2335,7 @@
           <a:p>
             <a:fld id="{4215C990-A328-409D-95CF-76DFE9640D99}" type="datetimeFigureOut">
               <a:rPr lang="en-US" smtClean="0"/>
-              <a:t>2/23/2017</a:t>
+              <a:t>2/28/2017</a:t>
             </a:fld>
             <a:endParaRPr lang="en-US"/>
           </a:p>
@@ -2544,7 +2546,7 @@
           <a:p>
             <a:fld id="{4215C990-A328-409D-95CF-76DFE9640D99}" type="datetimeFigureOut">
               <a:rPr lang="en-US" smtClean="0"/>
-              <a:t>2/23/2017</a:t>
+              <a:t>2/28/2017</a:t>
             </a:fld>
             <a:endParaRPr lang="en-US"/>
           </a:p>
@@ -2951,21 +2953,2121 @@
       </p:grpSpPr>
       <p:sp>
         <p:nvSpPr>
+          <p:cNvPr id="21" name="Rectangle 20"/>
+          <p:cNvSpPr/>
+          <p:nvPr/>
+        </p:nvSpPr>
+        <p:spPr>
+          <a:xfrm>
+            <a:off x="3782684" y="2211345"/>
+            <a:ext cx="5555096" cy="3077799"/>
+          </a:xfrm>
+          <a:prstGeom prst="rect">
+            <a:avLst/>
+          </a:prstGeom>
+          <a:solidFill>
+            <a:schemeClr val="accent6">
+              <a:lumMod val="40000"/>
+              <a:lumOff val="60000"/>
+              <a:alpha val="43000"/>
+            </a:schemeClr>
+          </a:solidFill>
+          <a:ln>
+            <a:solidFill>
+              <a:schemeClr val="accent6">
+                <a:lumMod val="60000"/>
+                <a:lumOff val="40000"/>
+              </a:schemeClr>
+            </a:solidFill>
+          </a:ln>
+        </p:spPr>
+        <p:style>
+          <a:lnRef idx="2">
+            <a:schemeClr val="accent1">
+              <a:shade val="50000"/>
+            </a:schemeClr>
+          </a:lnRef>
+          <a:fillRef idx="1">
+            <a:schemeClr val="accent1"/>
+          </a:fillRef>
+          <a:effectRef idx="0">
+            <a:schemeClr val="accent1"/>
+          </a:effectRef>
+          <a:fontRef idx="minor">
+            <a:schemeClr val="lt1"/>
+          </a:fontRef>
+        </p:style>
+        <p:txBody>
+          <a:bodyPr rtlCol="0" anchor="ctr"/>
+          <a:lstStyle/>
+          <a:p>
+            <a:pPr algn="ctr"/>
+            <a:endParaRPr lang="en-US"/>
+          </a:p>
+        </p:txBody>
+      </p:sp>
+      <p:grpSp>
+        <p:nvGrpSpPr>
+          <p:cNvPr id="27" name="Group 26"/>
+          <p:cNvGrpSpPr/>
+          <p:nvPr/>
+        </p:nvGrpSpPr>
+        <p:grpSpPr>
+          <a:xfrm>
+            <a:off x="2575320" y="4110523"/>
+            <a:ext cx="911287" cy="1078857"/>
+            <a:chOff x="-6064" y="4930503"/>
+            <a:chExt cx="911287" cy="1078857"/>
+          </a:xfrm>
+        </p:grpSpPr>
+        <p:pic>
+          <p:nvPicPr>
+            <p:cNvPr id="22" name="Picture 21"/>
+            <p:cNvPicPr>
+              <a:picLocks noChangeAspect="1"/>
+            </p:cNvPicPr>
+            <p:nvPr/>
+          </p:nvPicPr>
+          <p:blipFill>
+            <a:blip r:embed="rId2">
+              <a:extLst>
+                <a:ext uri="{28A0092B-C50C-407E-A947-70E740481C1C}">
+                  <a14:useLocalDpi xmlns:a14="http://schemas.microsoft.com/office/drawing/2010/main" val="0"/>
+                </a:ext>
+              </a:extLst>
+            </a:blip>
+            <a:stretch>
+              <a:fillRect/>
+            </a:stretch>
+          </p:blipFill>
+          <p:spPr>
+            <a:xfrm>
+              <a:off x="59435" y="4930503"/>
+              <a:ext cx="780290" cy="780290"/>
+            </a:xfrm>
+            <a:prstGeom prst="rect">
+              <a:avLst/>
+            </a:prstGeom>
+          </p:spPr>
+        </p:pic>
+        <p:sp>
+          <p:nvSpPr>
+            <p:cNvPr id="26" name="TextBox 25"/>
+            <p:cNvSpPr txBox="1"/>
+            <p:nvPr/>
+          </p:nvSpPr>
+          <p:spPr>
+            <a:xfrm>
+              <a:off x="-6064" y="5640028"/>
+              <a:ext cx="911287" cy="369332"/>
+            </a:xfrm>
+            <a:prstGeom prst="rect">
+              <a:avLst/>
+            </a:prstGeom>
+            <a:noFill/>
+          </p:spPr>
+          <p:txBody>
+            <a:bodyPr wrap="square" rtlCol="0">
+              <a:spAutoFit/>
+            </a:bodyPr>
+            <a:lstStyle/>
+            <a:p>
+              <a:pPr algn="ctr"/>
+              <a:r>
+                <a:rPr lang="en-US" dirty="0">
+                  <a:solidFill>
+                    <a:schemeClr val="tx1">
+                      <a:lumMod val="65000"/>
+                      <a:lumOff val="35000"/>
+                    </a:schemeClr>
+                  </a:solidFill>
+                </a:rPr>
+                <a:t>Admin</a:t>
+              </a:r>
+            </a:p>
+          </p:txBody>
+        </p:sp>
+      </p:grpSp>
+      <p:grpSp>
+        <p:nvGrpSpPr>
+          <p:cNvPr id="45" name="Group 44"/>
+          <p:cNvGrpSpPr/>
+          <p:nvPr/>
+        </p:nvGrpSpPr>
+        <p:grpSpPr>
+          <a:xfrm>
+            <a:off x="2549683" y="2989281"/>
+            <a:ext cx="955249" cy="926170"/>
+            <a:chOff x="5618375" y="3424960"/>
+            <a:chExt cx="955249" cy="926170"/>
+          </a:xfrm>
+        </p:grpSpPr>
+        <p:pic>
+          <p:nvPicPr>
+            <p:cNvPr id="43" name="Picture 42"/>
+            <p:cNvPicPr>
+              <a:picLocks noChangeAspect="1"/>
+            </p:cNvPicPr>
+            <p:nvPr/>
+          </p:nvPicPr>
+          <p:blipFill>
+            <a:blip r:embed="rId3">
+              <a:extLst>
+                <a:ext uri="{28A0092B-C50C-407E-A947-70E740481C1C}">
+                  <a14:useLocalDpi xmlns:a14="http://schemas.microsoft.com/office/drawing/2010/main" val="0"/>
+                </a:ext>
+              </a:extLst>
+            </a:blip>
+            <a:stretch>
+              <a:fillRect/>
+            </a:stretch>
+          </p:blipFill>
+          <p:spPr>
+            <a:xfrm>
+              <a:off x="5705854" y="3424960"/>
+              <a:ext cx="780290" cy="780290"/>
+            </a:xfrm>
+            <a:prstGeom prst="rect">
+              <a:avLst/>
+            </a:prstGeom>
+          </p:spPr>
+        </p:pic>
+        <p:sp>
+          <p:nvSpPr>
+            <p:cNvPr id="44" name="TextBox 43"/>
+            <p:cNvSpPr txBox="1"/>
+            <p:nvPr/>
+          </p:nvSpPr>
+          <p:spPr>
+            <a:xfrm>
+              <a:off x="5618375" y="3981798"/>
+              <a:ext cx="955249" cy="369332"/>
+            </a:xfrm>
+            <a:prstGeom prst="rect">
+              <a:avLst/>
+            </a:prstGeom>
+            <a:noFill/>
+          </p:spPr>
+          <p:txBody>
+            <a:bodyPr wrap="square" rtlCol="0">
+              <a:spAutoFit/>
+            </a:bodyPr>
+            <a:lstStyle/>
+            <a:p>
+              <a:pPr algn="ctr"/>
+              <a:r>
+                <a:rPr lang="en-US" dirty="0">
+                  <a:solidFill>
+                    <a:schemeClr val="tx1">
+                      <a:lumMod val="65000"/>
+                      <a:lumOff val="35000"/>
+                    </a:schemeClr>
+                  </a:solidFill>
+                </a:rPr>
+                <a:t>Internet</a:t>
+              </a:r>
+            </a:p>
+          </p:txBody>
+        </p:sp>
+      </p:grpSp>
+      <p:sp>
+        <p:nvSpPr>
+          <p:cNvPr id="3" name="Title 2"/>
+          <p:cNvSpPr>
+            <a:spLocks noGrp="1"/>
+          </p:cNvSpPr>
+          <p:nvPr>
+            <p:ph type="title"/>
+          </p:nvPr>
+        </p:nvSpPr>
+        <p:spPr>
+          <a:xfrm>
+            <a:off x="9872" y="-6858"/>
+            <a:ext cx="12182128" cy="558415"/>
+          </a:xfrm>
+          <a:solidFill>
+            <a:schemeClr val="bg1">
+              <a:lumMod val="85000"/>
+            </a:schemeClr>
+          </a:solidFill>
+        </p:spPr>
+        <p:txBody>
+          <a:bodyPr>
+            <a:normAutofit fontScale="90000"/>
+          </a:bodyPr>
+          <a:lstStyle/>
+          <a:p>
+            <a:r>
+              <a:rPr lang="en-US" dirty="0" err="1"/>
+              <a:t>OpenDev</a:t>
+            </a:r>
+            <a:r>
+              <a:rPr lang="en-US" dirty="0"/>
+              <a:t> Single-Virtual Machine Architecture</a:t>
+            </a:r>
+          </a:p>
+        </p:txBody>
+      </p:sp>
+      <p:sp>
+        <p:nvSpPr>
+          <p:cNvPr id="23" name="TextBox 22"/>
+          <p:cNvSpPr txBox="1"/>
+          <p:nvPr/>
+        </p:nvSpPr>
+        <p:spPr>
+          <a:xfrm>
+            <a:off x="3735493" y="2155852"/>
+            <a:ext cx="1742507" cy="369332"/>
+          </a:xfrm>
+          <a:prstGeom prst="rect">
+            <a:avLst/>
+          </a:prstGeom>
+          <a:noFill/>
+        </p:spPr>
+        <p:txBody>
+          <a:bodyPr wrap="square" rtlCol="0">
+            <a:spAutoFit/>
+          </a:bodyPr>
+          <a:lstStyle/>
+          <a:p>
+            <a:r>
+              <a:rPr lang="en-US" dirty="0">
+                <a:solidFill>
+                  <a:schemeClr val="accent6">
+                    <a:lumMod val="75000"/>
+                  </a:schemeClr>
+                </a:solidFill>
+              </a:rPr>
+              <a:t>Resource Group</a:t>
+            </a:r>
+          </a:p>
+        </p:txBody>
+      </p:sp>
+      <p:grpSp>
+        <p:nvGrpSpPr>
+          <p:cNvPr id="2" name="Group 1"/>
+          <p:cNvGrpSpPr/>
+          <p:nvPr/>
+        </p:nvGrpSpPr>
+        <p:grpSpPr>
+          <a:xfrm>
+            <a:off x="5036537" y="2714031"/>
+            <a:ext cx="3953721" cy="2385409"/>
+            <a:chOff x="2168520" y="3791333"/>
+            <a:chExt cx="3953721" cy="2385409"/>
+          </a:xfrm>
+        </p:grpSpPr>
+        <p:sp>
+          <p:nvSpPr>
+            <p:cNvPr id="12" name="Rectangle 11"/>
+            <p:cNvSpPr/>
+            <p:nvPr/>
+          </p:nvSpPr>
+          <p:spPr>
+            <a:xfrm>
+              <a:off x="2172692" y="3791333"/>
+              <a:ext cx="3949549" cy="2385409"/>
+            </a:xfrm>
+            <a:prstGeom prst="rect">
+              <a:avLst/>
+            </a:prstGeom>
+            <a:solidFill>
+              <a:schemeClr val="accent1">
+                <a:lumMod val="40000"/>
+                <a:lumOff val="60000"/>
+              </a:schemeClr>
+            </a:solidFill>
+            <a:ln w="19050">
+              <a:prstDash val="dash"/>
+            </a:ln>
+          </p:spPr>
+          <p:style>
+            <a:lnRef idx="2">
+              <a:schemeClr val="accent1">
+                <a:shade val="50000"/>
+              </a:schemeClr>
+            </a:lnRef>
+            <a:fillRef idx="1">
+              <a:schemeClr val="accent1"/>
+            </a:fillRef>
+            <a:effectRef idx="0">
+              <a:schemeClr val="accent1"/>
+            </a:effectRef>
+            <a:fontRef idx="minor">
+              <a:schemeClr val="lt1"/>
+            </a:fontRef>
+          </p:style>
+          <p:txBody>
+            <a:bodyPr rtlCol="0" anchor="ctr"/>
+            <a:lstStyle/>
+            <a:p>
+              <a:pPr algn="ctr"/>
+              <a:endParaRPr lang="en-US"/>
+            </a:p>
+          </p:txBody>
+        </p:sp>
+        <p:pic>
+          <p:nvPicPr>
+            <p:cNvPr id="7" name="Picture 6"/>
+            <p:cNvPicPr>
+              <a:picLocks noChangeAspect="1"/>
+            </p:cNvPicPr>
+            <p:nvPr/>
+          </p:nvPicPr>
+          <p:blipFill>
+            <a:blip r:embed="rId4">
+              <a:extLst>
+                <a:ext uri="{28A0092B-C50C-407E-A947-70E740481C1C}">
+                  <a14:useLocalDpi xmlns:a14="http://schemas.microsoft.com/office/drawing/2010/main" val="0"/>
+                </a:ext>
+              </a:extLst>
+            </a:blip>
+            <a:stretch>
+              <a:fillRect/>
+            </a:stretch>
+          </p:blipFill>
+          <p:spPr>
+            <a:xfrm>
+              <a:off x="4428277" y="4627867"/>
+              <a:ext cx="780290" cy="780290"/>
+            </a:xfrm>
+            <a:prstGeom prst="rect">
+              <a:avLst/>
+            </a:prstGeom>
+          </p:spPr>
+        </p:pic>
+        <p:pic>
+          <p:nvPicPr>
+            <p:cNvPr id="11" name="Picture 10"/>
+            <p:cNvPicPr>
+              <a:picLocks noChangeAspect="1"/>
+            </p:cNvPicPr>
+            <p:nvPr/>
+          </p:nvPicPr>
+          <p:blipFill>
+            <a:blip r:embed="rId5">
+              <a:extLst>
+                <a:ext uri="{BEBA8EAE-BF5A-486C-A8C5-ECC9F3942E4B}">
+                  <a14:imgProps xmlns:a14="http://schemas.microsoft.com/office/drawing/2010/main">
+                    <a14:imgLayer r:embed="rId6">
+                      <a14:imgEffect>
+                        <a14:saturation sat="0"/>
+                      </a14:imgEffect>
+                    </a14:imgLayer>
+                  </a14:imgProps>
+                </a:ext>
+                <a:ext uri="{28A0092B-C50C-407E-A947-70E740481C1C}">
+                  <a14:useLocalDpi xmlns:a14="http://schemas.microsoft.com/office/drawing/2010/main" val="0"/>
+                </a:ext>
+              </a:extLst>
+            </a:blip>
+            <a:stretch>
+              <a:fillRect/>
+            </a:stretch>
+          </p:blipFill>
+          <p:spPr>
+            <a:xfrm>
+              <a:off x="5267672" y="4142975"/>
+              <a:ext cx="510504" cy="510504"/>
+            </a:xfrm>
+            <a:prstGeom prst="rect">
+              <a:avLst/>
+            </a:prstGeom>
+          </p:spPr>
+        </p:pic>
+        <p:sp>
+          <p:nvSpPr>
+            <p:cNvPr id="17" name="Rectangle 16"/>
+            <p:cNvSpPr/>
+            <p:nvPr/>
+          </p:nvSpPr>
+          <p:spPr>
+            <a:xfrm>
+              <a:off x="3843062" y="4117362"/>
+              <a:ext cx="1950720" cy="1792931"/>
+            </a:xfrm>
+            <a:prstGeom prst="rect">
+              <a:avLst/>
+            </a:prstGeom>
+            <a:noFill/>
+            <a:ln>
+              <a:prstDash val="dash"/>
+            </a:ln>
+          </p:spPr>
+          <p:style>
+            <a:lnRef idx="2">
+              <a:schemeClr val="accent1">
+                <a:shade val="50000"/>
+              </a:schemeClr>
+            </a:lnRef>
+            <a:fillRef idx="1">
+              <a:schemeClr val="accent1"/>
+            </a:fillRef>
+            <a:effectRef idx="0">
+              <a:schemeClr val="accent1"/>
+            </a:effectRef>
+            <a:fontRef idx="minor">
+              <a:schemeClr val="lt1"/>
+            </a:fontRef>
+          </p:style>
+          <p:txBody>
+            <a:bodyPr rtlCol="0" anchor="ctr"/>
+            <a:lstStyle/>
+            <a:p>
+              <a:pPr algn="ctr"/>
+              <a:endParaRPr lang="en-US"/>
+            </a:p>
+          </p:txBody>
+        </p:sp>
+        <p:sp>
+          <p:nvSpPr>
+            <p:cNvPr id="18" name="TextBox 17"/>
+            <p:cNvSpPr txBox="1"/>
+            <p:nvPr/>
+          </p:nvSpPr>
+          <p:spPr>
+            <a:xfrm>
+              <a:off x="3801501" y="4070967"/>
+              <a:ext cx="1531619" cy="369332"/>
+            </a:xfrm>
+            <a:prstGeom prst="rect">
+              <a:avLst/>
+            </a:prstGeom>
+            <a:noFill/>
+          </p:spPr>
+          <p:txBody>
+            <a:bodyPr wrap="square" rtlCol="0">
+              <a:spAutoFit/>
+            </a:bodyPr>
+            <a:lstStyle/>
+            <a:p>
+              <a:r>
+                <a:rPr lang="en-US" dirty="0">
+                  <a:solidFill>
+                    <a:schemeClr val="tx1">
+                      <a:lumMod val="65000"/>
+                      <a:lumOff val="35000"/>
+                    </a:schemeClr>
+                  </a:solidFill>
+                </a:rPr>
+                <a:t>Dev Subnet</a:t>
+              </a:r>
+            </a:p>
+          </p:txBody>
+        </p:sp>
+        <p:sp>
+          <p:nvSpPr>
+            <p:cNvPr id="19" name="TextBox 18"/>
+            <p:cNvSpPr txBox="1"/>
+            <p:nvPr/>
+          </p:nvSpPr>
+          <p:spPr>
+            <a:xfrm>
+              <a:off x="3856813" y="5321527"/>
+              <a:ext cx="1921363" cy="646331"/>
+            </a:xfrm>
+            <a:prstGeom prst="rect">
+              <a:avLst/>
+            </a:prstGeom>
+            <a:noFill/>
+          </p:spPr>
+          <p:txBody>
+            <a:bodyPr wrap="square" rtlCol="0">
+              <a:spAutoFit/>
+            </a:bodyPr>
+            <a:lstStyle/>
+            <a:p>
+              <a:pPr algn="ctr"/>
+              <a:r>
+                <a:rPr lang="en-US" dirty="0">
+                  <a:solidFill>
+                    <a:schemeClr val="tx1">
+                      <a:lumMod val="65000"/>
+                      <a:lumOff val="35000"/>
+                    </a:schemeClr>
+                  </a:solidFill>
+                </a:rPr>
+                <a:t>Dev Virtual Machine</a:t>
+              </a:r>
+            </a:p>
+          </p:txBody>
+        </p:sp>
+        <p:sp>
+          <p:nvSpPr>
+            <p:cNvPr id="20" name="TextBox 19"/>
+            <p:cNvSpPr txBox="1"/>
+            <p:nvPr/>
+          </p:nvSpPr>
+          <p:spPr>
+            <a:xfrm>
+              <a:off x="5210504" y="4587022"/>
+              <a:ext cx="624839" cy="369332"/>
+            </a:xfrm>
+            <a:prstGeom prst="rect">
+              <a:avLst/>
+            </a:prstGeom>
+            <a:noFill/>
+          </p:spPr>
+          <p:txBody>
+            <a:bodyPr wrap="square" rtlCol="0">
+              <a:spAutoFit/>
+            </a:bodyPr>
+            <a:lstStyle/>
+            <a:p>
+              <a:pPr algn="ctr"/>
+              <a:r>
+                <a:rPr lang="en-US" dirty="0">
+                  <a:solidFill>
+                    <a:schemeClr val="tx1">
+                      <a:lumMod val="65000"/>
+                      <a:lumOff val="35000"/>
+                    </a:schemeClr>
+                  </a:solidFill>
+                </a:rPr>
+                <a:t>NSG</a:t>
+              </a:r>
+            </a:p>
+          </p:txBody>
+        </p:sp>
+        <p:sp>
+          <p:nvSpPr>
+            <p:cNvPr id="82" name="TextBox 81"/>
+            <p:cNvSpPr txBox="1"/>
+            <p:nvPr/>
+          </p:nvSpPr>
+          <p:spPr>
+            <a:xfrm>
+              <a:off x="2168520" y="3791333"/>
+              <a:ext cx="1664963" cy="369332"/>
+            </a:xfrm>
+            <a:prstGeom prst="rect">
+              <a:avLst/>
+            </a:prstGeom>
+            <a:noFill/>
+          </p:spPr>
+          <p:txBody>
+            <a:bodyPr wrap="square" rtlCol="0">
+              <a:spAutoFit/>
+            </a:bodyPr>
+            <a:lstStyle/>
+            <a:p>
+              <a:pPr algn="ctr"/>
+              <a:r>
+                <a:rPr lang="en-US" dirty="0">
+                  <a:solidFill>
+                    <a:schemeClr val="tx1">
+                      <a:lumMod val="65000"/>
+                      <a:lumOff val="35000"/>
+                    </a:schemeClr>
+                  </a:solidFill>
+                </a:rPr>
+                <a:t>Virtual Network</a:t>
+              </a:r>
+            </a:p>
+          </p:txBody>
+        </p:sp>
+      </p:grpSp>
+      <p:sp>
+        <p:nvSpPr>
+          <p:cNvPr id="6" name="Rectangle: Rounded Corners 5"/>
+          <p:cNvSpPr/>
+          <p:nvPr/>
+        </p:nvSpPr>
+        <p:spPr>
+          <a:xfrm>
+            <a:off x="4031186" y="3782331"/>
+            <a:ext cx="620255" cy="315433"/>
+          </a:xfrm>
+          <a:prstGeom prst="roundRect">
+            <a:avLst/>
+          </a:prstGeom>
+          <a:solidFill>
+            <a:schemeClr val="bg1">
+              <a:lumMod val="85000"/>
+            </a:schemeClr>
+          </a:solidFill>
+          <a:ln>
+            <a:solidFill>
+              <a:schemeClr val="bg2">
+                <a:lumMod val="50000"/>
+              </a:schemeClr>
+            </a:solidFill>
+          </a:ln>
+        </p:spPr>
+        <p:style>
+          <a:lnRef idx="2">
+            <a:schemeClr val="accent1">
+              <a:shade val="50000"/>
+            </a:schemeClr>
+          </a:lnRef>
+          <a:fillRef idx="1">
+            <a:schemeClr val="accent1"/>
+          </a:fillRef>
+          <a:effectRef idx="0">
+            <a:schemeClr val="accent1"/>
+          </a:effectRef>
+          <a:fontRef idx="minor">
+            <a:schemeClr val="lt1"/>
+          </a:fontRef>
+        </p:style>
+        <p:txBody>
+          <a:bodyPr rtlCol="0" anchor="ctr"/>
+          <a:lstStyle/>
+          <a:p>
+            <a:pPr algn="ctr"/>
+            <a:r>
+              <a:rPr lang="en-US" dirty="0">
+                <a:solidFill>
+                  <a:schemeClr val="bg2">
+                    <a:lumMod val="50000"/>
+                  </a:schemeClr>
+                </a:solidFill>
+              </a:rPr>
+              <a:t>PIP</a:t>
+            </a:r>
+          </a:p>
+        </p:txBody>
+      </p:sp>
+      <p:cxnSp>
+        <p:nvCxnSpPr>
+          <p:cNvPr id="28" name="Connector: Elbow 27"/>
+          <p:cNvCxnSpPr>
+            <a:cxnSpLocks/>
+            <a:stCxn id="6" idx="0"/>
+            <a:endCxn id="43" idx="3"/>
+          </p:cNvCxnSpPr>
+          <p:nvPr/>
+        </p:nvCxnSpPr>
+        <p:spPr>
+          <a:xfrm rot="16200000" flipV="1">
+            <a:off x="3677931" y="3118948"/>
+            <a:ext cx="402905" cy="923862"/>
+          </a:xfrm>
+          <a:prstGeom prst="bentConnector2">
+            <a:avLst/>
+          </a:prstGeom>
+          <a:ln w="15875">
+            <a:headEnd type="triangle"/>
+            <a:tailEnd type="triangle"/>
+          </a:ln>
+        </p:spPr>
+        <p:style>
+          <a:lnRef idx="1">
+            <a:schemeClr val="accent1"/>
+          </a:lnRef>
+          <a:fillRef idx="0">
+            <a:schemeClr val="accent1"/>
+          </a:fillRef>
+          <a:effectRef idx="0">
+            <a:schemeClr val="accent1"/>
+          </a:effectRef>
+          <a:fontRef idx="minor">
+            <a:schemeClr val="tx1"/>
+          </a:fontRef>
+        </p:style>
+      </p:cxnSp>
+      <p:cxnSp>
+        <p:nvCxnSpPr>
+          <p:cNvPr id="29" name="Connector: Elbow 28"/>
+          <p:cNvCxnSpPr>
+            <a:cxnSpLocks/>
+            <a:stCxn id="6" idx="2"/>
+            <a:endCxn id="22" idx="3"/>
+          </p:cNvCxnSpPr>
+          <p:nvPr/>
+        </p:nvCxnSpPr>
+        <p:spPr>
+          <a:xfrm rot="5400000">
+            <a:off x="3679760" y="3839114"/>
+            <a:ext cx="402904" cy="920205"/>
+          </a:xfrm>
+          <a:prstGeom prst="bentConnector2">
+            <a:avLst/>
+          </a:prstGeom>
+          <a:ln w="15875">
+            <a:headEnd type="triangle"/>
+            <a:tailEnd type="triangle"/>
+          </a:ln>
+        </p:spPr>
+        <p:style>
+          <a:lnRef idx="1">
+            <a:schemeClr val="accent1"/>
+          </a:lnRef>
+          <a:fillRef idx="0">
+            <a:schemeClr val="accent1"/>
+          </a:fillRef>
+          <a:effectRef idx="0">
+            <a:schemeClr val="accent1"/>
+          </a:effectRef>
+          <a:fontRef idx="minor">
+            <a:schemeClr val="tx1"/>
+          </a:fontRef>
+        </p:style>
+      </p:cxnSp>
+      <p:cxnSp>
+        <p:nvCxnSpPr>
+          <p:cNvPr id="32" name="Straight Arrow Connector 31"/>
+          <p:cNvCxnSpPr>
+            <a:cxnSpLocks/>
+            <a:stCxn id="6" idx="3"/>
+            <a:endCxn id="7" idx="1"/>
+          </p:cNvCxnSpPr>
+          <p:nvPr/>
+        </p:nvCxnSpPr>
+        <p:spPr>
+          <a:xfrm>
+            <a:off x="4651441" y="3940048"/>
+            <a:ext cx="2644853" cy="662"/>
+          </a:xfrm>
+          <a:prstGeom prst="straightConnector1">
+            <a:avLst/>
+          </a:prstGeom>
+          <a:ln w="15875">
+            <a:headEnd type="triangle"/>
+            <a:tailEnd type="triangle"/>
+          </a:ln>
+        </p:spPr>
+        <p:style>
+          <a:lnRef idx="1">
+            <a:schemeClr val="accent1"/>
+          </a:lnRef>
+          <a:fillRef idx="0">
+            <a:schemeClr val="accent1"/>
+          </a:fillRef>
+          <a:effectRef idx="0">
+            <a:schemeClr val="accent1"/>
+          </a:effectRef>
+          <a:fontRef idx="minor">
+            <a:schemeClr val="tx1"/>
+          </a:fontRef>
+        </p:style>
+      </p:cxnSp>
+    </p:spTree>
+    <p:extLst>
+      <p:ext uri="{BB962C8B-B14F-4D97-AF65-F5344CB8AC3E}">
+        <p14:creationId xmlns:p14="http://schemas.microsoft.com/office/powerpoint/2010/main" val="652140185"/>
+      </p:ext>
+    </p:extLst>
+  </p:cSld>
+  <p:clrMapOvr>
+    <a:masterClrMapping/>
+  </p:clrMapOvr>
+</p:sld>
+</file>
+
+<file path=ppt/slides/slide2.xml><?xml version="1.0" encoding="utf-8"?>
+<p:sld xmlns:a="http://schemas.openxmlformats.org/drawingml/2006/main" xmlns:r="http://schemas.openxmlformats.org/officeDocument/2006/relationships" xmlns:p="http://schemas.openxmlformats.org/presentationml/2006/main">
+  <p:cSld>
+    <p:spTree>
+      <p:nvGrpSpPr>
+        <p:cNvPr id="1" name=""/>
+        <p:cNvGrpSpPr/>
+        <p:nvPr/>
+      </p:nvGrpSpPr>
+      <p:grpSpPr>
+        <a:xfrm>
+          <a:off x="0" y="0"/>
+          <a:ext cx="0" cy="0"/>
+          <a:chOff x="0" y="0"/>
+          <a:chExt cx="0" cy="0"/>
+        </a:xfrm>
+      </p:grpSpPr>
+      <p:sp>
+        <p:nvSpPr>
+          <p:cNvPr id="21" name="Rectangle 20"/>
+          <p:cNvSpPr/>
+          <p:nvPr/>
+        </p:nvSpPr>
+        <p:spPr>
+          <a:xfrm>
+            <a:off x="2719754" y="1533679"/>
+            <a:ext cx="7317532" cy="4166970"/>
+          </a:xfrm>
+          <a:prstGeom prst="rect">
+            <a:avLst/>
+          </a:prstGeom>
+          <a:solidFill>
+            <a:schemeClr val="accent6">
+              <a:lumMod val="40000"/>
+              <a:lumOff val="60000"/>
+              <a:alpha val="43000"/>
+            </a:schemeClr>
+          </a:solidFill>
+          <a:ln>
+            <a:solidFill>
+              <a:schemeClr val="accent6">
+                <a:lumMod val="60000"/>
+                <a:lumOff val="40000"/>
+              </a:schemeClr>
+            </a:solidFill>
+          </a:ln>
+        </p:spPr>
+        <p:style>
+          <a:lnRef idx="2">
+            <a:schemeClr val="accent1">
+              <a:shade val="50000"/>
+            </a:schemeClr>
+          </a:lnRef>
+          <a:fillRef idx="1">
+            <a:schemeClr val="accent1"/>
+          </a:fillRef>
+          <a:effectRef idx="0">
+            <a:schemeClr val="accent1"/>
+          </a:effectRef>
+          <a:fontRef idx="minor">
+            <a:schemeClr val="lt1"/>
+          </a:fontRef>
+        </p:style>
+        <p:txBody>
+          <a:bodyPr rtlCol="0" anchor="ctr"/>
+          <a:lstStyle/>
+          <a:p>
+            <a:pPr algn="ctr"/>
+            <a:endParaRPr lang="en-US"/>
+          </a:p>
+        </p:txBody>
+      </p:sp>
+      <p:grpSp>
+        <p:nvGrpSpPr>
+          <p:cNvPr id="27" name="Group 26"/>
+          <p:cNvGrpSpPr/>
+          <p:nvPr/>
+        </p:nvGrpSpPr>
+        <p:grpSpPr>
+          <a:xfrm>
+            <a:off x="1518513" y="3428471"/>
+            <a:ext cx="911287" cy="1078857"/>
+            <a:chOff x="-6064" y="4930503"/>
+            <a:chExt cx="911287" cy="1078857"/>
+          </a:xfrm>
+        </p:grpSpPr>
+        <p:pic>
+          <p:nvPicPr>
+            <p:cNvPr id="22" name="Picture 21"/>
+            <p:cNvPicPr>
+              <a:picLocks noChangeAspect="1"/>
+            </p:cNvPicPr>
+            <p:nvPr/>
+          </p:nvPicPr>
+          <p:blipFill>
+            <a:blip r:embed="rId2">
+              <a:extLst>
+                <a:ext uri="{28A0092B-C50C-407E-A947-70E740481C1C}">
+                  <a14:useLocalDpi xmlns:a14="http://schemas.microsoft.com/office/drawing/2010/main" val="0"/>
+                </a:ext>
+              </a:extLst>
+            </a:blip>
+            <a:stretch>
+              <a:fillRect/>
+            </a:stretch>
+          </p:blipFill>
+          <p:spPr>
+            <a:xfrm>
+              <a:off x="59435" y="4930503"/>
+              <a:ext cx="780290" cy="780290"/>
+            </a:xfrm>
+            <a:prstGeom prst="rect">
+              <a:avLst/>
+            </a:prstGeom>
+          </p:spPr>
+        </p:pic>
+        <p:sp>
+          <p:nvSpPr>
+            <p:cNvPr id="26" name="TextBox 25"/>
+            <p:cNvSpPr txBox="1"/>
+            <p:nvPr/>
+          </p:nvSpPr>
+          <p:spPr>
+            <a:xfrm>
+              <a:off x="-6064" y="5640028"/>
+              <a:ext cx="911287" cy="369332"/>
+            </a:xfrm>
+            <a:prstGeom prst="rect">
+              <a:avLst/>
+            </a:prstGeom>
+            <a:noFill/>
+          </p:spPr>
+          <p:txBody>
+            <a:bodyPr wrap="square" rtlCol="0">
+              <a:spAutoFit/>
+            </a:bodyPr>
+            <a:lstStyle/>
+            <a:p>
+              <a:pPr algn="ctr"/>
+              <a:r>
+                <a:rPr lang="en-US" dirty="0">
+                  <a:solidFill>
+                    <a:schemeClr val="tx1">
+                      <a:lumMod val="65000"/>
+                      <a:lumOff val="35000"/>
+                    </a:schemeClr>
+                  </a:solidFill>
+                </a:rPr>
+                <a:t>Admin</a:t>
+              </a:r>
+            </a:p>
+          </p:txBody>
+        </p:sp>
+      </p:grpSp>
+      <p:grpSp>
+        <p:nvGrpSpPr>
+          <p:cNvPr id="45" name="Group 44"/>
+          <p:cNvGrpSpPr/>
+          <p:nvPr/>
+        </p:nvGrpSpPr>
+        <p:grpSpPr>
+          <a:xfrm>
+            <a:off x="1492876" y="2307229"/>
+            <a:ext cx="955249" cy="926170"/>
+            <a:chOff x="5618375" y="3424960"/>
+            <a:chExt cx="955249" cy="926170"/>
+          </a:xfrm>
+        </p:grpSpPr>
+        <p:pic>
+          <p:nvPicPr>
+            <p:cNvPr id="43" name="Picture 42"/>
+            <p:cNvPicPr>
+              <a:picLocks noChangeAspect="1"/>
+            </p:cNvPicPr>
+            <p:nvPr/>
+          </p:nvPicPr>
+          <p:blipFill>
+            <a:blip r:embed="rId3">
+              <a:extLst>
+                <a:ext uri="{28A0092B-C50C-407E-A947-70E740481C1C}">
+                  <a14:useLocalDpi xmlns:a14="http://schemas.microsoft.com/office/drawing/2010/main" val="0"/>
+                </a:ext>
+              </a:extLst>
+            </a:blip>
+            <a:stretch>
+              <a:fillRect/>
+            </a:stretch>
+          </p:blipFill>
+          <p:spPr>
+            <a:xfrm>
+              <a:off x="5705854" y="3424960"/>
+              <a:ext cx="780290" cy="780290"/>
+            </a:xfrm>
+            <a:prstGeom prst="rect">
+              <a:avLst/>
+            </a:prstGeom>
+          </p:spPr>
+        </p:pic>
+        <p:sp>
+          <p:nvSpPr>
+            <p:cNvPr id="44" name="TextBox 43"/>
+            <p:cNvSpPr txBox="1"/>
+            <p:nvPr/>
+          </p:nvSpPr>
+          <p:spPr>
+            <a:xfrm>
+              <a:off x="5618375" y="3981798"/>
+              <a:ext cx="955249" cy="369332"/>
+            </a:xfrm>
+            <a:prstGeom prst="rect">
+              <a:avLst/>
+            </a:prstGeom>
+            <a:noFill/>
+          </p:spPr>
+          <p:txBody>
+            <a:bodyPr wrap="square" rtlCol="0">
+              <a:spAutoFit/>
+            </a:bodyPr>
+            <a:lstStyle/>
+            <a:p>
+              <a:pPr algn="ctr"/>
+              <a:r>
+                <a:rPr lang="en-US" dirty="0">
+                  <a:solidFill>
+                    <a:schemeClr val="tx1">
+                      <a:lumMod val="65000"/>
+                      <a:lumOff val="35000"/>
+                    </a:schemeClr>
+                  </a:solidFill>
+                </a:rPr>
+                <a:t>Internet</a:t>
+              </a:r>
+            </a:p>
+          </p:txBody>
+        </p:sp>
+      </p:grpSp>
+      <p:sp>
+        <p:nvSpPr>
+          <p:cNvPr id="3" name="Title 2"/>
+          <p:cNvSpPr>
+            <a:spLocks noGrp="1"/>
+          </p:cNvSpPr>
+          <p:nvPr>
+            <p:ph type="title"/>
+          </p:nvPr>
+        </p:nvSpPr>
+        <p:spPr>
+          <a:xfrm>
+            <a:off x="9872" y="-6858"/>
+            <a:ext cx="12182128" cy="558415"/>
+          </a:xfrm>
+          <a:solidFill>
+            <a:schemeClr val="bg1">
+              <a:lumMod val="85000"/>
+            </a:schemeClr>
+          </a:solidFill>
+        </p:spPr>
+        <p:txBody>
+          <a:bodyPr>
+            <a:normAutofit fontScale="90000"/>
+          </a:bodyPr>
+          <a:lstStyle/>
+          <a:p>
+            <a:r>
+              <a:rPr lang="en-US" dirty="0" err="1"/>
+              <a:t>OpenDev</a:t>
+            </a:r>
+            <a:r>
+              <a:rPr lang="en-US" dirty="0"/>
+              <a:t> Single-Virtual Machine Architecture</a:t>
+            </a:r>
+          </a:p>
+        </p:txBody>
+      </p:sp>
+      <p:sp>
+        <p:nvSpPr>
+          <p:cNvPr id="23" name="TextBox 22"/>
+          <p:cNvSpPr txBox="1"/>
+          <p:nvPr/>
+        </p:nvSpPr>
+        <p:spPr>
+          <a:xfrm>
+            <a:off x="2678686" y="1473800"/>
+            <a:ext cx="1742507" cy="369332"/>
+          </a:xfrm>
+          <a:prstGeom prst="rect">
+            <a:avLst/>
+          </a:prstGeom>
+          <a:noFill/>
+        </p:spPr>
+        <p:txBody>
+          <a:bodyPr wrap="square" rtlCol="0">
+            <a:spAutoFit/>
+          </a:bodyPr>
+          <a:lstStyle/>
+          <a:p>
+            <a:r>
+              <a:rPr lang="en-US" dirty="0">
+                <a:solidFill>
+                  <a:schemeClr val="accent6">
+                    <a:lumMod val="75000"/>
+                  </a:schemeClr>
+                </a:solidFill>
+              </a:rPr>
+              <a:t>Resource Group</a:t>
+            </a:r>
+          </a:p>
+        </p:txBody>
+      </p:sp>
+      <p:grpSp>
+        <p:nvGrpSpPr>
+          <p:cNvPr id="2" name="Group 1"/>
+          <p:cNvGrpSpPr/>
+          <p:nvPr/>
+        </p:nvGrpSpPr>
+        <p:grpSpPr>
+          <a:xfrm>
+            <a:off x="3979730" y="2031979"/>
+            <a:ext cx="3953721" cy="2385409"/>
+            <a:chOff x="2168520" y="3791333"/>
+            <a:chExt cx="3953721" cy="2385409"/>
+          </a:xfrm>
+        </p:grpSpPr>
+        <p:sp>
+          <p:nvSpPr>
+            <p:cNvPr id="12" name="Rectangle 11"/>
+            <p:cNvSpPr/>
+            <p:nvPr/>
+          </p:nvSpPr>
+          <p:spPr>
+            <a:xfrm>
+              <a:off x="2172692" y="3791333"/>
+              <a:ext cx="3949549" cy="2385409"/>
+            </a:xfrm>
+            <a:prstGeom prst="rect">
+              <a:avLst/>
+            </a:prstGeom>
+            <a:solidFill>
+              <a:schemeClr val="accent1">
+                <a:lumMod val="40000"/>
+                <a:lumOff val="60000"/>
+              </a:schemeClr>
+            </a:solidFill>
+            <a:ln w="19050">
+              <a:prstDash val="dash"/>
+            </a:ln>
+          </p:spPr>
+          <p:style>
+            <a:lnRef idx="2">
+              <a:schemeClr val="accent1">
+                <a:shade val="50000"/>
+              </a:schemeClr>
+            </a:lnRef>
+            <a:fillRef idx="1">
+              <a:schemeClr val="accent1"/>
+            </a:fillRef>
+            <a:effectRef idx="0">
+              <a:schemeClr val="accent1"/>
+            </a:effectRef>
+            <a:fontRef idx="minor">
+              <a:schemeClr val="lt1"/>
+            </a:fontRef>
+          </p:style>
+          <p:txBody>
+            <a:bodyPr rtlCol="0" anchor="ctr"/>
+            <a:lstStyle/>
+            <a:p>
+              <a:pPr algn="ctr"/>
+              <a:endParaRPr lang="en-US"/>
+            </a:p>
+          </p:txBody>
+        </p:sp>
+        <p:pic>
+          <p:nvPicPr>
+            <p:cNvPr id="7" name="Picture 6"/>
+            <p:cNvPicPr>
+              <a:picLocks noChangeAspect="1"/>
+            </p:cNvPicPr>
+            <p:nvPr/>
+          </p:nvPicPr>
+          <p:blipFill>
+            <a:blip r:embed="rId4">
+              <a:extLst>
+                <a:ext uri="{28A0092B-C50C-407E-A947-70E740481C1C}">
+                  <a14:useLocalDpi xmlns:a14="http://schemas.microsoft.com/office/drawing/2010/main" val="0"/>
+                </a:ext>
+              </a:extLst>
+            </a:blip>
+            <a:stretch>
+              <a:fillRect/>
+            </a:stretch>
+          </p:blipFill>
+          <p:spPr>
+            <a:xfrm>
+              <a:off x="4428277" y="4627867"/>
+              <a:ext cx="780290" cy="780290"/>
+            </a:xfrm>
+            <a:prstGeom prst="rect">
+              <a:avLst/>
+            </a:prstGeom>
+          </p:spPr>
+        </p:pic>
+        <p:pic>
+          <p:nvPicPr>
+            <p:cNvPr id="11" name="Picture 10"/>
+            <p:cNvPicPr>
+              <a:picLocks noChangeAspect="1"/>
+            </p:cNvPicPr>
+            <p:nvPr/>
+          </p:nvPicPr>
+          <p:blipFill>
+            <a:blip r:embed="rId5">
+              <a:extLst>
+                <a:ext uri="{BEBA8EAE-BF5A-486C-A8C5-ECC9F3942E4B}">
+                  <a14:imgProps xmlns:a14="http://schemas.microsoft.com/office/drawing/2010/main">
+                    <a14:imgLayer r:embed="rId6">
+                      <a14:imgEffect>
+                        <a14:saturation sat="0"/>
+                      </a14:imgEffect>
+                    </a14:imgLayer>
+                  </a14:imgProps>
+                </a:ext>
+                <a:ext uri="{28A0092B-C50C-407E-A947-70E740481C1C}">
+                  <a14:useLocalDpi xmlns:a14="http://schemas.microsoft.com/office/drawing/2010/main" val="0"/>
+                </a:ext>
+              </a:extLst>
+            </a:blip>
+            <a:stretch>
+              <a:fillRect/>
+            </a:stretch>
+          </p:blipFill>
+          <p:spPr>
+            <a:xfrm>
+              <a:off x="5267672" y="4142975"/>
+              <a:ext cx="510504" cy="510504"/>
+            </a:xfrm>
+            <a:prstGeom prst="rect">
+              <a:avLst/>
+            </a:prstGeom>
+          </p:spPr>
+        </p:pic>
+        <p:sp>
+          <p:nvSpPr>
+            <p:cNvPr id="17" name="Rectangle 16"/>
+            <p:cNvSpPr/>
+            <p:nvPr/>
+          </p:nvSpPr>
+          <p:spPr>
+            <a:xfrm>
+              <a:off x="3843062" y="4117362"/>
+              <a:ext cx="1950720" cy="1792931"/>
+            </a:xfrm>
+            <a:prstGeom prst="rect">
+              <a:avLst/>
+            </a:prstGeom>
+            <a:noFill/>
+            <a:ln>
+              <a:prstDash val="dash"/>
+            </a:ln>
+          </p:spPr>
+          <p:style>
+            <a:lnRef idx="2">
+              <a:schemeClr val="accent1">
+                <a:shade val="50000"/>
+              </a:schemeClr>
+            </a:lnRef>
+            <a:fillRef idx="1">
+              <a:schemeClr val="accent1"/>
+            </a:fillRef>
+            <a:effectRef idx="0">
+              <a:schemeClr val="accent1"/>
+            </a:effectRef>
+            <a:fontRef idx="minor">
+              <a:schemeClr val="lt1"/>
+            </a:fontRef>
+          </p:style>
+          <p:txBody>
+            <a:bodyPr rtlCol="0" anchor="ctr"/>
+            <a:lstStyle/>
+            <a:p>
+              <a:pPr algn="ctr"/>
+              <a:endParaRPr lang="en-US"/>
+            </a:p>
+          </p:txBody>
+        </p:sp>
+        <p:sp>
+          <p:nvSpPr>
+            <p:cNvPr id="18" name="TextBox 17"/>
+            <p:cNvSpPr txBox="1"/>
+            <p:nvPr/>
+          </p:nvSpPr>
+          <p:spPr>
+            <a:xfrm>
+              <a:off x="3801501" y="4070967"/>
+              <a:ext cx="1531619" cy="369332"/>
+            </a:xfrm>
+            <a:prstGeom prst="rect">
+              <a:avLst/>
+            </a:prstGeom>
+            <a:noFill/>
+          </p:spPr>
+          <p:txBody>
+            <a:bodyPr wrap="square" rtlCol="0">
+              <a:spAutoFit/>
+            </a:bodyPr>
+            <a:lstStyle/>
+            <a:p>
+              <a:r>
+                <a:rPr lang="en-US" dirty="0">
+                  <a:solidFill>
+                    <a:schemeClr val="tx1">
+                      <a:lumMod val="65000"/>
+                      <a:lumOff val="35000"/>
+                    </a:schemeClr>
+                  </a:solidFill>
+                </a:rPr>
+                <a:t>Dev Subnet</a:t>
+              </a:r>
+            </a:p>
+          </p:txBody>
+        </p:sp>
+        <p:sp>
+          <p:nvSpPr>
+            <p:cNvPr id="19" name="TextBox 18"/>
+            <p:cNvSpPr txBox="1"/>
+            <p:nvPr/>
+          </p:nvSpPr>
+          <p:spPr>
+            <a:xfrm>
+              <a:off x="3856813" y="5321527"/>
+              <a:ext cx="1921363" cy="646331"/>
+            </a:xfrm>
+            <a:prstGeom prst="rect">
+              <a:avLst/>
+            </a:prstGeom>
+            <a:noFill/>
+          </p:spPr>
+          <p:txBody>
+            <a:bodyPr wrap="square" rtlCol="0">
+              <a:spAutoFit/>
+            </a:bodyPr>
+            <a:lstStyle/>
+            <a:p>
+              <a:pPr algn="ctr"/>
+              <a:r>
+                <a:rPr lang="en-US" dirty="0">
+                  <a:solidFill>
+                    <a:schemeClr val="tx1">
+                      <a:lumMod val="65000"/>
+                      <a:lumOff val="35000"/>
+                    </a:schemeClr>
+                  </a:solidFill>
+                </a:rPr>
+                <a:t>Dev Virtual Machine</a:t>
+              </a:r>
+            </a:p>
+          </p:txBody>
+        </p:sp>
+        <p:sp>
+          <p:nvSpPr>
+            <p:cNvPr id="20" name="TextBox 19"/>
+            <p:cNvSpPr txBox="1"/>
+            <p:nvPr/>
+          </p:nvSpPr>
+          <p:spPr>
+            <a:xfrm>
+              <a:off x="5210504" y="4587022"/>
+              <a:ext cx="624839" cy="369332"/>
+            </a:xfrm>
+            <a:prstGeom prst="rect">
+              <a:avLst/>
+            </a:prstGeom>
+            <a:noFill/>
+          </p:spPr>
+          <p:txBody>
+            <a:bodyPr wrap="square" rtlCol="0">
+              <a:spAutoFit/>
+            </a:bodyPr>
+            <a:lstStyle/>
+            <a:p>
+              <a:pPr algn="ctr"/>
+              <a:r>
+                <a:rPr lang="en-US" dirty="0">
+                  <a:solidFill>
+                    <a:schemeClr val="tx1">
+                      <a:lumMod val="65000"/>
+                      <a:lumOff val="35000"/>
+                    </a:schemeClr>
+                  </a:solidFill>
+                </a:rPr>
+                <a:t>NSG</a:t>
+              </a:r>
+            </a:p>
+          </p:txBody>
+        </p:sp>
+        <p:sp>
+          <p:nvSpPr>
+            <p:cNvPr id="82" name="TextBox 81"/>
+            <p:cNvSpPr txBox="1"/>
+            <p:nvPr/>
+          </p:nvSpPr>
+          <p:spPr>
+            <a:xfrm>
+              <a:off x="2168520" y="3791333"/>
+              <a:ext cx="1664963" cy="369332"/>
+            </a:xfrm>
+            <a:prstGeom prst="rect">
+              <a:avLst/>
+            </a:prstGeom>
+            <a:noFill/>
+          </p:spPr>
+          <p:txBody>
+            <a:bodyPr wrap="square" rtlCol="0">
+              <a:spAutoFit/>
+            </a:bodyPr>
+            <a:lstStyle/>
+            <a:p>
+              <a:pPr algn="ctr"/>
+              <a:r>
+                <a:rPr lang="en-US" dirty="0">
+                  <a:solidFill>
+                    <a:schemeClr val="tx1">
+                      <a:lumMod val="65000"/>
+                      <a:lumOff val="35000"/>
+                    </a:schemeClr>
+                  </a:solidFill>
+                </a:rPr>
+                <a:t>Virtual Network</a:t>
+              </a:r>
+            </a:p>
+          </p:txBody>
+        </p:sp>
+      </p:grpSp>
+      <p:sp>
+        <p:nvSpPr>
+          <p:cNvPr id="6" name="Rectangle: Rounded Corners 5"/>
+          <p:cNvSpPr/>
+          <p:nvPr/>
+        </p:nvSpPr>
+        <p:spPr>
+          <a:xfrm>
+            <a:off x="2974379" y="3100279"/>
+            <a:ext cx="620255" cy="315433"/>
+          </a:xfrm>
+          <a:prstGeom prst="roundRect">
+            <a:avLst/>
+          </a:prstGeom>
+          <a:solidFill>
+            <a:schemeClr val="bg1">
+              <a:lumMod val="85000"/>
+            </a:schemeClr>
+          </a:solidFill>
+          <a:ln>
+            <a:solidFill>
+              <a:schemeClr val="bg2">
+                <a:lumMod val="50000"/>
+              </a:schemeClr>
+            </a:solidFill>
+          </a:ln>
+        </p:spPr>
+        <p:style>
+          <a:lnRef idx="2">
+            <a:schemeClr val="accent1">
+              <a:shade val="50000"/>
+            </a:schemeClr>
+          </a:lnRef>
+          <a:fillRef idx="1">
+            <a:schemeClr val="accent1"/>
+          </a:fillRef>
+          <a:effectRef idx="0">
+            <a:schemeClr val="accent1"/>
+          </a:effectRef>
+          <a:fontRef idx="minor">
+            <a:schemeClr val="lt1"/>
+          </a:fontRef>
+        </p:style>
+        <p:txBody>
+          <a:bodyPr rtlCol="0" anchor="ctr"/>
+          <a:lstStyle/>
+          <a:p>
+            <a:pPr algn="ctr"/>
+            <a:r>
+              <a:rPr lang="en-US" dirty="0">
+                <a:solidFill>
+                  <a:schemeClr val="bg2">
+                    <a:lumMod val="50000"/>
+                  </a:schemeClr>
+                </a:solidFill>
+              </a:rPr>
+              <a:t>PIP</a:t>
+            </a:r>
+          </a:p>
+        </p:txBody>
+      </p:sp>
+      <p:cxnSp>
+        <p:nvCxnSpPr>
+          <p:cNvPr id="28" name="Connector: Elbow 27"/>
+          <p:cNvCxnSpPr>
+            <a:cxnSpLocks/>
+            <a:stCxn id="6" idx="0"/>
+            <a:endCxn id="43" idx="3"/>
+          </p:cNvCxnSpPr>
+          <p:nvPr/>
+        </p:nvCxnSpPr>
+        <p:spPr>
+          <a:xfrm rot="16200000" flipV="1">
+            <a:off x="2621124" y="2436896"/>
+            <a:ext cx="402905" cy="923862"/>
+          </a:xfrm>
+          <a:prstGeom prst="bentConnector2">
+            <a:avLst/>
+          </a:prstGeom>
+          <a:ln w="15875">
+            <a:headEnd type="triangle"/>
+            <a:tailEnd type="triangle"/>
+          </a:ln>
+        </p:spPr>
+        <p:style>
+          <a:lnRef idx="1">
+            <a:schemeClr val="accent1"/>
+          </a:lnRef>
+          <a:fillRef idx="0">
+            <a:schemeClr val="accent1"/>
+          </a:fillRef>
+          <a:effectRef idx="0">
+            <a:schemeClr val="accent1"/>
+          </a:effectRef>
+          <a:fontRef idx="minor">
+            <a:schemeClr val="tx1"/>
+          </a:fontRef>
+        </p:style>
+      </p:cxnSp>
+      <p:cxnSp>
+        <p:nvCxnSpPr>
+          <p:cNvPr id="29" name="Connector: Elbow 28"/>
+          <p:cNvCxnSpPr>
+            <a:cxnSpLocks/>
+            <a:stCxn id="6" idx="2"/>
+            <a:endCxn id="22" idx="3"/>
+          </p:cNvCxnSpPr>
+          <p:nvPr/>
+        </p:nvCxnSpPr>
+        <p:spPr>
+          <a:xfrm rot="5400000">
+            <a:off x="2622953" y="3157062"/>
+            <a:ext cx="402904" cy="920205"/>
+          </a:xfrm>
+          <a:prstGeom prst="bentConnector2">
+            <a:avLst/>
+          </a:prstGeom>
+          <a:ln w="15875">
+            <a:headEnd type="triangle"/>
+            <a:tailEnd type="triangle"/>
+          </a:ln>
+        </p:spPr>
+        <p:style>
+          <a:lnRef idx="1">
+            <a:schemeClr val="accent1"/>
+          </a:lnRef>
+          <a:fillRef idx="0">
+            <a:schemeClr val="accent1"/>
+          </a:fillRef>
+          <a:effectRef idx="0">
+            <a:schemeClr val="accent1"/>
+          </a:effectRef>
+          <a:fontRef idx="minor">
+            <a:schemeClr val="tx1"/>
+          </a:fontRef>
+        </p:style>
+      </p:cxnSp>
+      <p:cxnSp>
+        <p:nvCxnSpPr>
+          <p:cNvPr id="32" name="Straight Arrow Connector 31"/>
+          <p:cNvCxnSpPr>
+            <a:cxnSpLocks/>
+            <a:stCxn id="6" idx="3"/>
+            <a:endCxn id="7" idx="1"/>
+          </p:cNvCxnSpPr>
+          <p:nvPr/>
+        </p:nvCxnSpPr>
+        <p:spPr>
+          <a:xfrm>
+            <a:off x="3594634" y="3257996"/>
+            <a:ext cx="2644853" cy="662"/>
+          </a:xfrm>
+          <a:prstGeom prst="straightConnector1">
+            <a:avLst/>
+          </a:prstGeom>
+          <a:ln w="15875">
+            <a:headEnd type="triangle"/>
+            <a:tailEnd type="triangle"/>
+          </a:ln>
+        </p:spPr>
+        <p:style>
+          <a:lnRef idx="1">
+            <a:schemeClr val="accent1"/>
+          </a:lnRef>
+          <a:fillRef idx="0">
+            <a:schemeClr val="accent1"/>
+          </a:fillRef>
+          <a:effectRef idx="0">
+            <a:schemeClr val="accent1"/>
+          </a:effectRef>
+          <a:fontRef idx="minor">
+            <a:schemeClr val="tx1"/>
+          </a:fontRef>
+        </p:style>
+      </p:cxnSp>
+      <p:grpSp>
+        <p:nvGrpSpPr>
+          <p:cNvPr id="24" name="Group 23"/>
+          <p:cNvGrpSpPr/>
+          <p:nvPr/>
+        </p:nvGrpSpPr>
+        <p:grpSpPr>
+          <a:xfrm>
+            <a:off x="8284373" y="1691460"/>
+            <a:ext cx="1513978" cy="1411225"/>
+            <a:chOff x="10615553" y="1544076"/>
+            <a:chExt cx="1513978" cy="1411225"/>
+          </a:xfrm>
+        </p:grpSpPr>
+        <p:pic>
+          <p:nvPicPr>
+            <p:cNvPr id="25" name="Picture 24"/>
+            <p:cNvPicPr>
+              <a:picLocks noChangeAspect="1"/>
+            </p:cNvPicPr>
+            <p:nvPr/>
+          </p:nvPicPr>
+          <p:blipFill>
+            <a:blip r:embed="rId7">
+              <a:extLst>
+                <a:ext uri="{28A0092B-C50C-407E-A947-70E740481C1C}">
+                  <a14:useLocalDpi xmlns:a14="http://schemas.microsoft.com/office/drawing/2010/main" val="0"/>
+                </a:ext>
+              </a:extLst>
+            </a:blip>
+            <a:stretch>
+              <a:fillRect/>
+            </a:stretch>
+          </p:blipFill>
+          <p:spPr>
+            <a:xfrm>
+              <a:off x="10982397" y="1544076"/>
+              <a:ext cx="780290" cy="780290"/>
+            </a:xfrm>
+            <a:prstGeom prst="rect">
+              <a:avLst/>
+            </a:prstGeom>
+          </p:spPr>
+        </p:pic>
+        <p:sp>
+          <p:nvSpPr>
+            <p:cNvPr id="30" name="TextBox 29"/>
+            <p:cNvSpPr txBox="1"/>
+            <p:nvPr/>
+          </p:nvSpPr>
+          <p:spPr>
+            <a:xfrm>
+              <a:off x="10615553" y="2308970"/>
+              <a:ext cx="1513978" cy="646331"/>
+            </a:xfrm>
+            <a:prstGeom prst="rect">
+              <a:avLst/>
+            </a:prstGeom>
+            <a:noFill/>
+          </p:spPr>
+          <p:txBody>
+            <a:bodyPr wrap="square" rtlCol="0">
+              <a:spAutoFit/>
+            </a:bodyPr>
+            <a:lstStyle/>
+            <a:p>
+              <a:pPr algn="ctr"/>
+              <a:r>
+                <a:rPr lang="en-US" dirty="0">
+                  <a:solidFill>
+                    <a:schemeClr val="tx1">
+                      <a:lumMod val="65000"/>
+                      <a:lumOff val="35000"/>
+                    </a:schemeClr>
+                  </a:solidFill>
+                </a:rPr>
+                <a:t>Document DB</a:t>
+              </a:r>
+            </a:p>
+            <a:p>
+              <a:pPr algn="ctr"/>
+              <a:r>
+                <a:rPr lang="en-US" dirty="0">
+                  <a:solidFill>
+                    <a:schemeClr val="tx1">
+                      <a:lumMod val="65000"/>
+                      <a:lumOff val="35000"/>
+                    </a:schemeClr>
+                  </a:solidFill>
+                </a:rPr>
+                <a:t>(</a:t>
+              </a:r>
+              <a:r>
+                <a:rPr lang="en-US" sz="1400" dirty="0">
+                  <a:solidFill>
+                    <a:schemeClr val="tx1">
+                      <a:lumMod val="65000"/>
+                      <a:lumOff val="35000"/>
+                    </a:schemeClr>
+                  </a:solidFill>
+                </a:rPr>
+                <a:t>Mongo DB API)</a:t>
+              </a:r>
+            </a:p>
+          </p:txBody>
+        </p:sp>
+      </p:grpSp>
+      <p:grpSp>
+        <p:nvGrpSpPr>
+          <p:cNvPr id="31" name="Group 30"/>
+          <p:cNvGrpSpPr/>
+          <p:nvPr/>
+        </p:nvGrpSpPr>
+        <p:grpSpPr>
+          <a:xfrm>
+            <a:off x="8328112" y="3212053"/>
+            <a:ext cx="1426500" cy="1038022"/>
+            <a:chOff x="10354884" y="4234504"/>
+            <a:chExt cx="1426500" cy="1038022"/>
+          </a:xfrm>
+        </p:grpSpPr>
+        <p:pic>
+          <p:nvPicPr>
+            <p:cNvPr id="33" name="Picture 32"/>
+            <p:cNvPicPr>
+              <a:picLocks noChangeAspect="1"/>
+            </p:cNvPicPr>
+            <p:nvPr/>
+          </p:nvPicPr>
+          <p:blipFill>
+            <a:blip r:embed="rId8">
+              <a:extLst>
+                <a:ext uri="{28A0092B-C50C-407E-A947-70E740481C1C}">
+                  <a14:useLocalDpi xmlns:a14="http://schemas.microsoft.com/office/drawing/2010/main" val="0"/>
+                </a:ext>
+              </a:extLst>
+            </a:blip>
+            <a:stretch>
+              <a:fillRect/>
+            </a:stretch>
+          </p:blipFill>
+          <p:spPr>
+            <a:xfrm>
+              <a:off x="10677989" y="4234504"/>
+              <a:ext cx="780290" cy="780290"/>
+            </a:xfrm>
+            <a:prstGeom prst="rect">
+              <a:avLst/>
+            </a:prstGeom>
+          </p:spPr>
+        </p:pic>
+        <p:sp>
+          <p:nvSpPr>
+            <p:cNvPr id="34" name="TextBox 33"/>
+            <p:cNvSpPr txBox="1"/>
+            <p:nvPr/>
+          </p:nvSpPr>
+          <p:spPr>
+            <a:xfrm>
+              <a:off x="10354884" y="4903194"/>
+              <a:ext cx="1426500" cy="369332"/>
+            </a:xfrm>
+            <a:prstGeom prst="rect">
+              <a:avLst/>
+            </a:prstGeom>
+            <a:noFill/>
+          </p:spPr>
+          <p:txBody>
+            <a:bodyPr wrap="square" rtlCol="0">
+              <a:spAutoFit/>
+            </a:bodyPr>
+            <a:lstStyle/>
+            <a:p>
+              <a:pPr algn="ctr"/>
+              <a:r>
+                <a:rPr lang="en-US" dirty="0">
+                  <a:solidFill>
+                    <a:schemeClr val="tx1">
+                      <a:lumMod val="65000"/>
+                      <a:lumOff val="35000"/>
+                    </a:schemeClr>
+                  </a:solidFill>
+                </a:rPr>
+                <a:t>Blob Storage</a:t>
+              </a:r>
+            </a:p>
+          </p:txBody>
+        </p:sp>
+      </p:grpSp>
+      <p:grpSp>
+        <p:nvGrpSpPr>
+          <p:cNvPr id="35" name="Group 34"/>
+          <p:cNvGrpSpPr/>
+          <p:nvPr/>
+        </p:nvGrpSpPr>
+        <p:grpSpPr>
+          <a:xfrm>
+            <a:off x="8368963" y="4426873"/>
+            <a:ext cx="1344799" cy="1149622"/>
+            <a:chOff x="10433929" y="5505811"/>
+            <a:chExt cx="1344799" cy="1149622"/>
+          </a:xfrm>
+        </p:grpSpPr>
+        <p:pic>
+          <p:nvPicPr>
+            <p:cNvPr id="36" name="Picture 35"/>
+            <p:cNvPicPr>
+              <a:picLocks noChangeAspect="1"/>
+            </p:cNvPicPr>
+            <p:nvPr/>
+          </p:nvPicPr>
+          <p:blipFill>
+            <a:blip r:embed="rId9">
+              <a:extLst>
+                <a:ext uri="{28A0092B-C50C-407E-A947-70E740481C1C}">
+                  <a14:useLocalDpi xmlns:a14="http://schemas.microsoft.com/office/drawing/2010/main" val="0"/>
+                </a:ext>
+              </a:extLst>
+            </a:blip>
+            <a:stretch>
+              <a:fillRect/>
+            </a:stretch>
+          </p:blipFill>
+          <p:spPr>
+            <a:xfrm>
+              <a:off x="10678482" y="5505811"/>
+              <a:ext cx="780290" cy="780290"/>
+            </a:xfrm>
+            <a:prstGeom prst="rect">
+              <a:avLst/>
+            </a:prstGeom>
+          </p:spPr>
+        </p:pic>
+        <p:sp>
+          <p:nvSpPr>
+            <p:cNvPr id="37" name="TextBox 36"/>
+            <p:cNvSpPr txBox="1"/>
+            <p:nvPr/>
+          </p:nvSpPr>
+          <p:spPr>
+            <a:xfrm>
+              <a:off x="10433929" y="6286101"/>
+              <a:ext cx="1344799" cy="369332"/>
+            </a:xfrm>
+            <a:prstGeom prst="rect">
+              <a:avLst/>
+            </a:prstGeom>
+            <a:noFill/>
+          </p:spPr>
+          <p:txBody>
+            <a:bodyPr wrap="square" rtlCol="0">
+              <a:spAutoFit/>
+            </a:bodyPr>
+            <a:lstStyle/>
+            <a:p>
+              <a:pPr algn="ctr"/>
+              <a:r>
+                <a:rPr lang="en-US" dirty="0" err="1">
+                  <a:solidFill>
+                    <a:schemeClr val="tx1">
+                      <a:lumMod val="65000"/>
+                      <a:lumOff val="35000"/>
+                    </a:schemeClr>
+                  </a:solidFill>
+                </a:rPr>
+                <a:t>Redis</a:t>
+              </a:r>
+              <a:r>
+                <a:rPr lang="en-US" dirty="0">
+                  <a:solidFill>
+                    <a:schemeClr val="tx1">
+                      <a:lumMod val="65000"/>
+                      <a:lumOff val="35000"/>
+                    </a:schemeClr>
+                  </a:solidFill>
+                </a:rPr>
+                <a:t> Cache</a:t>
+              </a:r>
+            </a:p>
+          </p:txBody>
+        </p:sp>
+      </p:grpSp>
+      <p:cxnSp>
+        <p:nvCxnSpPr>
+          <p:cNvPr id="38" name="Connector: Elbow 37"/>
+          <p:cNvCxnSpPr>
+            <a:cxnSpLocks/>
+            <a:stCxn id="36" idx="1"/>
+            <a:endCxn id="7" idx="3"/>
+          </p:cNvCxnSpPr>
+          <p:nvPr/>
+        </p:nvCxnSpPr>
+        <p:spPr>
+          <a:xfrm rot="10800000">
+            <a:off x="7019778" y="3258658"/>
+            <a:ext cx="1593739" cy="1558360"/>
+          </a:xfrm>
+          <a:prstGeom prst="bentConnector3">
+            <a:avLst>
+              <a:gd name="adj1" fmla="val 48589"/>
+            </a:avLst>
+          </a:prstGeom>
+          <a:ln w="15875">
+            <a:headEnd type="triangle"/>
+            <a:tailEnd type="triangle"/>
+          </a:ln>
+        </p:spPr>
+        <p:style>
+          <a:lnRef idx="1">
+            <a:schemeClr val="accent1"/>
+          </a:lnRef>
+          <a:fillRef idx="0">
+            <a:schemeClr val="accent1"/>
+          </a:fillRef>
+          <a:effectRef idx="0">
+            <a:schemeClr val="accent1"/>
+          </a:effectRef>
+          <a:fontRef idx="minor">
+            <a:schemeClr val="tx1"/>
+          </a:fontRef>
+        </p:style>
+      </p:cxnSp>
+      <p:cxnSp>
+        <p:nvCxnSpPr>
+          <p:cNvPr id="39" name="Connector: Elbow 38"/>
+          <p:cNvCxnSpPr>
+            <a:cxnSpLocks/>
+            <a:stCxn id="25" idx="1"/>
+            <a:endCxn id="7" idx="3"/>
+          </p:cNvCxnSpPr>
+          <p:nvPr/>
+        </p:nvCxnSpPr>
+        <p:spPr>
+          <a:xfrm rot="10800000" flipV="1">
+            <a:off x="7019777" y="2081604"/>
+            <a:ext cx="1631440" cy="1177053"/>
+          </a:xfrm>
+          <a:prstGeom prst="bentConnector3">
+            <a:avLst>
+              <a:gd name="adj1" fmla="val 50000"/>
+            </a:avLst>
+          </a:prstGeom>
+          <a:ln w="15875">
+            <a:headEnd type="triangle"/>
+            <a:tailEnd type="triangle"/>
+          </a:ln>
+        </p:spPr>
+        <p:style>
+          <a:lnRef idx="1">
+            <a:schemeClr val="accent1"/>
+          </a:lnRef>
+          <a:fillRef idx="0">
+            <a:schemeClr val="accent1"/>
+          </a:fillRef>
+          <a:effectRef idx="0">
+            <a:schemeClr val="accent1"/>
+          </a:effectRef>
+          <a:fontRef idx="minor">
+            <a:schemeClr val="tx1"/>
+          </a:fontRef>
+        </p:style>
+      </p:cxnSp>
+      <p:cxnSp>
+        <p:nvCxnSpPr>
+          <p:cNvPr id="42" name="Connector: Elbow 41"/>
+          <p:cNvCxnSpPr>
+            <a:cxnSpLocks/>
+            <a:stCxn id="33" idx="1"/>
+            <a:endCxn id="7" idx="3"/>
+          </p:cNvCxnSpPr>
+          <p:nvPr/>
+        </p:nvCxnSpPr>
+        <p:spPr>
+          <a:xfrm rot="10800000">
+            <a:off x="7019777" y="3258658"/>
+            <a:ext cx="1631440" cy="343540"/>
+          </a:xfrm>
+          <a:prstGeom prst="bentConnector3">
+            <a:avLst>
+              <a:gd name="adj1" fmla="val 50000"/>
+            </a:avLst>
+          </a:prstGeom>
+          <a:ln w="15875">
+            <a:headEnd type="triangle"/>
+            <a:tailEnd type="triangle"/>
+          </a:ln>
+        </p:spPr>
+        <p:style>
+          <a:lnRef idx="1">
+            <a:schemeClr val="accent1"/>
+          </a:lnRef>
+          <a:fillRef idx="0">
+            <a:schemeClr val="accent1"/>
+          </a:fillRef>
+          <a:effectRef idx="0">
+            <a:schemeClr val="accent1"/>
+          </a:effectRef>
+          <a:fontRef idx="minor">
+            <a:schemeClr val="tx1"/>
+          </a:fontRef>
+        </p:style>
+      </p:cxnSp>
+    </p:spTree>
+    <p:extLst>
+      <p:ext uri="{BB962C8B-B14F-4D97-AF65-F5344CB8AC3E}">
+        <p14:creationId xmlns:p14="http://schemas.microsoft.com/office/powerpoint/2010/main" val="2371436066"/>
+      </p:ext>
+    </p:extLst>
+  </p:cSld>
+  <p:clrMapOvr>
+    <a:masterClrMapping/>
+  </p:clrMapOvr>
+</p:sld>
+</file>
+
+<file path=ppt/slides/slide3.xml><?xml version="1.0" encoding="utf-8"?>
+<p:sld xmlns:a="http://schemas.openxmlformats.org/drawingml/2006/main" xmlns:r="http://schemas.openxmlformats.org/officeDocument/2006/relationships" xmlns:p="http://schemas.openxmlformats.org/presentationml/2006/main">
+  <p:cSld>
+    <p:spTree>
+      <p:nvGrpSpPr>
+        <p:cNvPr id="1" name=""/>
+        <p:cNvGrpSpPr/>
+        <p:nvPr/>
+      </p:nvGrpSpPr>
+      <p:grpSpPr>
+        <a:xfrm>
+          <a:off x="0" y="0"/>
+          <a:ext cx="0" cy="0"/>
+          <a:chOff x="0" y="0"/>
+          <a:chExt cx="0" cy="0"/>
+        </a:xfrm>
+      </p:grpSpPr>
+      <p:sp>
+        <p:nvSpPr>
+          <p:cNvPr id="67" name="Rectangle 66"/>
+          <p:cNvSpPr/>
+          <p:nvPr/>
+        </p:nvSpPr>
+        <p:spPr>
+          <a:xfrm>
+            <a:off x="1860240" y="737943"/>
+            <a:ext cx="9648124" cy="5935437"/>
+          </a:xfrm>
+          <a:prstGeom prst="rect">
+            <a:avLst/>
+          </a:prstGeom>
+          <a:solidFill>
+            <a:schemeClr val="accent6">
+              <a:lumMod val="40000"/>
+              <a:lumOff val="60000"/>
+              <a:alpha val="43000"/>
+            </a:schemeClr>
+          </a:solidFill>
+          <a:ln>
+            <a:solidFill>
+              <a:schemeClr val="accent6">
+                <a:lumMod val="60000"/>
+                <a:lumOff val="40000"/>
+              </a:schemeClr>
+            </a:solidFill>
+          </a:ln>
+        </p:spPr>
+        <p:style>
+          <a:lnRef idx="2">
+            <a:schemeClr val="accent1">
+              <a:shade val="50000"/>
+            </a:schemeClr>
+          </a:lnRef>
+          <a:fillRef idx="1">
+            <a:schemeClr val="accent1"/>
+          </a:fillRef>
+          <a:effectRef idx="0">
+            <a:schemeClr val="accent1"/>
+          </a:effectRef>
+          <a:fontRef idx="minor">
+            <a:schemeClr val="lt1"/>
+          </a:fontRef>
+        </p:style>
+        <p:txBody>
+          <a:bodyPr rtlCol="0" anchor="ctr"/>
+          <a:lstStyle/>
+          <a:p>
+            <a:pPr algn="ctr"/>
+            <a:endParaRPr lang="en-US"/>
+          </a:p>
+        </p:txBody>
+      </p:sp>
+      <p:sp>
+        <p:nvSpPr>
           <p:cNvPr id="12" name="Rectangle 11"/>
           <p:cNvSpPr/>
           <p:nvPr/>
         </p:nvSpPr>
         <p:spPr>
           <a:xfrm>
-            <a:off x="2172691" y="1194042"/>
-            <a:ext cx="8050975" cy="4852426"/>
+            <a:off x="3224219" y="1141577"/>
+            <a:ext cx="6594713" cy="4852426"/>
           </a:xfrm>
           <a:prstGeom prst="rect">
             <a:avLst/>
           </a:prstGeom>
           <a:solidFill>
             <a:schemeClr val="accent1">
-              <a:alpha val="21000"/>
+              <a:lumMod val="40000"/>
+              <a:lumOff val="60000"/>
             </a:schemeClr>
           </a:solidFill>
           <a:ln w="19050">
@@ -3005,7 +5107,7 @@
         </p:nvGrpSpPr>
         <p:grpSpPr>
           <a:xfrm>
-            <a:off x="3843062" y="4068332"/>
+            <a:off x="3438328" y="4015867"/>
             <a:ext cx="1992281" cy="1622527"/>
             <a:chOff x="2575869" y="4484869"/>
             <a:chExt cx="1992281" cy="1622527"/>
@@ -3262,7 +5364,7 @@
         </p:nvGrpSpPr>
         <p:grpSpPr>
           <a:xfrm>
-            <a:off x="872579" y="4659146"/>
+            <a:off x="467845" y="4606681"/>
             <a:ext cx="911287" cy="1078857"/>
             <a:chOff x="-6064" y="4930503"/>
             <a:chExt cx="911287" cy="1078857"/>
@@ -3344,7 +5446,7 @@
         </p:nvGrpSpPr>
         <p:grpSpPr>
           <a:xfrm>
-            <a:off x="3843062" y="1630656"/>
+            <a:off x="3438328" y="1578191"/>
             <a:ext cx="1992281" cy="2091191"/>
             <a:chOff x="1474990" y="987289"/>
             <a:chExt cx="1992281" cy="2091191"/>
@@ -3582,7 +5684,7 @@
         </p:nvGrpSpPr>
         <p:grpSpPr>
           <a:xfrm>
-            <a:off x="850599" y="2334257"/>
+            <a:off x="445865" y="2281792"/>
             <a:ext cx="955249" cy="926170"/>
             <a:chOff x="5618375" y="3424960"/>
             <a:chExt cx="955249" cy="926170"/>
@@ -3664,7 +5766,7 @@
         </p:nvGrpSpPr>
         <p:grpSpPr>
           <a:xfrm>
-            <a:off x="2306003" y="2334257"/>
+            <a:off x="1901269" y="2281792"/>
             <a:ext cx="1279006" cy="1411225"/>
             <a:chOff x="2857909" y="1544076"/>
             <a:chExt cx="1279006" cy="1411225"/>
@@ -3746,7 +5848,7 @@
         </p:nvGrpSpPr>
         <p:grpSpPr>
           <a:xfrm>
-            <a:off x="6424876" y="1631431"/>
+            <a:off x="6020142" y="1578966"/>
             <a:ext cx="3379089" cy="2114051"/>
             <a:chOff x="6816762" y="841250"/>
             <a:chExt cx="3379089" cy="2114051"/>
@@ -4066,7 +6168,7 @@
         </p:nvGrpSpPr>
         <p:grpSpPr>
           <a:xfrm>
-            <a:off x="10223667" y="2334257"/>
+            <a:off x="9818933" y="2281792"/>
             <a:ext cx="1513978" cy="1411225"/>
             <a:chOff x="10615553" y="1544076"/>
             <a:chExt cx="1513978" cy="1411225"/>
@@ -4176,7 +6278,7 @@
         </p:nvCxnSpPr>
         <p:spPr>
           <a:xfrm>
-            <a:off x="1718368" y="2724402"/>
+            <a:off x="1313634" y="2671937"/>
             <a:ext cx="836993" cy="0"/>
           </a:xfrm>
           <a:prstGeom prst="straightConnector1">
@@ -4214,7 +6316,7 @@
         </p:nvCxnSpPr>
         <p:spPr>
           <a:xfrm flipV="1">
-            <a:off x="3335651" y="2724157"/>
+            <a:off x="2930917" y="2671692"/>
             <a:ext cx="1138506" cy="245"/>
           </a:xfrm>
           <a:prstGeom prst="straightConnector1">
@@ -4252,7 +6354,7 @@
         </p:nvCxnSpPr>
         <p:spPr>
           <a:xfrm>
-            <a:off x="5254447" y="2724157"/>
+            <a:off x="4849713" y="2671692"/>
             <a:ext cx="1580007" cy="245"/>
           </a:xfrm>
           <a:prstGeom prst="straightConnector1">
@@ -4290,7 +6392,7 @@
         </p:nvCxnSpPr>
         <p:spPr>
           <a:xfrm>
-            <a:off x="7614744" y="2724402"/>
+            <a:off x="7210010" y="2671937"/>
             <a:ext cx="828035" cy="530"/>
           </a:xfrm>
           <a:prstGeom prst="straightConnector1">
@@ -4327,7 +6429,7 @@
         </p:nvCxnSpPr>
         <p:spPr>
           <a:xfrm>
-            <a:off x="9223069" y="2724932"/>
+            <a:off x="8818335" y="2672467"/>
             <a:ext cx="1452264" cy="0"/>
           </a:xfrm>
           <a:prstGeom prst="straightConnector1">
@@ -4364,7 +6466,7 @@
         </p:nvCxnSpPr>
         <p:spPr>
           <a:xfrm>
-            <a:off x="1718368" y="5018012"/>
+            <a:off x="1313634" y="4965547"/>
             <a:ext cx="2709909" cy="0"/>
           </a:xfrm>
           <a:prstGeom prst="straightConnector1">
@@ -4398,7 +6500,7 @@
         </p:nvSpPr>
         <p:spPr>
           <a:xfrm>
-            <a:off x="1836068" y="4736752"/>
+            <a:off x="1326404" y="4684287"/>
             <a:ext cx="2404419" cy="584775"/>
           </a:xfrm>
           <a:prstGeom prst="rect">
@@ -4449,7 +6551,7 @@
         </p:nvSpPr>
         <p:spPr>
           <a:xfrm>
-            <a:off x="2172690" y="1194041"/>
+            <a:off x="3191061" y="1121105"/>
             <a:ext cx="1664963" cy="369332"/>
           </a:xfrm>
           <a:prstGeom prst="rect">
@@ -4506,8 +6608,12 @@
           <a:lstStyle/>
           <a:p>
             <a:r>
+              <a:rPr lang="en-US" dirty="0" err="1"/>
+              <a:t>OpenDev</a:t>
+            </a:r>
+            <a:r>
               <a:rPr lang="en-US" dirty="0"/>
-              <a:t>Azure X Session 2 Architecture</a:t>
+              <a:t> Single-Region Multi-Instance Architecture</a:t>
             </a:r>
           </a:p>
         </p:txBody>
@@ -4520,7 +6626,7 @@
         </p:nvGrpSpPr>
         <p:grpSpPr>
           <a:xfrm>
-            <a:off x="10352228" y="4056831"/>
+            <a:off x="9947494" y="4004366"/>
             <a:ext cx="1426500" cy="1038022"/>
             <a:chOff x="10354884" y="4234504"/>
             <a:chExt cx="1426500" cy="1038022"/>
@@ -4588,7 +6694,7 @@
                     </a:schemeClr>
                   </a:solidFill>
                 </a:rPr>
-                <a:t>App Storage</a:t>
+                <a:t>Blob Storage</a:t>
               </a:r>
             </a:p>
           </p:txBody>
@@ -4606,7 +6712,7 @@
         </p:nvCxnSpPr>
         <p:spPr>
           <a:xfrm rot="10800000">
-            <a:off x="5254447" y="2724158"/>
+            <a:off x="4849713" y="2671693"/>
             <a:ext cx="5420886" cy="1722819"/>
           </a:xfrm>
           <a:prstGeom prst="bentConnector3">
@@ -4642,7 +6748,7 @@
         </p:nvGrpSpPr>
         <p:grpSpPr>
           <a:xfrm>
-            <a:off x="10433929" y="5505811"/>
+            <a:off x="10029195" y="5453346"/>
             <a:ext cx="1344799" cy="1149622"/>
             <a:chOff x="10433929" y="5505811"/>
             <a:chExt cx="1344799" cy="1149622"/>
@@ -4739,7 +6845,7 @@
         </p:nvCxnSpPr>
         <p:spPr>
           <a:xfrm rot="10800000">
-            <a:off x="5254448" y="2724158"/>
+            <a:off x="4849714" y="2671693"/>
             <a:ext cx="5424035" cy="3171799"/>
           </a:xfrm>
           <a:prstGeom prst="bentConnector3">
@@ -4767,10 +6873,45 @@
           </a:fontRef>
         </p:style>
       </p:cxnSp>
+      <p:sp>
+        <p:nvSpPr>
+          <p:cNvPr id="68" name="TextBox 67"/>
+          <p:cNvSpPr txBox="1"/>
+          <p:nvPr/>
+        </p:nvSpPr>
+        <p:spPr>
+          <a:xfrm>
+            <a:off x="1797334" y="685411"/>
+            <a:ext cx="1742507" cy="369332"/>
+          </a:xfrm>
+          <a:prstGeom prst="rect">
+            <a:avLst/>
+          </a:prstGeom>
+          <a:noFill/>
+        </p:spPr>
+        <p:txBody>
+          <a:bodyPr wrap="square" rtlCol="0">
+            <a:spAutoFit/>
+          </a:bodyPr>
+          <a:lstStyle/>
+          <a:p>
+            <a:r>
+              <a:rPr lang="en-US" dirty="0">
+                <a:solidFill>
+                  <a:schemeClr val="accent6">
+                    <a:lumMod val="75000"/>
+                  </a:schemeClr>
+                </a:solidFill>
+              </a:rPr>
+              <a:t>Resource Group</a:t>
+            </a:r>
+          </a:p>
+        </p:txBody>
+      </p:sp>
     </p:spTree>
     <p:extLst>
       <p:ext uri="{BB962C8B-B14F-4D97-AF65-F5344CB8AC3E}">
-        <p14:creationId xmlns:p14="http://schemas.microsoft.com/office/powerpoint/2010/main" val="2749512263"/>
+        <p14:creationId xmlns:p14="http://schemas.microsoft.com/office/powerpoint/2010/main" val="2855757861"/>
       </p:ext>
     </p:extLst>
   </p:cSld>
@@ -4780,7 +6921,7 @@
 </p:sld>
 </file>
 
-<file path=ppt/slides/slide2.xml><?xml version="1.0" encoding="utf-8"?>
+<file path=ppt/slides/slide4.xml><?xml version="1.0" encoding="utf-8"?>
 <p:sld xmlns:a="http://schemas.openxmlformats.org/drawingml/2006/main" xmlns:r="http://schemas.openxmlformats.org/officeDocument/2006/relationships" xmlns:p="http://schemas.openxmlformats.org/presentationml/2006/main">
   <p:cSld>
     <p:spTree>
@@ -4825,8 +6966,12 @@
           <a:lstStyle/>
           <a:p>
             <a:r>
+              <a:rPr lang="en-US" dirty="0" err="1"/>
+              <a:t>OpenDev</a:t>
+            </a:r>
+            <a:r>
               <a:rPr lang="en-US" dirty="0"/>
-              <a:t>Azure X Session 3 Architecture</a:t>
+              <a:t> Multi-Region Multi-Instance Architecture</a:t>
             </a:r>
           </a:p>
         </p:txBody>
@@ -5003,7 +7148,7 @@
         </p:nvGrpSpPr>
         <p:grpSpPr>
           <a:xfrm>
-            <a:off x="5743014" y="3244126"/>
+            <a:off x="5743014" y="4255422"/>
             <a:ext cx="721884" cy="813985"/>
             <a:chOff x="5585175" y="4864299"/>
             <a:chExt cx="721884" cy="813985"/>
@@ -5126,46 +7271,8 @@
         </p:nvCxnSpPr>
         <p:spPr>
           <a:xfrm rot="5400000">
-            <a:off x="8777250" y="5635942"/>
-            <a:ext cx="604590" cy="660434"/>
-          </a:xfrm>
-          <a:prstGeom prst="bentConnector2">
-            <a:avLst/>
-          </a:prstGeom>
-          <a:ln w="15875">
-            <a:headEnd type="triangle"/>
-            <a:tailEnd type="triangle"/>
-          </a:ln>
-        </p:spPr>
-        <p:style>
-          <a:lnRef idx="1">
-            <a:schemeClr val="accent1"/>
-          </a:lnRef>
-          <a:fillRef idx="0">
-            <a:schemeClr val="accent1"/>
-          </a:fillRef>
-          <a:effectRef idx="0">
-            <a:schemeClr val="accent1"/>
-          </a:effectRef>
-          <a:fontRef idx="minor">
-            <a:schemeClr val="tx1"/>
-          </a:fontRef>
-        </p:style>
-      </p:cxnSp>
-      <p:cxnSp>
-        <p:nvCxnSpPr>
-          <p:cNvPr id="164" name="Connector: Elbow 163"/>
-          <p:cNvCxnSpPr>
-            <a:cxnSpLocks/>
-            <a:stCxn id="126" idx="2"/>
-            <a:endCxn id="15" idx="1"/>
-          </p:cNvCxnSpPr>
-          <p:nvPr/>
-        </p:nvCxnSpPr>
-        <p:spPr>
-          <a:xfrm rot="16200000" flipH="1">
-            <a:off x="2812356" y="5655928"/>
-            <a:ext cx="604591" cy="620459"/>
+            <a:off x="8738769" y="5516967"/>
+            <a:ext cx="683318" cy="662200"/>
           </a:xfrm>
           <a:prstGeom prst="bentConnector2">
             <a:avLst/>
@@ -5192,18 +7299,56 @@
       </p:cxnSp>
       <p:grpSp>
         <p:nvGrpSpPr>
-          <p:cNvPr id="40" name="Group 39"/>
+          <p:cNvPr id="11" name="Group 10"/>
           <p:cNvGrpSpPr/>
           <p:nvPr/>
         </p:nvGrpSpPr>
         <p:grpSpPr>
           <a:xfrm>
-            <a:off x="0" y="779766"/>
-            <a:ext cx="5561076" cy="4915377"/>
-            <a:chOff x="0" y="779766"/>
-            <a:chExt cx="5561076" cy="4915377"/>
+            <a:off x="0" y="969386"/>
+            <a:ext cx="5543252" cy="5220339"/>
+            <a:chOff x="0" y="1126842"/>
+            <a:chExt cx="5543252" cy="5220339"/>
           </a:xfrm>
         </p:grpSpPr>
+        <p:cxnSp>
+          <p:nvCxnSpPr>
+            <p:cNvPr id="164" name="Connector: Elbow 163"/>
+            <p:cNvCxnSpPr>
+              <a:cxnSpLocks/>
+              <a:stCxn id="126" idx="2"/>
+              <a:endCxn id="15" idx="1"/>
+            </p:cNvCxnSpPr>
+            <p:nvPr/>
+          </p:nvCxnSpPr>
+          <p:spPr>
+            <a:xfrm rot="16200000" flipH="1">
+              <a:off x="2751903" y="5674203"/>
+              <a:ext cx="683319" cy="662638"/>
+            </a:xfrm>
+            <a:prstGeom prst="bentConnector2">
+              <a:avLst/>
+            </a:prstGeom>
+            <a:ln w="15875">
+              <a:headEnd type="triangle"/>
+              <a:tailEnd type="triangle"/>
+            </a:ln>
+          </p:spPr>
+          <p:style>
+            <a:lnRef idx="1">
+              <a:schemeClr val="accent1"/>
+            </a:lnRef>
+            <a:fillRef idx="0">
+              <a:schemeClr val="accent1"/>
+            </a:fillRef>
+            <a:effectRef idx="0">
+              <a:schemeClr val="accent1"/>
+            </a:effectRef>
+            <a:fontRef idx="minor">
+              <a:schemeClr val="tx1"/>
+            </a:fontRef>
+          </p:style>
+        </p:cxnSp>
         <p:sp>
           <p:nvSpPr>
             <p:cNvPr id="126" name="Rectangle 125"/>
@@ -5212,8 +7357,8 @@
           </p:nvSpPr>
           <p:spPr>
             <a:xfrm>
-              <a:off x="47767" y="820308"/>
-              <a:ext cx="5513309" cy="4843555"/>
+              <a:off x="47768" y="1158122"/>
+              <a:ext cx="5428950" cy="4505741"/>
             </a:xfrm>
             <a:prstGeom prst="rect">
               <a:avLst/>
@@ -5259,95 +7404,227 @@
             </a:p>
           </p:txBody>
         </p:sp>
+        <p:sp>
+          <p:nvSpPr>
+            <p:cNvPr id="117" name="Rectangle 116"/>
+            <p:cNvSpPr/>
+            <p:nvPr/>
+          </p:nvSpPr>
+          <p:spPr>
+            <a:xfrm>
+              <a:off x="211607" y="1514926"/>
+              <a:ext cx="4300094" cy="3232478"/>
+            </a:xfrm>
+            <a:prstGeom prst="rect">
+              <a:avLst/>
+            </a:prstGeom>
+            <a:solidFill>
+              <a:schemeClr val="accent1">
+                <a:lumMod val="40000"/>
+                <a:lumOff val="60000"/>
+              </a:schemeClr>
+            </a:solidFill>
+            <a:ln w="19050">
+              <a:prstDash val="dash"/>
+            </a:ln>
+          </p:spPr>
+          <p:style>
+            <a:lnRef idx="2">
+              <a:schemeClr val="accent1">
+                <a:shade val="50000"/>
+              </a:schemeClr>
+            </a:lnRef>
+            <a:fillRef idx="1">
+              <a:schemeClr val="accent1"/>
+            </a:fillRef>
+            <a:effectRef idx="0">
+              <a:schemeClr val="accent1"/>
+            </a:effectRef>
+            <a:fontRef idx="minor">
+              <a:schemeClr val="lt1"/>
+            </a:fontRef>
+          </p:style>
+          <p:txBody>
+            <a:bodyPr rtlCol="0" anchor="ctr"/>
+            <a:lstStyle/>
+            <a:p>
+              <a:pPr algn="ctr"/>
+              <a:endParaRPr lang="en-US"/>
+            </a:p>
+          </p:txBody>
+        </p:sp>
+        <p:sp>
+          <p:nvSpPr>
+            <p:cNvPr id="118" name="TextBox 117"/>
+            <p:cNvSpPr txBox="1"/>
+            <p:nvPr/>
+          </p:nvSpPr>
+          <p:spPr>
+            <a:xfrm>
+              <a:off x="211606" y="1476488"/>
+              <a:ext cx="1410223" cy="307777"/>
+            </a:xfrm>
+            <a:prstGeom prst="rect">
+              <a:avLst/>
+            </a:prstGeom>
+            <a:noFill/>
+          </p:spPr>
+          <p:txBody>
+            <a:bodyPr wrap="square" rtlCol="0">
+              <a:spAutoFit/>
+            </a:bodyPr>
+            <a:lstStyle/>
+            <a:p>
+              <a:r>
+                <a:rPr lang="en-US" sz="1400" dirty="0">
+                  <a:solidFill>
+                    <a:schemeClr val="tx1">
+                      <a:lumMod val="65000"/>
+                      <a:lumOff val="35000"/>
+                    </a:schemeClr>
+                  </a:solidFill>
+                </a:rPr>
+                <a:t>Virtual Network</a:t>
+              </a:r>
+            </a:p>
+          </p:txBody>
+        </p:sp>
         <p:grpSp>
           <p:nvGrpSpPr>
-            <p:cNvPr id="22" name="Group 21"/>
+            <p:cNvPr id="120" name="Group 119"/>
             <p:cNvGrpSpPr/>
             <p:nvPr/>
           </p:nvGrpSpPr>
           <p:grpSpPr>
             <a:xfrm>
-              <a:off x="137409" y="1127412"/>
-              <a:ext cx="5321029" cy="3718062"/>
-              <a:chOff x="88313" y="1127412"/>
-              <a:chExt cx="5321029" cy="3718062"/>
+              <a:off x="2855578" y="1794038"/>
+              <a:ext cx="1616473" cy="1542765"/>
+              <a:chOff x="1146440" y="1203571"/>
+              <a:chExt cx="1616473" cy="1542765"/>
             </a:xfrm>
           </p:grpSpPr>
+          <p:pic>
+            <p:nvPicPr>
+              <p:cNvPr id="149" name="Picture 148"/>
+              <p:cNvPicPr>
+                <a:picLocks noChangeAspect="1"/>
+              </p:cNvPicPr>
+              <p:nvPr/>
+            </p:nvPicPr>
+            <p:blipFill>
+              <a:blip r:embed="rId5">
+                <a:extLst>
+                  <a:ext uri="{28A0092B-C50C-407E-A947-70E740481C1C}">
+                    <a14:useLocalDpi xmlns:a14="http://schemas.microsoft.com/office/drawing/2010/main" val="0"/>
+                  </a:ext>
+                </a:extLst>
+              </a:blip>
+              <a:stretch>
+                <a:fillRect/>
+              </a:stretch>
+            </p:blipFill>
+            <p:spPr>
+              <a:xfrm>
+                <a:off x="1501138" y="1711379"/>
+                <a:ext cx="569612" cy="569612"/>
+              </a:xfrm>
+              <a:prstGeom prst="rect">
+                <a:avLst/>
+              </a:prstGeom>
+            </p:spPr>
+          </p:pic>
           <p:sp>
             <p:nvSpPr>
-              <p:cNvPr id="116" name="Rectangle 115"/>
+              <p:cNvPr id="150" name="TextBox 149"/>
+              <p:cNvSpPr txBox="1"/>
+              <p:nvPr/>
+            </p:nvSpPr>
+            <p:spPr>
+              <a:xfrm>
+                <a:off x="1146440" y="2222556"/>
+                <a:ext cx="1368481" cy="523220"/>
+              </a:xfrm>
+              <a:prstGeom prst="rect">
+                <a:avLst/>
+              </a:prstGeom>
+              <a:noFill/>
+            </p:spPr>
+            <p:txBody>
+              <a:bodyPr wrap="square" rtlCol="0">
+                <a:spAutoFit/>
+              </a:bodyPr>
+              <a:lstStyle/>
+              <a:p>
+                <a:pPr algn="ctr"/>
+                <a:r>
+                  <a:rPr lang="en-US" sz="1400" dirty="0">
+                    <a:solidFill>
+                      <a:schemeClr val="tx1">
+                        <a:lumMod val="65000"/>
+                        <a:lumOff val="35000"/>
+                      </a:schemeClr>
+                    </a:solidFill>
+                  </a:rPr>
+                  <a:t>Virtual Machine Scale Set</a:t>
+                </a:r>
+              </a:p>
+            </p:txBody>
+          </p:sp>
+          <p:pic>
+            <p:nvPicPr>
+              <p:cNvPr id="151" name="Picture 150"/>
+              <p:cNvPicPr>
+                <a:picLocks noChangeAspect="1"/>
+              </p:cNvPicPr>
+              <p:nvPr/>
+            </p:nvPicPr>
+            <p:blipFill>
+              <a:blip r:embed="rId6">
+                <a:extLst>
+                  <a:ext uri="{BEBA8EAE-BF5A-486C-A8C5-ECC9F3942E4B}">
+                    <a14:imgProps xmlns:a14="http://schemas.microsoft.com/office/drawing/2010/main">
+                      <a14:imgLayer r:embed="rId7">
+                        <a14:imgEffect>
+                          <a14:saturation sat="0"/>
+                        </a14:imgEffect>
+                      </a14:imgLayer>
+                    </a14:imgProps>
+                  </a:ext>
+                  <a:ext uri="{28A0092B-C50C-407E-A947-70E740481C1C}">
+                    <a14:useLocalDpi xmlns:a14="http://schemas.microsoft.com/office/drawing/2010/main" val="0"/>
+                  </a:ext>
+                </a:extLst>
+              </a:blip>
+              <a:stretch>
+                <a:fillRect/>
+              </a:stretch>
+            </p:blipFill>
+            <p:spPr>
+              <a:xfrm>
+                <a:off x="2331350" y="1289920"/>
+                <a:ext cx="366736" cy="366736"/>
+              </a:xfrm>
+              <a:prstGeom prst="rect">
+                <a:avLst/>
+              </a:prstGeom>
+            </p:spPr>
+          </p:pic>
+          <p:sp>
+            <p:nvSpPr>
+              <p:cNvPr id="152" name="Rectangle 151"/>
               <p:cNvSpPr/>
               <p:nvPr/>
             </p:nvSpPr>
             <p:spPr>
               <a:xfrm>
-                <a:off x="88313" y="1146958"/>
-                <a:ext cx="5321029" cy="3698516"/>
+                <a:off x="1178825" y="1252602"/>
+                <a:ext cx="1519261" cy="1493734"/>
               </a:xfrm>
               <a:prstGeom prst="rect">
                 <a:avLst/>
               </a:prstGeom>
-              <a:solidFill>
-                <a:schemeClr val="bg1">
-                  <a:lumMod val="85000"/>
-                </a:schemeClr>
-              </a:solidFill>
-              <a:ln w="19050">
-                <a:solidFill>
-                  <a:schemeClr val="tx1">
-                    <a:lumMod val="65000"/>
-                    <a:lumOff val="35000"/>
-                  </a:schemeClr>
-                </a:solidFill>
-                <a:prstDash val="solid"/>
-              </a:ln>
-            </p:spPr>
-            <p:style>
-              <a:lnRef idx="2">
-                <a:schemeClr val="accent1">
-                  <a:shade val="50000"/>
-                </a:schemeClr>
-              </a:lnRef>
-              <a:fillRef idx="1">
-                <a:schemeClr val="accent1"/>
-              </a:fillRef>
-              <a:effectRef idx="0">
-                <a:schemeClr val="accent1"/>
-              </a:effectRef>
-              <a:fontRef idx="minor">
-                <a:schemeClr val="lt1"/>
-              </a:fontRef>
-            </p:style>
-            <p:txBody>
-              <a:bodyPr rtlCol="0" anchor="ctr"/>
-              <a:lstStyle/>
-              <a:p>
-                <a:pPr algn="ctr"/>
-                <a:endParaRPr lang="en-US"/>
-              </a:p>
-            </p:txBody>
-          </p:sp>
-          <p:sp>
-            <p:nvSpPr>
-              <p:cNvPr id="117" name="Rectangle 116"/>
-              <p:cNvSpPr/>
-              <p:nvPr/>
-            </p:nvSpPr>
-            <p:spPr>
-              <a:xfrm>
-                <a:off x="162510" y="1514926"/>
-                <a:ext cx="5194569" cy="3232478"/>
-              </a:xfrm>
-              <a:prstGeom prst="rect">
-                <a:avLst/>
-              </a:prstGeom>
-              <a:solidFill>
-                <a:schemeClr val="accent1">
-                  <a:lumMod val="40000"/>
-                  <a:lumOff val="60000"/>
-                </a:schemeClr>
-              </a:solidFill>
-              <a:ln w="19050">
+              <a:noFill/>
+              <a:ln>
                 <a:prstDash val="dash"/>
               </a:ln>
             </p:spPr>
@@ -5378,14 +7655,14 @@
           </p:sp>
           <p:sp>
             <p:nvSpPr>
-              <p:cNvPr id="118" name="TextBox 117"/>
+              <p:cNvPr id="153" name="TextBox 152"/>
               <p:cNvSpPr txBox="1"/>
               <p:nvPr/>
             </p:nvSpPr>
             <p:spPr>
               <a:xfrm>
-                <a:off x="162510" y="1476488"/>
-                <a:ext cx="1410223" cy="307777"/>
+                <a:off x="1192576" y="1203571"/>
+                <a:ext cx="1531619" cy="307777"/>
               </a:xfrm>
               <a:prstGeom prst="rect">
                 <a:avLst/>
@@ -5407,21 +7684,223 @@
                       </a:schemeClr>
                     </a:solidFill>
                   </a:rPr>
-                  <a:t>Virtual Network</a:t>
+                  <a:t>Web Subnet</a:t>
                 </a:r>
               </a:p>
             </p:txBody>
           </p:sp>
           <p:sp>
             <p:nvSpPr>
-              <p:cNvPr id="119" name="TextBox 118"/>
+              <p:cNvPr id="154" name="TextBox 153"/>
               <p:cNvSpPr txBox="1"/>
               <p:nvPr/>
             </p:nvSpPr>
             <p:spPr>
               <a:xfrm>
-                <a:off x="88313" y="1127412"/>
-                <a:ext cx="1806783" cy="307777"/>
+                <a:off x="2266523" y="1609161"/>
+                <a:ext cx="496390" cy="307777"/>
+              </a:xfrm>
+              <a:prstGeom prst="rect">
+                <a:avLst/>
+              </a:prstGeom>
+              <a:noFill/>
+            </p:spPr>
+            <p:txBody>
+              <a:bodyPr wrap="square" rtlCol="0">
+                <a:spAutoFit/>
+              </a:bodyPr>
+              <a:lstStyle/>
+              <a:p>
+                <a:pPr algn="ctr"/>
+                <a:r>
+                  <a:rPr lang="en-US" sz="1400" dirty="0">
+                    <a:solidFill>
+                      <a:schemeClr val="tx1">
+                        <a:lumMod val="65000"/>
+                        <a:lumOff val="35000"/>
+                      </a:schemeClr>
+                    </a:solidFill>
+                  </a:rPr>
+                  <a:t>NSG</a:t>
+                </a:r>
+              </a:p>
+            </p:txBody>
+          </p:sp>
+        </p:grpSp>
+        <p:grpSp>
+          <p:nvGrpSpPr>
+            <p:cNvPr id="121" name="Group 120"/>
+            <p:cNvGrpSpPr/>
+            <p:nvPr/>
+          </p:nvGrpSpPr>
+          <p:grpSpPr>
+            <a:xfrm>
+              <a:off x="314857" y="1814984"/>
+              <a:ext cx="2590488" cy="1519594"/>
+              <a:chOff x="4176265" y="1203571"/>
+              <a:chExt cx="2590488" cy="1519594"/>
+            </a:xfrm>
+          </p:grpSpPr>
+          <p:pic>
+            <p:nvPicPr>
+              <p:cNvPr id="141" name="Picture 140"/>
+              <p:cNvPicPr>
+                <a:picLocks noChangeAspect="1"/>
+              </p:cNvPicPr>
+              <p:nvPr/>
+            </p:nvPicPr>
+            <p:blipFill>
+              <a:blip r:embed="rId5">
+                <a:extLst>
+                  <a:ext uri="{28A0092B-C50C-407E-A947-70E740481C1C}">
+                    <a14:useLocalDpi xmlns:a14="http://schemas.microsoft.com/office/drawing/2010/main" val="0"/>
+                  </a:ext>
+                </a:extLst>
+              </a:blip>
+              <a:stretch>
+                <a:fillRect/>
+              </a:stretch>
+            </p:blipFill>
+            <p:spPr>
+              <a:xfrm>
+                <a:off x="4581576" y="1690190"/>
+                <a:ext cx="569612" cy="569612"/>
+              </a:xfrm>
+              <a:prstGeom prst="rect">
+                <a:avLst/>
+              </a:prstGeom>
+            </p:spPr>
+          </p:pic>
+          <p:sp>
+            <p:nvSpPr>
+              <p:cNvPr id="142" name="TextBox 141"/>
+              <p:cNvSpPr txBox="1"/>
+              <p:nvPr/>
+            </p:nvSpPr>
+            <p:spPr>
+              <a:xfrm>
+                <a:off x="4226878" y="2197725"/>
+                <a:ext cx="1368481" cy="523220"/>
+              </a:xfrm>
+              <a:prstGeom prst="rect">
+                <a:avLst/>
+              </a:prstGeom>
+              <a:noFill/>
+            </p:spPr>
+            <p:txBody>
+              <a:bodyPr wrap="square" rtlCol="0">
+                <a:spAutoFit/>
+              </a:bodyPr>
+              <a:lstStyle/>
+              <a:p>
+                <a:pPr algn="ctr"/>
+                <a:r>
+                  <a:rPr lang="en-US" sz="1400" dirty="0">
+                    <a:solidFill>
+                      <a:schemeClr val="tx1">
+                        <a:lumMod val="65000"/>
+                        <a:lumOff val="35000"/>
+                      </a:schemeClr>
+                    </a:solidFill>
+                  </a:rPr>
+                  <a:t>Virtual Machine Scale Set</a:t>
+                </a:r>
+              </a:p>
+            </p:txBody>
+          </p:sp>
+          <p:pic>
+            <p:nvPicPr>
+              <p:cNvPr id="143" name="Picture 142"/>
+              <p:cNvPicPr>
+                <a:picLocks noChangeAspect="1"/>
+              </p:cNvPicPr>
+              <p:nvPr/>
+            </p:nvPicPr>
+            <p:blipFill>
+              <a:blip r:embed="rId6">
+                <a:extLst>
+                  <a:ext uri="{BEBA8EAE-BF5A-486C-A8C5-ECC9F3942E4B}">
+                    <a14:imgProps xmlns:a14="http://schemas.microsoft.com/office/drawing/2010/main">
+                      <a14:imgLayer r:embed="rId7">
+                        <a14:imgEffect>
+                          <a14:saturation sat="0"/>
+                        </a14:imgEffect>
+                      </a14:imgLayer>
+                    </a14:imgProps>
+                  </a:ext>
+                  <a:ext uri="{28A0092B-C50C-407E-A947-70E740481C1C}">
+                    <a14:useLocalDpi xmlns:a14="http://schemas.microsoft.com/office/drawing/2010/main" val="0"/>
+                  </a:ext>
+                </a:extLst>
+              </a:blip>
+              <a:stretch>
+                <a:fillRect/>
+              </a:stretch>
+            </p:blipFill>
+            <p:spPr>
+              <a:xfrm>
+                <a:off x="6318320" y="1278890"/>
+                <a:ext cx="366736" cy="366736"/>
+              </a:xfrm>
+              <a:prstGeom prst="rect">
+                <a:avLst/>
+              </a:prstGeom>
+            </p:spPr>
+          </p:pic>
+          <p:sp>
+            <p:nvSpPr>
+              <p:cNvPr id="144" name="Rectangle 143"/>
+              <p:cNvSpPr/>
+              <p:nvPr/>
+            </p:nvSpPr>
+            <p:spPr>
+              <a:xfrm>
+                <a:off x="4176265" y="1228945"/>
+                <a:ext cx="2507145" cy="1493734"/>
+              </a:xfrm>
+              <a:prstGeom prst="rect">
+                <a:avLst/>
+              </a:prstGeom>
+              <a:noFill/>
+              <a:ln>
+                <a:prstDash val="dash"/>
+              </a:ln>
+            </p:spPr>
+            <p:style>
+              <a:lnRef idx="2">
+                <a:schemeClr val="accent1">
+                  <a:shade val="50000"/>
+                </a:schemeClr>
+              </a:lnRef>
+              <a:fillRef idx="1">
+                <a:schemeClr val="accent1"/>
+              </a:fillRef>
+              <a:effectRef idx="0">
+                <a:schemeClr val="accent1"/>
+              </a:effectRef>
+              <a:fontRef idx="minor">
+                <a:schemeClr val="lt1"/>
+              </a:fontRef>
+            </p:style>
+            <p:txBody>
+              <a:bodyPr rtlCol="0" anchor="ctr"/>
+              <a:lstStyle/>
+              <a:p>
+                <a:pPr algn="ctr"/>
+                <a:endParaRPr lang="en-US"/>
+              </a:p>
+            </p:txBody>
+          </p:sp>
+          <p:sp>
+            <p:nvSpPr>
+              <p:cNvPr id="145" name="TextBox 144"/>
+              <p:cNvSpPr txBox="1"/>
+              <p:nvPr/>
+            </p:nvSpPr>
+            <p:spPr>
+              <a:xfrm>
+                <a:off x="4190016" y="1203571"/>
+                <a:ext cx="1531619" cy="307777"/>
               </a:xfrm>
               <a:prstGeom prst="rect">
                 <a:avLst/>
@@ -5443,1008 +7922,569 @@
                       </a:schemeClr>
                     </a:solidFill>
                   </a:rPr>
-                  <a:t>West US Data Center</a:t>
+                  <a:t>Biz Subnet</a:t>
                 </a:r>
               </a:p>
             </p:txBody>
           </p:sp>
-          <p:grpSp>
-            <p:nvGrpSpPr>
-              <p:cNvPr id="120" name="Group 119"/>
-              <p:cNvGrpSpPr/>
+          <p:sp>
+            <p:nvSpPr>
+              <p:cNvPr id="146" name="TextBox 145"/>
+              <p:cNvSpPr txBox="1"/>
               <p:nvPr/>
-            </p:nvGrpSpPr>
-            <p:grpSpPr>
+            </p:nvSpPr>
+            <p:spPr>
               <a:xfrm>
-                <a:off x="2806482" y="1794038"/>
-                <a:ext cx="1616473" cy="1542765"/>
-                <a:chOff x="1146440" y="1203571"/>
-                <a:chExt cx="1616473" cy="1542765"/>
+                <a:off x="6253493" y="1598131"/>
+                <a:ext cx="496390" cy="307777"/>
               </a:xfrm>
-            </p:grpSpPr>
-            <p:pic>
-              <p:nvPicPr>
-                <p:cNvPr id="149" name="Picture 148"/>
-                <p:cNvPicPr>
-                  <a:picLocks noChangeAspect="1"/>
-                </p:cNvPicPr>
-                <p:nvPr/>
-              </p:nvPicPr>
-              <p:blipFill>
-                <a:blip r:embed="rId5">
-                  <a:extLst>
-                    <a:ext uri="{28A0092B-C50C-407E-A947-70E740481C1C}">
-                      <a14:useLocalDpi xmlns:a14="http://schemas.microsoft.com/office/drawing/2010/main" val="0"/>
-                    </a:ext>
-                  </a:extLst>
-                </a:blip>
-                <a:stretch>
-                  <a:fillRect/>
-                </a:stretch>
-              </p:blipFill>
-              <p:spPr>
-                <a:xfrm>
-                  <a:off x="1501138" y="1711379"/>
-                  <a:ext cx="569612" cy="569612"/>
-                </a:xfrm>
-                <a:prstGeom prst="rect">
-                  <a:avLst/>
-                </a:prstGeom>
-              </p:spPr>
-            </p:pic>
-            <p:sp>
-              <p:nvSpPr>
-                <p:cNvPr id="150" name="TextBox 149"/>
-                <p:cNvSpPr txBox="1"/>
-                <p:nvPr/>
-              </p:nvSpPr>
-              <p:spPr>
-                <a:xfrm>
-                  <a:off x="1146440" y="2222556"/>
-                  <a:ext cx="1368481" cy="523220"/>
-                </a:xfrm>
-                <a:prstGeom prst="rect">
-                  <a:avLst/>
-                </a:prstGeom>
-                <a:noFill/>
-              </p:spPr>
-              <p:txBody>
-                <a:bodyPr wrap="square" rtlCol="0">
-                  <a:spAutoFit/>
-                </a:bodyPr>
-                <a:lstStyle/>
-                <a:p>
-                  <a:pPr algn="ctr"/>
-                  <a:r>
-                    <a:rPr lang="en-US" sz="1400" dirty="0">
-                      <a:solidFill>
-                        <a:schemeClr val="tx1">
-                          <a:lumMod val="65000"/>
-                          <a:lumOff val="35000"/>
-                        </a:schemeClr>
-                      </a:solidFill>
-                    </a:rPr>
-                    <a:t>Virtual Machine Scale Set</a:t>
-                  </a:r>
-                </a:p>
-              </p:txBody>
-            </p:sp>
-            <p:pic>
-              <p:nvPicPr>
-                <p:cNvPr id="151" name="Picture 150"/>
-                <p:cNvPicPr>
-                  <a:picLocks noChangeAspect="1"/>
-                </p:cNvPicPr>
-                <p:nvPr/>
-              </p:nvPicPr>
-              <p:blipFill>
-                <a:blip r:embed="rId6">
-                  <a:extLst>
-                    <a:ext uri="{BEBA8EAE-BF5A-486C-A8C5-ECC9F3942E4B}">
-                      <a14:imgProps xmlns:a14="http://schemas.microsoft.com/office/drawing/2010/main">
-                        <a14:imgLayer r:embed="rId7">
-                          <a14:imgEffect>
-                            <a14:saturation sat="0"/>
-                          </a14:imgEffect>
-                        </a14:imgLayer>
-                      </a14:imgProps>
-                    </a:ext>
-                    <a:ext uri="{28A0092B-C50C-407E-A947-70E740481C1C}">
-                      <a14:useLocalDpi xmlns:a14="http://schemas.microsoft.com/office/drawing/2010/main" val="0"/>
-                    </a:ext>
-                  </a:extLst>
-                </a:blip>
-                <a:stretch>
-                  <a:fillRect/>
-                </a:stretch>
-              </p:blipFill>
-              <p:spPr>
-                <a:xfrm>
-                  <a:off x="2331350" y="1289920"/>
-                  <a:ext cx="366736" cy="366736"/>
-                </a:xfrm>
-                <a:prstGeom prst="rect">
-                  <a:avLst/>
-                </a:prstGeom>
-              </p:spPr>
-            </p:pic>
-            <p:sp>
-              <p:nvSpPr>
-                <p:cNvPr id="152" name="Rectangle 151"/>
-                <p:cNvSpPr/>
-                <p:nvPr/>
-              </p:nvSpPr>
-              <p:spPr>
-                <a:xfrm>
-                  <a:off x="1178825" y="1252602"/>
-                  <a:ext cx="1519261" cy="1493734"/>
-                </a:xfrm>
-                <a:prstGeom prst="rect">
-                  <a:avLst/>
-                </a:prstGeom>
-                <a:noFill/>
-                <a:ln>
-                  <a:prstDash val="dash"/>
-                </a:ln>
-              </p:spPr>
-              <p:style>
-                <a:lnRef idx="2">
-                  <a:schemeClr val="accent1">
-                    <a:shade val="50000"/>
-                  </a:schemeClr>
-                </a:lnRef>
-                <a:fillRef idx="1">
-                  <a:schemeClr val="accent1"/>
-                </a:fillRef>
-                <a:effectRef idx="0">
-                  <a:schemeClr val="accent1"/>
-                </a:effectRef>
-                <a:fontRef idx="minor">
-                  <a:schemeClr val="lt1"/>
-                </a:fontRef>
-              </p:style>
-              <p:txBody>
-                <a:bodyPr rtlCol="0" anchor="ctr"/>
-                <a:lstStyle/>
-                <a:p>
-                  <a:pPr algn="ctr"/>
-                  <a:endParaRPr lang="en-US"/>
-                </a:p>
-              </p:txBody>
-            </p:sp>
-            <p:sp>
-              <p:nvSpPr>
-                <p:cNvPr id="153" name="TextBox 152"/>
-                <p:cNvSpPr txBox="1"/>
-                <p:nvPr/>
-              </p:nvSpPr>
-              <p:spPr>
-                <a:xfrm>
-                  <a:off x="1192576" y="1203571"/>
-                  <a:ext cx="1531619" cy="307777"/>
-                </a:xfrm>
-                <a:prstGeom prst="rect">
-                  <a:avLst/>
-                </a:prstGeom>
-                <a:noFill/>
-              </p:spPr>
-              <p:txBody>
-                <a:bodyPr wrap="square" rtlCol="0">
-                  <a:spAutoFit/>
-                </a:bodyPr>
-                <a:lstStyle/>
-                <a:p>
-                  <a:r>
-                    <a:rPr lang="en-US" sz="1400" dirty="0">
-                      <a:solidFill>
-                        <a:schemeClr val="tx1">
-                          <a:lumMod val="65000"/>
-                          <a:lumOff val="35000"/>
-                        </a:schemeClr>
-                      </a:solidFill>
-                    </a:rPr>
-                    <a:t>Web Subnet</a:t>
-                  </a:r>
-                </a:p>
-              </p:txBody>
-            </p:sp>
-            <p:sp>
-              <p:nvSpPr>
-                <p:cNvPr id="154" name="TextBox 153"/>
-                <p:cNvSpPr txBox="1"/>
-                <p:nvPr/>
-              </p:nvSpPr>
-              <p:spPr>
-                <a:xfrm>
-                  <a:off x="2266523" y="1609161"/>
-                  <a:ext cx="496390" cy="307777"/>
-                </a:xfrm>
-                <a:prstGeom prst="rect">
-                  <a:avLst/>
-                </a:prstGeom>
-                <a:noFill/>
-              </p:spPr>
-              <p:txBody>
-                <a:bodyPr wrap="square" rtlCol="0">
-                  <a:spAutoFit/>
-                </a:bodyPr>
-                <a:lstStyle/>
-                <a:p>
-                  <a:pPr algn="ctr"/>
-                  <a:r>
-                    <a:rPr lang="en-US" sz="1400" dirty="0">
-                      <a:solidFill>
-                        <a:schemeClr val="tx1">
-                          <a:lumMod val="65000"/>
-                          <a:lumOff val="35000"/>
-                        </a:schemeClr>
-                      </a:solidFill>
-                    </a:rPr>
-                    <a:t>NSG</a:t>
-                  </a:r>
-                </a:p>
-              </p:txBody>
-            </p:sp>
-          </p:grpSp>
-          <p:grpSp>
-            <p:nvGrpSpPr>
-              <p:cNvPr id="121" name="Group 120"/>
-              <p:cNvGrpSpPr/>
-              <p:nvPr/>
-            </p:nvGrpSpPr>
-            <p:grpSpPr>
-              <a:xfrm>
-                <a:off x="265761" y="1814984"/>
-                <a:ext cx="2590488" cy="1519594"/>
-                <a:chOff x="4176265" y="1203571"/>
-                <a:chExt cx="2590488" cy="1519594"/>
-              </a:xfrm>
-            </p:grpSpPr>
-            <p:pic>
-              <p:nvPicPr>
-                <p:cNvPr id="141" name="Picture 140"/>
-                <p:cNvPicPr>
-                  <a:picLocks noChangeAspect="1"/>
-                </p:cNvPicPr>
-                <p:nvPr/>
-              </p:nvPicPr>
-              <p:blipFill>
-                <a:blip r:embed="rId5">
-                  <a:extLst>
-                    <a:ext uri="{28A0092B-C50C-407E-A947-70E740481C1C}">
-                      <a14:useLocalDpi xmlns:a14="http://schemas.microsoft.com/office/drawing/2010/main" val="0"/>
-                    </a:ext>
-                  </a:extLst>
-                </a:blip>
-                <a:stretch>
-                  <a:fillRect/>
-                </a:stretch>
-              </p:blipFill>
-              <p:spPr>
-                <a:xfrm>
-                  <a:off x="4581576" y="1690190"/>
-                  <a:ext cx="569612" cy="569612"/>
-                </a:xfrm>
-                <a:prstGeom prst="rect">
-                  <a:avLst/>
-                </a:prstGeom>
-              </p:spPr>
-            </p:pic>
-            <p:sp>
-              <p:nvSpPr>
-                <p:cNvPr id="142" name="TextBox 141"/>
-                <p:cNvSpPr txBox="1"/>
-                <p:nvPr/>
-              </p:nvSpPr>
-              <p:spPr>
-                <a:xfrm>
-                  <a:off x="4226878" y="2197725"/>
-                  <a:ext cx="1368481" cy="523220"/>
-                </a:xfrm>
-                <a:prstGeom prst="rect">
-                  <a:avLst/>
-                </a:prstGeom>
-                <a:noFill/>
-              </p:spPr>
-              <p:txBody>
-                <a:bodyPr wrap="square" rtlCol="0">
-                  <a:spAutoFit/>
-                </a:bodyPr>
-                <a:lstStyle/>
-                <a:p>
-                  <a:pPr algn="ctr"/>
-                  <a:r>
-                    <a:rPr lang="en-US" sz="1400" dirty="0">
-                      <a:solidFill>
-                        <a:schemeClr val="tx1">
-                          <a:lumMod val="65000"/>
-                          <a:lumOff val="35000"/>
-                        </a:schemeClr>
-                      </a:solidFill>
-                    </a:rPr>
-                    <a:t>Virtual Machine Scale Set</a:t>
-                  </a:r>
-                </a:p>
-              </p:txBody>
-            </p:sp>
-            <p:pic>
-              <p:nvPicPr>
-                <p:cNvPr id="143" name="Picture 142"/>
-                <p:cNvPicPr>
-                  <a:picLocks noChangeAspect="1"/>
-                </p:cNvPicPr>
-                <p:nvPr/>
-              </p:nvPicPr>
-              <p:blipFill>
-                <a:blip r:embed="rId6">
-                  <a:extLst>
-                    <a:ext uri="{BEBA8EAE-BF5A-486C-A8C5-ECC9F3942E4B}">
-                      <a14:imgProps xmlns:a14="http://schemas.microsoft.com/office/drawing/2010/main">
-                        <a14:imgLayer r:embed="rId7">
-                          <a14:imgEffect>
-                            <a14:saturation sat="0"/>
-                          </a14:imgEffect>
-                        </a14:imgLayer>
-                      </a14:imgProps>
-                    </a:ext>
-                    <a:ext uri="{28A0092B-C50C-407E-A947-70E740481C1C}">
-                      <a14:useLocalDpi xmlns:a14="http://schemas.microsoft.com/office/drawing/2010/main" val="0"/>
-                    </a:ext>
-                  </a:extLst>
-                </a:blip>
-                <a:stretch>
-                  <a:fillRect/>
-                </a:stretch>
-              </p:blipFill>
-              <p:spPr>
-                <a:xfrm>
-                  <a:off x="6318320" y="1278890"/>
-                  <a:ext cx="366736" cy="366736"/>
-                </a:xfrm>
-                <a:prstGeom prst="rect">
-                  <a:avLst/>
-                </a:prstGeom>
-              </p:spPr>
-            </p:pic>
-            <p:sp>
-              <p:nvSpPr>
-                <p:cNvPr id="144" name="Rectangle 143"/>
-                <p:cNvSpPr/>
-                <p:nvPr/>
-              </p:nvSpPr>
-              <p:spPr>
-                <a:xfrm>
-                  <a:off x="4176265" y="1228945"/>
-                  <a:ext cx="2507145" cy="1493734"/>
-                </a:xfrm>
-                <a:prstGeom prst="rect">
-                  <a:avLst/>
-                </a:prstGeom>
-                <a:noFill/>
-                <a:ln>
-                  <a:prstDash val="dash"/>
-                </a:ln>
-              </p:spPr>
-              <p:style>
-                <a:lnRef idx="2">
-                  <a:schemeClr val="accent1">
-                    <a:shade val="50000"/>
-                  </a:schemeClr>
-                </a:lnRef>
-                <a:fillRef idx="1">
-                  <a:schemeClr val="accent1"/>
-                </a:fillRef>
-                <a:effectRef idx="0">
-                  <a:schemeClr val="accent1"/>
-                </a:effectRef>
-                <a:fontRef idx="minor">
-                  <a:schemeClr val="lt1"/>
-                </a:fontRef>
-              </p:style>
-              <p:txBody>
-                <a:bodyPr rtlCol="0" anchor="ctr"/>
-                <a:lstStyle/>
-                <a:p>
-                  <a:pPr algn="ctr"/>
-                  <a:endParaRPr lang="en-US"/>
-                </a:p>
-              </p:txBody>
-            </p:sp>
-            <p:sp>
-              <p:nvSpPr>
-                <p:cNvPr id="145" name="TextBox 144"/>
-                <p:cNvSpPr txBox="1"/>
-                <p:nvPr/>
-              </p:nvSpPr>
-              <p:spPr>
-                <a:xfrm>
-                  <a:off x="4190016" y="1203571"/>
-                  <a:ext cx="1531619" cy="307777"/>
-                </a:xfrm>
-                <a:prstGeom prst="rect">
-                  <a:avLst/>
-                </a:prstGeom>
-                <a:noFill/>
-              </p:spPr>
-              <p:txBody>
-                <a:bodyPr wrap="square" rtlCol="0">
-                  <a:spAutoFit/>
-                </a:bodyPr>
-                <a:lstStyle/>
-                <a:p>
-                  <a:r>
-                    <a:rPr lang="en-US" sz="1400" dirty="0">
-                      <a:solidFill>
-                        <a:schemeClr val="tx1">
-                          <a:lumMod val="65000"/>
-                          <a:lumOff val="35000"/>
-                        </a:schemeClr>
-                      </a:solidFill>
-                    </a:rPr>
-                    <a:t>Biz Subnet</a:t>
-                  </a:r>
-                </a:p>
-              </p:txBody>
-            </p:sp>
-            <p:sp>
-              <p:nvSpPr>
-                <p:cNvPr id="146" name="TextBox 145"/>
-                <p:cNvSpPr txBox="1"/>
-                <p:nvPr/>
-              </p:nvSpPr>
-              <p:spPr>
-                <a:xfrm>
-                  <a:off x="6253493" y="1598131"/>
-                  <a:ext cx="496390" cy="307777"/>
-                </a:xfrm>
-                <a:prstGeom prst="rect">
-                  <a:avLst/>
-                </a:prstGeom>
-                <a:noFill/>
-              </p:spPr>
-              <p:txBody>
-                <a:bodyPr wrap="square" rtlCol="0">
-                  <a:spAutoFit/>
-                </a:bodyPr>
-                <a:lstStyle/>
-                <a:p>
-                  <a:pPr algn="ctr"/>
-                  <a:r>
-                    <a:rPr lang="en-US" sz="1400" dirty="0">
-                      <a:solidFill>
-                        <a:schemeClr val="tx1">
-                          <a:lumMod val="65000"/>
-                          <a:lumOff val="35000"/>
-                        </a:schemeClr>
-                      </a:solidFill>
-                    </a:rPr>
-                    <a:t>NSG</a:t>
-                  </a:r>
-                </a:p>
-              </p:txBody>
-            </p:sp>
-            <p:pic>
-              <p:nvPicPr>
-                <p:cNvPr id="147" name="Picture 146"/>
-                <p:cNvPicPr>
-                  <a:picLocks noChangeAspect="1"/>
-                </p:cNvPicPr>
-                <p:nvPr/>
-              </p:nvPicPr>
-              <p:blipFill>
-                <a:blip r:embed="rId8">
-                  <a:extLst>
-                    <a:ext uri="{28A0092B-C50C-407E-A947-70E740481C1C}">
-                      <a14:useLocalDpi xmlns:a14="http://schemas.microsoft.com/office/drawing/2010/main" val="0"/>
-                    </a:ext>
-                  </a:extLst>
-                </a:blip>
-                <a:stretch>
-                  <a:fillRect/>
-                </a:stretch>
-              </p:blipFill>
-              <p:spPr>
-                <a:xfrm>
-                  <a:off x="5834150" y="1692410"/>
-                  <a:ext cx="565900" cy="565900"/>
-                </a:xfrm>
-                <a:prstGeom prst="rect">
-                  <a:avLst/>
-                </a:prstGeom>
-              </p:spPr>
-            </p:pic>
-            <p:sp>
-              <p:nvSpPr>
-                <p:cNvPr id="148" name="TextBox 147"/>
-                <p:cNvSpPr txBox="1"/>
-                <p:nvPr/>
-              </p:nvSpPr>
-              <p:spPr>
-                <a:xfrm>
-                  <a:off x="5487747" y="2199945"/>
-                  <a:ext cx="1279006" cy="523220"/>
-                </a:xfrm>
-                <a:prstGeom prst="rect">
-                  <a:avLst/>
-                </a:prstGeom>
-                <a:noFill/>
-              </p:spPr>
-              <p:txBody>
-                <a:bodyPr wrap="square" rtlCol="0">
-                  <a:spAutoFit/>
-                </a:bodyPr>
-                <a:lstStyle/>
-                <a:p>
-                  <a:pPr algn="ctr"/>
-                  <a:r>
-                    <a:rPr lang="en-US" sz="1400" dirty="0">
-                      <a:solidFill>
-                        <a:schemeClr val="tx1">
-                          <a:lumMod val="65000"/>
-                          <a:lumOff val="35000"/>
-                        </a:schemeClr>
-                      </a:solidFill>
-                    </a:rPr>
-                    <a:t>Internal Load Balancer</a:t>
-                  </a:r>
-                </a:p>
-              </p:txBody>
-            </p:sp>
-          </p:grpSp>
-          <p:grpSp>
-            <p:nvGrpSpPr>
-              <p:cNvPr id="122" name="Group 121"/>
-              <p:cNvGrpSpPr/>
-              <p:nvPr/>
-            </p:nvGrpSpPr>
-            <p:grpSpPr>
-              <a:xfrm>
-                <a:off x="4333787" y="2302702"/>
-                <a:ext cx="1039249" cy="1030755"/>
-                <a:chOff x="3976888" y="4348907"/>
-                <a:chExt cx="1039249" cy="1030755"/>
-              </a:xfrm>
-            </p:grpSpPr>
-            <p:pic>
-              <p:nvPicPr>
-                <p:cNvPr id="139" name="Picture 138"/>
-                <p:cNvPicPr>
-                  <a:picLocks noChangeAspect="1"/>
-                </p:cNvPicPr>
-                <p:nvPr/>
-              </p:nvPicPr>
-              <p:blipFill>
-                <a:blip r:embed="rId8">
-                  <a:extLst>
-                    <a:ext uri="{28A0092B-C50C-407E-A947-70E740481C1C}">
-                      <a14:useLocalDpi xmlns:a14="http://schemas.microsoft.com/office/drawing/2010/main" val="0"/>
-                    </a:ext>
-                  </a:extLst>
-                </a:blip>
-                <a:stretch>
-                  <a:fillRect/>
-                </a:stretch>
-              </p:blipFill>
-              <p:spPr>
-                <a:xfrm>
-                  <a:off x="4213563" y="4348907"/>
-                  <a:ext cx="565900" cy="565900"/>
-                </a:xfrm>
-                <a:prstGeom prst="rect">
-                  <a:avLst/>
-                </a:prstGeom>
-              </p:spPr>
-            </p:pic>
-            <p:sp>
-              <p:nvSpPr>
-                <p:cNvPr id="140" name="TextBox 139"/>
-                <p:cNvSpPr txBox="1"/>
-                <p:nvPr/>
-              </p:nvSpPr>
-              <p:spPr>
-                <a:xfrm>
-                  <a:off x="3976888" y="4856442"/>
-                  <a:ext cx="1039249" cy="523220"/>
-                </a:xfrm>
-                <a:prstGeom prst="rect">
-                  <a:avLst/>
-                </a:prstGeom>
-                <a:noFill/>
-              </p:spPr>
-              <p:txBody>
-                <a:bodyPr wrap="square" rtlCol="0">
-                  <a:spAutoFit/>
-                </a:bodyPr>
-                <a:lstStyle/>
-                <a:p>
-                  <a:pPr algn="ctr"/>
-                  <a:r>
-                    <a:rPr lang="en-US" sz="1400" dirty="0">
-                      <a:solidFill>
-                        <a:schemeClr val="tx1">
-                          <a:lumMod val="65000"/>
-                          <a:lumOff val="35000"/>
-                        </a:schemeClr>
-                      </a:solidFill>
-                    </a:rPr>
-                    <a:t>Public Load Balancer</a:t>
-                  </a:r>
-                </a:p>
-              </p:txBody>
-            </p:sp>
-          </p:grpSp>
-          <p:grpSp>
-            <p:nvGrpSpPr>
-              <p:cNvPr id="123" name="Group 122"/>
-              <p:cNvGrpSpPr/>
-              <p:nvPr/>
-            </p:nvGrpSpPr>
-            <p:grpSpPr>
-              <a:xfrm>
-                <a:off x="2806489" y="3350063"/>
-                <a:ext cx="1616473" cy="1326762"/>
-                <a:chOff x="4150783" y="2977678"/>
-                <a:chExt cx="1616473" cy="1326762"/>
-              </a:xfrm>
-            </p:grpSpPr>
-            <p:pic>
-              <p:nvPicPr>
-                <p:cNvPr id="133" name="Picture 132"/>
-                <p:cNvPicPr>
-                  <a:picLocks noChangeAspect="1"/>
-                </p:cNvPicPr>
-                <p:nvPr/>
-              </p:nvPicPr>
-              <p:blipFill>
-                <a:blip r:embed="rId9">
-                  <a:extLst>
-                    <a:ext uri="{28A0092B-C50C-407E-A947-70E740481C1C}">
-                      <a14:useLocalDpi xmlns:a14="http://schemas.microsoft.com/office/drawing/2010/main" val="0"/>
-                    </a:ext>
-                  </a:extLst>
-                </a:blip>
-                <a:stretch>
-                  <a:fillRect/>
-                </a:stretch>
-              </p:blipFill>
-              <p:spPr>
-                <a:xfrm>
-                  <a:off x="4548977" y="3496535"/>
-                  <a:ext cx="569612" cy="569612"/>
-                </a:xfrm>
-                <a:prstGeom prst="rect">
-                  <a:avLst/>
-                </a:prstGeom>
-              </p:spPr>
-            </p:pic>
-            <p:sp>
-              <p:nvSpPr>
-                <p:cNvPr id="134" name="TextBox 133"/>
-                <p:cNvSpPr txBox="1"/>
-                <p:nvPr/>
-              </p:nvSpPr>
-              <p:spPr>
-                <a:xfrm>
-                  <a:off x="4150783" y="3996663"/>
-                  <a:ext cx="1368481" cy="307777"/>
-                </a:xfrm>
-                <a:prstGeom prst="rect">
-                  <a:avLst/>
-                </a:prstGeom>
-                <a:noFill/>
-              </p:spPr>
-              <p:txBody>
-                <a:bodyPr wrap="square" rtlCol="0">
-                  <a:spAutoFit/>
-                </a:bodyPr>
-                <a:lstStyle/>
-                <a:p>
-                  <a:pPr algn="ctr"/>
-                  <a:r>
-                    <a:rPr lang="en-US" sz="1400" dirty="0" err="1">
-                      <a:solidFill>
-                        <a:schemeClr val="tx1">
-                          <a:lumMod val="65000"/>
-                          <a:lumOff val="35000"/>
-                        </a:schemeClr>
-                      </a:solidFill>
-                    </a:rPr>
-                    <a:t>Jumpbox</a:t>
-                  </a:r>
-                  <a:endParaRPr lang="en-US" sz="1400" dirty="0">
+              <a:prstGeom prst="rect">
+                <a:avLst/>
+              </a:prstGeom>
+              <a:noFill/>
+            </p:spPr>
+            <p:txBody>
+              <a:bodyPr wrap="square" rtlCol="0">
+                <a:spAutoFit/>
+              </a:bodyPr>
+              <a:lstStyle/>
+              <a:p>
+                <a:pPr algn="ctr"/>
+                <a:r>
+                  <a:rPr lang="en-US" sz="1400" dirty="0">
                     <a:solidFill>
                       <a:schemeClr val="tx1">
                         <a:lumMod val="65000"/>
                         <a:lumOff val="35000"/>
                       </a:schemeClr>
                     </a:solidFill>
-                  </a:endParaRPr>
-                </a:p>
-              </p:txBody>
-            </p:sp>
-            <p:pic>
-              <p:nvPicPr>
-                <p:cNvPr id="135" name="Picture 134"/>
-                <p:cNvPicPr>
-                  <a:picLocks noChangeAspect="1"/>
-                </p:cNvPicPr>
-                <p:nvPr/>
-              </p:nvPicPr>
-              <p:blipFill>
-                <a:blip r:embed="rId6">
-                  <a:extLst>
-                    <a:ext uri="{BEBA8EAE-BF5A-486C-A8C5-ECC9F3942E4B}">
-                      <a14:imgProps xmlns:a14="http://schemas.microsoft.com/office/drawing/2010/main">
-                        <a14:imgLayer r:embed="rId7">
-                          <a14:imgEffect>
-                            <a14:saturation sat="0"/>
-                          </a14:imgEffect>
-                        </a14:imgLayer>
-                      </a14:imgProps>
-                    </a:ext>
-                    <a:ext uri="{28A0092B-C50C-407E-A947-70E740481C1C}">
-                      <a14:useLocalDpi xmlns:a14="http://schemas.microsoft.com/office/drawing/2010/main" val="0"/>
-                    </a:ext>
-                  </a:extLst>
-                </a:blip>
-                <a:stretch>
-                  <a:fillRect/>
-                </a:stretch>
-              </p:blipFill>
-              <p:spPr>
-                <a:xfrm>
-                  <a:off x="5335693" y="3064027"/>
-                  <a:ext cx="366736" cy="366736"/>
-                </a:xfrm>
-                <a:prstGeom prst="rect">
-                  <a:avLst/>
-                </a:prstGeom>
-              </p:spPr>
-            </p:pic>
-            <p:sp>
-              <p:nvSpPr>
-                <p:cNvPr id="136" name="Rectangle 135"/>
-                <p:cNvSpPr/>
-                <p:nvPr/>
-              </p:nvSpPr>
-              <p:spPr>
-                <a:xfrm>
-                  <a:off x="4183168" y="3026709"/>
-                  <a:ext cx="1519261" cy="1277731"/>
-                </a:xfrm>
-                <a:prstGeom prst="rect">
-                  <a:avLst/>
-                </a:prstGeom>
-                <a:noFill/>
-                <a:ln>
-                  <a:prstDash val="dash"/>
-                </a:ln>
-              </p:spPr>
-              <p:style>
-                <a:lnRef idx="2">
-                  <a:schemeClr val="accent1">
-                    <a:shade val="50000"/>
-                  </a:schemeClr>
-                </a:lnRef>
-                <a:fillRef idx="1">
-                  <a:schemeClr val="accent1"/>
-                </a:fillRef>
-                <a:effectRef idx="0">
-                  <a:schemeClr val="accent1"/>
-                </a:effectRef>
-                <a:fontRef idx="minor">
-                  <a:schemeClr val="lt1"/>
-                </a:fontRef>
-              </p:style>
-              <p:txBody>
-                <a:bodyPr rtlCol="0" anchor="ctr"/>
-                <a:lstStyle/>
-                <a:p>
-                  <a:pPr algn="ctr"/>
-                  <a:endParaRPr lang="en-US"/>
-                </a:p>
-              </p:txBody>
-            </p:sp>
-            <p:sp>
-              <p:nvSpPr>
-                <p:cNvPr id="137" name="TextBox 136"/>
-                <p:cNvSpPr txBox="1"/>
-                <p:nvPr/>
-              </p:nvSpPr>
-              <p:spPr>
-                <a:xfrm>
-                  <a:off x="4196919" y="2977678"/>
-                  <a:ext cx="1531619" cy="307777"/>
-                </a:xfrm>
-                <a:prstGeom prst="rect">
-                  <a:avLst/>
-                </a:prstGeom>
-                <a:noFill/>
-              </p:spPr>
-              <p:txBody>
-                <a:bodyPr wrap="square" rtlCol="0">
-                  <a:spAutoFit/>
-                </a:bodyPr>
-                <a:lstStyle/>
-                <a:p>
-                  <a:r>
-                    <a:rPr lang="en-US" sz="1400" dirty="0" err="1">
-                      <a:solidFill>
-                        <a:schemeClr val="tx1">
-                          <a:lumMod val="65000"/>
-                          <a:lumOff val="35000"/>
-                        </a:schemeClr>
-                      </a:solidFill>
-                    </a:rPr>
-                    <a:t>Mgmt</a:t>
-                  </a:r>
-                  <a:r>
-                    <a:rPr lang="en-US" sz="1400" dirty="0">
-                      <a:solidFill>
-                        <a:schemeClr val="tx1">
-                          <a:lumMod val="65000"/>
-                          <a:lumOff val="35000"/>
-                        </a:schemeClr>
-                      </a:solidFill>
-                    </a:rPr>
-                    <a:t> Subnet</a:t>
-                  </a:r>
-                </a:p>
-              </p:txBody>
-            </p:sp>
-            <p:sp>
-              <p:nvSpPr>
-                <p:cNvPr id="138" name="TextBox 137"/>
-                <p:cNvSpPr txBox="1"/>
-                <p:nvPr/>
-              </p:nvSpPr>
-              <p:spPr>
-                <a:xfrm>
-                  <a:off x="5270866" y="3383268"/>
-                  <a:ext cx="496390" cy="307777"/>
-                </a:xfrm>
-                <a:prstGeom prst="rect">
-                  <a:avLst/>
-                </a:prstGeom>
-                <a:noFill/>
-              </p:spPr>
-              <p:txBody>
-                <a:bodyPr wrap="square" rtlCol="0">
-                  <a:spAutoFit/>
-                </a:bodyPr>
-                <a:lstStyle/>
-                <a:p>
-                  <a:pPr algn="ctr"/>
-                  <a:r>
-                    <a:rPr lang="en-US" sz="1400" dirty="0">
-                      <a:solidFill>
-                        <a:schemeClr val="tx1">
-                          <a:lumMod val="65000"/>
-                          <a:lumOff val="35000"/>
-                        </a:schemeClr>
-                      </a:solidFill>
-                    </a:rPr>
-                    <a:t>NSG</a:t>
-                  </a:r>
-                </a:p>
-              </p:txBody>
-            </p:sp>
-          </p:grpSp>
-          <p:cxnSp>
-            <p:nvCxnSpPr>
-              <p:cNvPr id="189" name="Straight Arrow Connector 188"/>
-              <p:cNvCxnSpPr>
-                <a:cxnSpLocks/>
-                <a:stCxn id="139" idx="1"/>
-                <a:endCxn id="149" idx="3"/>
-              </p:cNvCxnSpPr>
+                  </a:rPr>
+                  <a:t>NSG</a:t>
+                </a:r>
+              </a:p>
+            </p:txBody>
+          </p:sp>
+          <p:pic>
+            <p:nvPicPr>
+              <p:cNvPr id="147" name="Picture 146"/>
+              <p:cNvPicPr>
+                <a:picLocks noChangeAspect="1"/>
+              </p:cNvPicPr>
               <p:nvPr/>
-            </p:nvCxnSpPr>
+            </p:nvPicPr>
+            <p:blipFill>
+              <a:blip r:embed="rId8">
+                <a:extLst>
+                  <a:ext uri="{28A0092B-C50C-407E-A947-70E740481C1C}">
+                    <a14:useLocalDpi xmlns:a14="http://schemas.microsoft.com/office/drawing/2010/main" val="0"/>
+                  </a:ext>
+                </a:extLst>
+              </a:blip>
+              <a:stretch>
+                <a:fillRect/>
+              </a:stretch>
+            </p:blipFill>
             <p:spPr>
-              <a:xfrm flipH="1">
-                <a:off x="3730792" y="2585652"/>
-                <a:ext cx="839670" cy="1000"/>
+              <a:xfrm>
+                <a:off x="5834150" y="1692410"/>
+                <a:ext cx="565900" cy="565900"/>
               </a:xfrm>
-              <a:prstGeom prst="straightConnector1">
+              <a:prstGeom prst="rect">
                 <a:avLst/>
               </a:prstGeom>
-              <a:ln w="15875">
-                <a:headEnd type="triangle"/>
-                <a:tailEnd type="triangle"/>
+            </p:spPr>
+          </p:pic>
+          <p:sp>
+            <p:nvSpPr>
+              <p:cNvPr id="148" name="TextBox 147"/>
+              <p:cNvSpPr txBox="1"/>
+              <p:nvPr/>
+            </p:nvSpPr>
+            <p:spPr>
+              <a:xfrm>
+                <a:off x="5487747" y="2199945"/>
+                <a:ext cx="1279006" cy="523220"/>
+              </a:xfrm>
+              <a:prstGeom prst="rect">
+                <a:avLst/>
+              </a:prstGeom>
+              <a:noFill/>
+            </p:spPr>
+            <p:txBody>
+              <a:bodyPr wrap="square" rtlCol="0">
+                <a:spAutoFit/>
+              </a:bodyPr>
+              <a:lstStyle/>
+              <a:p>
+                <a:pPr algn="ctr"/>
+                <a:r>
+                  <a:rPr lang="en-US" sz="1400" dirty="0">
+                    <a:solidFill>
+                      <a:schemeClr val="tx1">
+                        <a:lumMod val="65000"/>
+                        <a:lumOff val="35000"/>
+                      </a:schemeClr>
+                    </a:solidFill>
+                  </a:rPr>
+                  <a:t>Internal Load Balancer</a:t>
+                </a:r>
+              </a:p>
+            </p:txBody>
+          </p:sp>
+        </p:grpSp>
+        <p:grpSp>
+          <p:nvGrpSpPr>
+            <p:cNvPr id="122" name="Group 121"/>
+            <p:cNvGrpSpPr/>
+            <p:nvPr/>
+          </p:nvGrpSpPr>
+          <p:grpSpPr>
+            <a:xfrm>
+              <a:off x="4504003" y="2302702"/>
+              <a:ext cx="1039249" cy="1030755"/>
+              <a:chOff x="3976888" y="4348907"/>
+              <a:chExt cx="1039249" cy="1030755"/>
+            </a:xfrm>
+          </p:grpSpPr>
+          <p:pic>
+            <p:nvPicPr>
+              <p:cNvPr id="139" name="Picture 138"/>
+              <p:cNvPicPr>
+                <a:picLocks noChangeAspect="1"/>
+              </p:cNvPicPr>
+              <p:nvPr/>
+            </p:nvPicPr>
+            <p:blipFill>
+              <a:blip r:embed="rId8">
+                <a:extLst>
+                  <a:ext uri="{28A0092B-C50C-407E-A947-70E740481C1C}">
+                    <a14:useLocalDpi xmlns:a14="http://schemas.microsoft.com/office/drawing/2010/main" val="0"/>
+                  </a:ext>
+                </a:extLst>
+              </a:blip>
+              <a:stretch>
+                <a:fillRect/>
+              </a:stretch>
+            </p:blipFill>
+            <p:spPr>
+              <a:xfrm>
+                <a:off x="4213563" y="4348907"/>
+                <a:ext cx="565900" cy="565900"/>
+              </a:xfrm>
+              <a:prstGeom prst="rect">
+                <a:avLst/>
+              </a:prstGeom>
+            </p:spPr>
+          </p:pic>
+          <p:sp>
+            <p:nvSpPr>
+              <p:cNvPr id="140" name="TextBox 139"/>
+              <p:cNvSpPr txBox="1"/>
+              <p:nvPr/>
+            </p:nvSpPr>
+            <p:spPr>
+              <a:xfrm>
+                <a:off x="3976888" y="4856442"/>
+                <a:ext cx="1039249" cy="523220"/>
+              </a:xfrm>
+              <a:prstGeom prst="rect">
+                <a:avLst/>
+              </a:prstGeom>
+              <a:noFill/>
+            </p:spPr>
+            <p:txBody>
+              <a:bodyPr wrap="square" rtlCol="0">
+                <a:spAutoFit/>
+              </a:bodyPr>
+              <a:lstStyle/>
+              <a:p>
+                <a:pPr algn="ctr"/>
+                <a:r>
+                  <a:rPr lang="en-US" sz="1400" dirty="0">
+                    <a:solidFill>
+                      <a:schemeClr val="tx1">
+                        <a:lumMod val="65000"/>
+                        <a:lumOff val="35000"/>
+                      </a:schemeClr>
+                    </a:solidFill>
+                  </a:rPr>
+                  <a:t>Public Load Balancer</a:t>
+                </a:r>
+              </a:p>
+            </p:txBody>
+          </p:sp>
+        </p:grpSp>
+        <p:grpSp>
+          <p:nvGrpSpPr>
+            <p:cNvPr id="123" name="Group 122"/>
+            <p:cNvGrpSpPr/>
+            <p:nvPr/>
+          </p:nvGrpSpPr>
+          <p:grpSpPr>
+            <a:xfrm>
+              <a:off x="2855585" y="3350063"/>
+              <a:ext cx="1616473" cy="1326762"/>
+              <a:chOff x="4150783" y="2977678"/>
+              <a:chExt cx="1616473" cy="1326762"/>
+            </a:xfrm>
+          </p:grpSpPr>
+          <p:pic>
+            <p:nvPicPr>
+              <p:cNvPr id="133" name="Picture 132"/>
+              <p:cNvPicPr>
+                <a:picLocks noChangeAspect="1"/>
+              </p:cNvPicPr>
+              <p:nvPr/>
+            </p:nvPicPr>
+            <p:blipFill>
+              <a:blip r:embed="rId9">
+                <a:extLst>
+                  <a:ext uri="{28A0092B-C50C-407E-A947-70E740481C1C}">
+                    <a14:useLocalDpi xmlns:a14="http://schemas.microsoft.com/office/drawing/2010/main" val="0"/>
+                  </a:ext>
+                </a:extLst>
+              </a:blip>
+              <a:stretch>
+                <a:fillRect/>
+              </a:stretch>
+            </p:blipFill>
+            <p:spPr>
+              <a:xfrm>
+                <a:off x="4548977" y="3496535"/>
+                <a:ext cx="569612" cy="569612"/>
+              </a:xfrm>
+              <a:prstGeom prst="rect">
+                <a:avLst/>
+              </a:prstGeom>
+            </p:spPr>
+          </p:pic>
+          <p:sp>
+            <p:nvSpPr>
+              <p:cNvPr id="134" name="TextBox 133"/>
+              <p:cNvSpPr txBox="1"/>
+              <p:nvPr/>
+            </p:nvSpPr>
+            <p:spPr>
+              <a:xfrm>
+                <a:off x="4150783" y="3996663"/>
+                <a:ext cx="1368481" cy="307777"/>
+              </a:xfrm>
+              <a:prstGeom prst="rect">
+                <a:avLst/>
+              </a:prstGeom>
+              <a:noFill/>
+            </p:spPr>
+            <p:txBody>
+              <a:bodyPr wrap="square" rtlCol="0">
+                <a:spAutoFit/>
+              </a:bodyPr>
+              <a:lstStyle/>
+              <a:p>
+                <a:pPr algn="ctr"/>
+                <a:r>
+                  <a:rPr lang="en-US" sz="1400" dirty="0" err="1">
+                    <a:solidFill>
+                      <a:schemeClr val="tx1">
+                        <a:lumMod val="65000"/>
+                        <a:lumOff val="35000"/>
+                      </a:schemeClr>
+                    </a:solidFill>
+                  </a:rPr>
+                  <a:t>Jumpbox</a:t>
+                </a:r>
+                <a:endParaRPr lang="en-US" sz="1400" dirty="0">
+                  <a:solidFill>
+                    <a:schemeClr val="tx1">
+                      <a:lumMod val="65000"/>
+                      <a:lumOff val="35000"/>
+                    </a:schemeClr>
+                  </a:solidFill>
+                </a:endParaRPr>
+              </a:p>
+            </p:txBody>
+          </p:sp>
+          <p:pic>
+            <p:nvPicPr>
+              <p:cNvPr id="135" name="Picture 134"/>
+              <p:cNvPicPr>
+                <a:picLocks noChangeAspect="1"/>
+              </p:cNvPicPr>
+              <p:nvPr/>
+            </p:nvPicPr>
+            <p:blipFill>
+              <a:blip r:embed="rId6">
+                <a:extLst>
+                  <a:ext uri="{BEBA8EAE-BF5A-486C-A8C5-ECC9F3942E4B}">
+                    <a14:imgProps xmlns:a14="http://schemas.microsoft.com/office/drawing/2010/main">
+                      <a14:imgLayer r:embed="rId7">
+                        <a14:imgEffect>
+                          <a14:saturation sat="0"/>
+                        </a14:imgEffect>
+                      </a14:imgLayer>
+                    </a14:imgProps>
+                  </a:ext>
+                  <a:ext uri="{28A0092B-C50C-407E-A947-70E740481C1C}">
+                    <a14:useLocalDpi xmlns:a14="http://schemas.microsoft.com/office/drawing/2010/main" val="0"/>
+                  </a:ext>
+                </a:extLst>
+              </a:blip>
+              <a:stretch>
+                <a:fillRect/>
+              </a:stretch>
+            </p:blipFill>
+            <p:spPr>
+              <a:xfrm>
+                <a:off x="5335693" y="3064027"/>
+                <a:ext cx="366736" cy="366736"/>
+              </a:xfrm>
+              <a:prstGeom prst="rect">
+                <a:avLst/>
+              </a:prstGeom>
+            </p:spPr>
+          </p:pic>
+          <p:sp>
+            <p:nvSpPr>
+              <p:cNvPr id="136" name="Rectangle 135"/>
+              <p:cNvSpPr/>
+              <p:nvPr/>
+            </p:nvSpPr>
+            <p:spPr>
+              <a:xfrm>
+                <a:off x="4183168" y="3026709"/>
+                <a:ext cx="1519261" cy="1277731"/>
+              </a:xfrm>
+              <a:prstGeom prst="rect">
+                <a:avLst/>
+              </a:prstGeom>
+              <a:noFill/>
+              <a:ln>
+                <a:prstDash val="dash"/>
               </a:ln>
             </p:spPr>
             <p:style>
-              <a:lnRef idx="1">
-                <a:schemeClr val="accent1"/>
+              <a:lnRef idx="2">
+                <a:schemeClr val="accent1">
+                  <a:shade val="50000"/>
+                </a:schemeClr>
               </a:lnRef>
-              <a:fillRef idx="0">
+              <a:fillRef idx="1">
                 <a:schemeClr val="accent1"/>
               </a:fillRef>
               <a:effectRef idx="0">
                 <a:schemeClr val="accent1"/>
               </a:effectRef>
               <a:fontRef idx="minor">
-                <a:schemeClr val="tx1"/>
+                <a:schemeClr val="lt1"/>
               </a:fontRef>
             </p:style>
-          </p:cxnSp>
-          <p:cxnSp>
-            <p:nvCxnSpPr>
-              <p:cNvPr id="192" name="Straight Arrow Connector 191"/>
-              <p:cNvCxnSpPr>
-                <a:cxnSpLocks/>
-                <a:stCxn id="149" idx="1"/>
-                <a:endCxn id="147" idx="3"/>
-              </p:cNvCxnSpPr>
+            <p:txBody>
+              <a:bodyPr rtlCol="0" anchor="ctr"/>
+              <a:lstStyle/>
+              <a:p>
+                <a:pPr algn="ctr"/>
+                <a:endParaRPr lang="en-US"/>
+              </a:p>
+            </p:txBody>
+          </p:sp>
+          <p:sp>
+            <p:nvSpPr>
+              <p:cNvPr id="137" name="TextBox 136"/>
+              <p:cNvSpPr txBox="1"/>
               <p:nvPr/>
-            </p:nvCxnSpPr>
+            </p:nvSpPr>
             <p:spPr>
-              <a:xfrm flipH="1">
-                <a:off x="2489546" y="2586652"/>
-                <a:ext cx="671634" cy="121"/>
+              <a:xfrm>
+                <a:off x="4196919" y="2977678"/>
+                <a:ext cx="1531619" cy="307777"/>
               </a:xfrm>
-              <a:prstGeom prst="straightConnector1">
+              <a:prstGeom prst="rect">
                 <a:avLst/>
               </a:prstGeom>
-              <a:ln w="15875">
-                <a:headEnd type="triangle"/>
-                <a:tailEnd type="triangle"/>
-              </a:ln>
+              <a:noFill/>
             </p:spPr>
-            <p:style>
-              <a:lnRef idx="1">
-                <a:schemeClr val="accent1"/>
-              </a:lnRef>
-              <a:fillRef idx="0">
-                <a:schemeClr val="accent1"/>
-              </a:fillRef>
-              <a:effectRef idx="0">
-                <a:schemeClr val="accent1"/>
-              </a:effectRef>
-              <a:fontRef idx="minor">
-                <a:schemeClr val="tx1"/>
-              </a:fontRef>
-            </p:style>
-          </p:cxnSp>
-          <p:cxnSp>
-            <p:nvCxnSpPr>
-              <p:cNvPr id="195" name="Straight Arrow Connector 194"/>
-              <p:cNvCxnSpPr>
-                <a:cxnSpLocks/>
-                <a:stCxn id="147" idx="1"/>
-                <a:endCxn id="141" idx="3"/>
-              </p:cNvCxnSpPr>
+            <p:txBody>
+              <a:bodyPr wrap="square" rtlCol="0">
+                <a:spAutoFit/>
+              </a:bodyPr>
+              <a:lstStyle/>
+              <a:p>
+                <a:r>
+                  <a:rPr lang="en-US" sz="1400" dirty="0" err="1">
+                    <a:solidFill>
+                      <a:schemeClr val="tx1">
+                        <a:lumMod val="65000"/>
+                        <a:lumOff val="35000"/>
+                      </a:schemeClr>
+                    </a:solidFill>
+                  </a:rPr>
+                  <a:t>Mgmt</a:t>
+                </a:r>
+                <a:r>
+                  <a:rPr lang="en-US" sz="1400" dirty="0">
+                    <a:solidFill>
+                      <a:schemeClr val="tx1">
+                        <a:lumMod val="65000"/>
+                        <a:lumOff val="35000"/>
+                      </a:schemeClr>
+                    </a:solidFill>
+                  </a:rPr>
+                  <a:t> Subnet</a:t>
+                </a:r>
+              </a:p>
+            </p:txBody>
+          </p:sp>
+          <p:sp>
+            <p:nvSpPr>
+              <p:cNvPr id="138" name="TextBox 137"/>
+              <p:cNvSpPr txBox="1"/>
               <p:nvPr/>
-            </p:nvCxnSpPr>
+            </p:nvSpPr>
             <p:spPr>
-              <a:xfrm flipH="1" flipV="1">
-                <a:off x="1240684" y="2586409"/>
-                <a:ext cx="682962" cy="364"/>
+              <a:xfrm>
+                <a:off x="5270866" y="3383268"/>
+                <a:ext cx="496390" cy="307777"/>
               </a:xfrm>
-              <a:prstGeom prst="straightConnector1">
+              <a:prstGeom prst="rect">
                 <a:avLst/>
               </a:prstGeom>
-              <a:ln w="15875">
-                <a:headEnd type="triangle"/>
-                <a:tailEnd type="triangle"/>
-              </a:ln>
+              <a:noFill/>
             </p:spPr>
-            <p:style>
-              <a:lnRef idx="1">
-                <a:schemeClr val="accent1"/>
-              </a:lnRef>
-              <a:fillRef idx="0">
-                <a:schemeClr val="accent1"/>
-              </a:fillRef>
-              <a:effectRef idx="0">
-                <a:schemeClr val="accent1"/>
-              </a:effectRef>
-              <a:fontRef idx="minor">
-                <a:schemeClr val="tx1"/>
-              </a:fontRef>
-            </p:style>
-          </p:cxnSp>
+            <p:txBody>
+              <a:bodyPr wrap="square" rtlCol="0">
+                <a:spAutoFit/>
+              </a:bodyPr>
+              <a:lstStyle/>
+              <a:p>
+                <a:pPr algn="ctr"/>
+                <a:r>
+                  <a:rPr lang="en-US" sz="1400" dirty="0">
+                    <a:solidFill>
+                      <a:schemeClr val="tx1">
+                        <a:lumMod val="65000"/>
+                        <a:lumOff val="35000"/>
+                      </a:schemeClr>
+                    </a:solidFill>
+                  </a:rPr>
+                  <a:t>NSG</a:t>
+                </a:r>
+              </a:p>
+            </p:txBody>
+          </p:sp>
         </p:grpSp>
+        <p:cxnSp>
+          <p:nvCxnSpPr>
+            <p:cNvPr id="189" name="Straight Arrow Connector 188"/>
+            <p:cNvCxnSpPr>
+              <a:cxnSpLocks/>
+              <a:stCxn id="139" idx="1"/>
+              <a:endCxn id="149" idx="3"/>
+            </p:cNvCxnSpPr>
+            <p:nvPr/>
+          </p:nvCxnSpPr>
+          <p:spPr>
+            <a:xfrm flipH="1">
+              <a:off x="3779888" y="2585652"/>
+              <a:ext cx="960790" cy="1000"/>
+            </a:xfrm>
+            <a:prstGeom prst="straightConnector1">
+              <a:avLst/>
+            </a:prstGeom>
+            <a:ln w="15875">
+              <a:headEnd type="triangle"/>
+              <a:tailEnd type="triangle"/>
+            </a:ln>
+          </p:spPr>
+          <p:style>
+            <a:lnRef idx="1">
+              <a:schemeClr val="accent1"/>
+            </a:lnRef>
+            <a:fillRef idx="0">
+              <a:schemeClr val="accent1"/>
+            </a:fillRef>
+            <a:effectRef idx="0">
+              <a:schemeClr val="accent1"/>
+            </a:effectRef>
+            <a:fontRef idx="minor">
+              <a:schemeClr val="tx1"/>
+            </a:fontRef>
+          </p:style>
+        </p:cxnSp>
+        <p:cxnSp>
+          <p:nvCxnSpPr>
+            <p:cNvPr id="192" name="Straight Arrow Connector 191"/>
+            <p:cNvCxnSpPr>
+              <a:cxnSpLocks/>
+              <a:stCxn id="149" idx="1"/>
+              <a:endCxn id="147" idx="3"/>
+            </p:cNvCxnSpPr>
+            <p:nvPr/>
+          </p:nvCxnSpPr>
+          <p:spPr>
+            <a:xfrm flipH="1">
+              <a:off x="2538642" y="2586652"/>
+              <a:ext cx="671634" cy="121"/>
+            </a:xfrm>
+            <a:prstGeom prst="straightConnector1">
+              <a:avLst/>
+            </a:prstGeom>
+            <a:ln w="15875">
+              <a:headEnd type="triangle"/>
+              <a:tailEnd type="triangle"/>
+            </a:ln>
+          </p:spPr>
+          <p:style>
+            <a:lnRef idx="1">
+              <a:schemeClr val="accent1"/>
+            </a:lnRef>
+            <a:fillRef idx="0">
+              <a:schemeClr val="accent1"/>
+            </a:fillRef>
+            <a:effectRef idx="0">
+              <a:schemeClr val="accent1"/>
+            </a:effectRef>
+            <a:fontRef idx="minor">
+              <a:schemeClr val="tx1"/>
+            </a:fontRef>
+          </p:style>
+        </p:cxnSp>
+        <p:cxnSp>
+          <p:nvCxnSpPr>
+            <p:cNvPr id="195" name="Straight Arrow Connector 194"/>
+            <p:cNvCxnSpPr>
+              <a:cxnSpLocks/>
+              <a:stCxn id="147" idx="1"/>
+              <a:endCxn id="141" idx="3"/>
+            </p:cNvCxnSpPr>
+            <p:nvPr/>
+          </p:nvCxnSpPr>
+          <p:spPr>
+            <a:xfrm flipH="1" flipV="1">
+              <a:off x="1289780" y="2586409"/>
+              <a:ext cx="682962" cy="364"/>
+            </a:xfrm>
+            <a:prstGeom prst="straightConnector1">
+              <a:avLst/>
+            </a:prstGeom>
+            <a:ln w="15875">
+              <a:headEnd type="triangle"/>
+              <a:tailEnd type="triangle"/>
+            </a:ln>
+          </p:spPr>
+          <p:style>
+            <a:lnRef idx="1">
+              <a:schemeClr val="accent1"/>
+            </a:lnRef>
+            <a:fillRef idx="0">
+              <a:schemeClr val="accent1"/>
+            </a:fillRef>
+            <a:effectRef idx="0">
+              <a:schemeClr val="accent1"/>
+            </a:effectRef>
+            <a:fontRef idx="minor">
+              <a:schemeClr val="tx1"/>
+            </a:fontRef>
+          </p:style>
+        </p:cxnSp>
         <p:sp>
           <p:nvSpPr>
             <p:cNvPr id="127" name="TextBox 126"/>
@@ -6453,8 +8493,8 @@
           </p:nvSpPr>
           <p:spPr>
             <a:xfrm>
-              <a:off x="0" y="779766"/>
-              <a:ext cx="1344799" cy="307777"/>
+              <a:off x="0" y="1126842"/>
+              <a:ext cx="2222416" cy="307777"/>
             </a:xfrm>
             <a:prstGeom prst="rect">
               <a:avLst/>
@@ -6475,7 +8515,7 @@
                     </a:schemeClr>
                   </a:solidFill>
                 </a:rPr>
-                <a:t>Resource Group</a:t>
+                <a:t>Resource Group (West US)</a:t>
               </a:r>
             </a:p>
           </p:txBody>
@@ -6561,16 +8601,16 @@
       </p:grpSp>
       <p:grpSp>
         <p:nvGrpSpPr>
-          <p:cNvPr id="42" name="Group 41"/>
+          <p:cNvPr id="39" name="Group 38"/>
           <p:cNvGrpSpPr/>
           <p:nvPr/>
         </p:nvGrpSpPr>
         <p:grpSpPr>
           <a:xfrm>
-            <a:off x="6605340" y="784609"/>
-            <a:ext cx="5592419" cy="4908946"/>
-            <a:chOff x="6605340" y="784609"/>
-            <a:chExt cx="5592419" cy="4908946"/>
+            <a:off x="6696131" y="977940"/>
+            <a:ext cx="5477404" cy="4558159"/>
+            <a:chOff x="6720355" y="1135396"/>
+            <a:chExt cx="5477404" cy="4558159"/>
           </a:xfrm>
         </p:grpSpPr>
         <p:sp>
@@ -6581,8 +8621,8 @@
           </p:nvSpPr>
           <p:spPr>
             <a:xfrm>
-              <a:off x="6653107" y="825151"/>
-              <a:ext cx="5513309" cy="4838713"/>
+              <a:off x="6758791" y="1158122"/>
+              <a:ext cx="5353922" cy="4505742"/>
             </a:xfrm>
             <a:prstGeom prst="rect">
               <a:avLst/>
@@ -6628,95 +8668,227 @@
             </a:p>
           </p:txBody>
         </p:sp>
+        <p:sp>
+          <p:nvSpPr>
+            <p:cNvPr id="3" name="Rectangle 2"/>
+            <p:cNvSpPr/>
+            <p:nvPr/>
+          </p:nvSpPr>
+          <p:spPr>
+            <a:xfrm>
+              <a:off x="7700276" y="1514926"/>
+              <a:ext cx="4317965" cy="3232478"/>
+            </a:xfrm>
+            <a:prstGeom prst="rect">
+              <a:avLst/>
+            </a:prstGeom>
+            <a:solidFill>
+              <a:schemeClr val="accent1">
+                <a:lumMod val="40000"/>
+                <a:lumOff val="60000"/>
+              </a:schemeClr>
+            </a:solidFill>
+            <a:ln w="19050">
+              <a:prstDash val="dash"/>
+            </a:ln>
+          </p:spPr>
+          <p:style>
+            <a:lnRef idx="2">
+              <a:schemeClr val="accent1">
+                <a:shade val="50000"/>
+              </a:schemeClr>
+            </a:lnRef>
+            <a:fillRef idx="1">
+              <a:schemeClr val="accent1"/>
+            </a:fillRef>
+            <a:effectRef idx="0">
+              <a:schemeClr val="accent1"/>
+            </a:effectRef>
+            <a:fontRef idx="minor">
+              <a:schemeClr val="lt1"/>
+            </a:fontRef>
+          </p:style>
+          <p:txBody>
+            <a:bodyPr rtlCol="0" anchor="ctr"/>
+            <a:lstStyle/>
+            <a:p>
+              <a:pPr algn="ctr"/>
+              <a:endParaRPr lang="en-US"/>
+            </a:p>
+          </p:txBody>
+        </p:sp>
+        <p:sp>
+          <p:nvSpPr>
+            <p:cNvPr id="8" name="TextBox 7"/>
+            <p:cNvSpPr txBox="1"/>
+            <p:nvPr/>
+          </p:nvSpPr>
+          <p:spPr>
+            <a:xfrm>
+              <a:off x="7700276" y="1478083"/>
+              <a:ext cx="1410223" cy="307777"/>
+            </a:xfrm>
+            <a:prstGeom prst="rect">
+              <a:avLst/>
+            </a:prstGeom>
+            <a:noFill/>
+          </p:spPr>
+          <p:txBody>
+            <a:bodyPr wrap="square" rtlCol="0">
+              <a:spAutoFit/>
+            </a:bodyPr>
+            <a:lstStyle/>
+            <a:p>
+              <a:r>
+                <a:rPr lang="en-US" sz="1400" dirty="0">
+                  <a:solidFill>
+                    <a:schemeClr val="tx1">
+                      <a:lumMod val="65000"/>
+                      <a:lumOff val="35000"/>
+                    </a:schemeClr>
+                  </a:solidFill>
+                </a:rPr>
+                <a:t>Virtual Network</a:t>
+              </a:r>
+            </a:p>
+          </p:txBody>
+        </p:sp>
         <p:grpSp>
           <p:nvGrpSpPr>
-            <p:cNvPr id="24" name="Group 23"/>
+            <p:cNvPr id="38" name="Group 37"/>
             <p:cNvGrpSpPr/>
             <p:nvPr/>
           </p:nvGrpSpPr>
           <p:grpSpPr>
             <a:xfrm>
-              <a:off x="6749475" y="1127412"/>
-              <a:ext cx="5321029" cy="3718062"/>
-              <a:chOff x="6798571" y="1127412"/>
-              <a:chExt cx="5321029" cy="3718062"/>
+              <a:off x="7781522" y="1794038"/>
+              <a:ext cx="1616473" cy="1542765"/>
+              <a:chOff x="1146440" y="1203571"/>
+              <a:chExt cx="1616473" cy="1542765"/>
             </a:xfrm>
           </p:grpSpPr>
+          <p:pic>
+            <p:nvPicPr>
+              <p:cNvPr id="16" name="Picture 15"/>
+              <p:cNvPicPr>
+                <a:picLocks noChangeAspect="1"/>
+              </p:cNvPicPr>
+              <p:nvPr/>
+            </p:nvPicPr>
+            <p:blipFill>
+              <a:blip r:embed="rId5">
+                <a:extLst>
+                  <a:ext uri="{28A0092B-C50C-407E-A947-70E740481C1C}">
+                    <a14:useLocalDpi xmlns:a14="http://schemas.microsoft.com/office/drawing/2010/main" val="0"/>
+                  </a:ext>
+                </a:extLst>
+              </a:blip>
+              <a:stretch>
+                <a:fillRect/>
+              </a:stretch>
+            </p:blipFill>
+            <p:spPr>
+              <a:xfrm>
+                <a:off x="1501138" y="1711379"/>
+                <a:ext cx="569612" cy="569612"/>
+              </a:xfrm>
+              <a:prstGeom prst="rect">
+                <a:avLst/>
+              </a:prstGeom>
+            </p:spPr>
+          </p:pic>
           <p:sp>
             <p:nvSpPr>
-              <p:cNvPr id="7" name="Rectangle 6"/>
+              <p:cNvPr id="17" name="TextBox 16"/>
+              <p:cNvSpPr txBox="1"/>
+              <p:nvPr/>
+            </p:nvSpPr>
+            <p:spPr>
+              <a:xfrm>
+                <a:off x="1146440" y="2222556"/>
+                <a:ext cx="1368481" cy="523220"/>
+              </a:xfrm>
+              <a:prstGeom prst="rect">
+                <a:avLst/>
+              </a:prstGeom>
+              <a:noFill/>
+            </p:spPr>
+            <p:txBody>
+              <a:bodyPr wrap="square" rtlCol="0">
+                <a:spAutoFit/>
+              </a:bodyPr>
+              <a:lstStyle/>
+              <a:p>
+                <a:pPr algn="ctr"/>
+                <a:r>
+                  <a:rPr lang="en-US" sz="1400" dirty="0">
+                    <a:solidFill>
+                      <a:schemeClr val="tx1">
+                        <a:lumMod val="65000"/>
+                        <a:lumOff val="35000"/>
+                      </a:schemeClr>
+                    </a:solidFill>
+                  </a:rPr>
+                  <a:t>Virtual Machine Scale Set</a:t>
+                </a:r>
+              </a:p>
+            </p:txBody>
+          </p:sp>
+          <p:pic>
+            <p:nvPicPr>
+              <p:cNvPr id="19" name="Picture 18"/>
+              <p:cNvPicPr>
+                <a:picLocks noChangeAspect="1"/>
+              </p:cNvPicPr>
+              <p:nvPr/>
+            </p:nvPicPr>
+            <p:blipFill>
+              <a:blip r:embed="rId6">
+                <a:extLst>
+                  <a:ext uri="{BEBA8EAE-BF5A-486C-A8C5-ECC9F3942E4B}">
+                    <a14:imgProps xmlns:a14="http://schemas.microsoft.com/office/drawing/2010/main">
+                      <a14:imgLayer r:embed="rId7">
+                        <a14:imgEffect>
+                          <a14:saturation sat="0"/>
+                        </a14:imgEffect>
+                      </a14:imgLayer>
+                    </a14:imgProps>
+                  </a:ext>
+                  <a:ext uri="{28A0092B-C50C-407E-A947-70E740481C1C}">
+                    <a14:useLocalDpi xmlns:a14="http://schemas.microsoft.com/office/drawing/2010/main" val="0"/>
+                  </a:ext>
+                </a:extLst>
+              </a:blip>
+              <a:stretch>
+                <a:fillRect/>
+              </a:stretch>
+            </p:blipFill>
+            <p:spPr>
+              <a:xfrm>
+                <a:off x="2331350" y="1289920"/>
+                <a:ext cx="366736" cy="366736"/>
+              </a:xfrm>
+              <a:prstGeom prst="rect">
+                <a:avLst/>
+              </a:prstGeom>
+            </p:spPr>
+          </p:pic>
+          <p:sp>
+            <p:nvSpPr>
+              <p:cNvPr id="20" name="Rectangle 19"/>
               <p:cNvSpPr/>
               <p:nvPr/>
             </p:nvSpPr>
             <p:spPr>
               <a:xfrm>
-                <a:off x="6798571" y="1146958"/>
-                <a:ext cx="5321029" cy="3698516"/>
+                <a:off x="1178825" y="1252602"/>
+                <a:ext cx="1519261" cy="1493734"/>
               </a:xfrm>
               <a:prstGeom prst="rect">
                 <a:avLst/>
               </a:prstGeom>
-              <a:solidFill>
-                <a:schemeClr val="bg1">
-                  <a:lumMod val="85000"/>
-                </a:schemeClr>
-              </a:solidFill>
-              <a:ln w="19050">
-                <a:solidFill>
-                  <a:schemeClr val="tx1">
-                    <a:lumMod val="65000"/>
-                    <a:lumOff val="35000"/>
-                  </a:schemeClr>
-                </a:solidFill>
-                <a:prstDash val="solid"/>
-              </a:ln>
-            </p:spPr>
-            <p:style>
-              <a:lnRef idx="2">
-                <a:schemeClr val="accent1">
-                  <a:shade val="50000"/>
-                </a:schemeClr>
-              </a:lnRef>
-              <a:fillRef idx="1">
-                <a:schemeClr val="accent1"/>
-              </a:fillRef>
-              <a:effectRef idx="0">
-                <a:schemeClr val="accent1"/>
-              </a:effectRef>
-              <a:fontRef idx="minor">
-                <a:schemeClr val="lt1"/>
-              </a:fontRef>
-            </p:style>
-            <p:txBody>
-              <a:bodyPr rtlCol="0" anchor="ctr"/>
-              <a:lstStyle/>
-              <a:p>
-                <a:pPr algn="ctr"/>
-                <a:endParaRPr lang="en-US"/>
-              </a:p>
-            </p:txBody>
-          </p:sp>
-          <p:sp>
-            <p:nvSpPr>
-              <p:cNvPr id="3" name="Rectangle 2"/>
-              <p:cNvSpPr/>
-              <p:nvPr/>
-            </p:nvSpPr>
-            <p:spPr>
-              <a:xfrm>
-                <a:off x="6872768" y="1514926"/>
-                <a:ext cx="5194569" cy="3232478"/>
-              </a:xfrm>
-              <a:prstGeom prst="rect">
-                <a:avLst/>
-              </a:prstGeom>
-              <a:solidFill>
-                <a:schemeClr val="accent1">
-                  <a:lumMod val="40000"/>
-                  <a:lumOff val="60000"/>
-                </a:schemeClr>
-              </a:solidFill>
-              <a:ln w="19050">
+              <a:noFill/>
+              <a:ln>
                 <a:prstDash val="dash"/>
               </a:ln>
             </p:spPr>
@@ -6747,14 +8919,14 @@
           </p:sp>
           <p:sp>
             <p:nvSpPr>
-              <p:cNvPr id="8" name="TextBox 7"/>
+              <p:cNvPr id="21" name="TextBox 20"/>
               <p:cNvSpPr txBox="1"/>
               <p:nvPr/>
             </p:nvSpPr>
             <p:spPr>
               <a:xfrm>
-                <a:off x="6872768" y="1476488"/>
-                <a:ext cx="1410223" cy="307777"/>
+                <a:off x="1192576" y="1203571"/>
+                <a:ext cx="1531619" cy="307777"/>
               </a:xfrm>
               <a:prstGeom prst="rect">
                 <a:avLst/>
@@ -6776,21 +8948,223 @@
                       </a:schemeClr>
                     </a:solidFill>
                   </a:rPr>
-                  <a:t>Virtual Network</a:t>
+                  <a:t>Web Subnet</a:t>
                 </a:r>
               </a:p>
             </p:txBody>
           </p:sp>
           <p:sp>
             <p:nvSpPr>
-              <p:cNvPr id="9" name="TextBox 8"/>
+              <p:cNvPr id="23" name="TextBox 22"/>
               <p:cNvSpPr txBox="1"/>
               <p:nvPr/>
             </p:nvSpPr>
             <p:spPr>
               <a:xfrm>
-                <a:off x="6798571" y="1127412"/>
-                <a:ext cx="1673157" cy="307777"/>
+                <a:off x="2266523" y="1609161"/>
+                <a:ext cx="496390" cy="307777"/>
+              </a:xfrm>
+              <a:prstGeom prst="rect">
+                <a:avLst/>
+              </a:prstGeom>
+              <a:noFill/>
+            </p:spPr>
+            <p:txBody>
+              <a:bodyPr wrap="square" rtlCol="0">
+                <a:spAutoFit/>
+              </a:bodyPr>
+              <a:lstStyle/>
+              <a:p>
+                <a:pPr algn="ctr"/>
+                <a:r>
+                  <a:rPr lang="en-US" sz="1400" dirty="0">
+                    <a:solidFill>
+                      <a:schemeClr val="tx1">
+                        <a:lumMod val="65000"/>
+                        <a:lumOff val="35000"/>
+                      </a:schemeClr>
+                    </a:solidFill>
+                  </a:rPr>
+                  <a:t>NSG</a:t>
+                </a:r>
+              </a:p>
+            </p:txBody>
+          </p:sp>
+        </p:grpSp>
+        <p:grpSp>
+          <p:nvGrpSpPr>
+            <p:cNvPr id="37" name="Group 36"/>
+            <p:cNvGrpSpPr/>
+            <p:nvPr/>
+          </p:nvGrpSpPr>
+          <p:grpSpPr>
+            <a:xfrm>
+              <a:off x="9293005" y="1814349"/>
+              <a:ext cx="2676852" cy="1519108"/>
+              <a:chOff x="4073031" y="1203571"/>
+              <a:chExt cx="2676852" cy="1519108"/>
+            </a:xfrm>
+          </p:grpSpPr>
+          <p:pic>
+            <p:nvPicPr>
+              <p:cNvPr id="25" name="Picture 24"/>
+              <p:cNvPicPr>
+                <a:picLocks noChangeAspect="1"/>
+              </p:cNvPicPr>
+              <p:nvPr/>
+            </p:nvPicPr>
+            <p:blipFill>
+              <a:blip r:embed="rId5">
+                <a:extLst>
+                  <a:ext uri="{28A0092B-C50C-407E-A947-70E740481C1C}">
+                    <a14:useLocalDpi xmlns:a14="http://schemas.microsoft.com/office/drawing/2010/main" val="0"/>
+                  </a:ext>
+                </a:extLst>
+              </a:blip>
+              <a:stretch>
+                <a:fillRect/>
+              </a:stretch>
+            </p:blipFill>
+            <p:spPr>
+              <a:xfrm>
+                <a:off x="5586911" y="1691924"/>
+                <a:ext cx="569612" cy="569612"/>
+              </a:xfrm>
+              <a:prstGeom prst="rect">
+                <a:avLst/>
+              </a:prstGeom>
+            </p:spPr>
+          </p:pic>
+          <p:sp>
+            <p:nvSpPr>
+              <p:cNvPr id="26" name="TextBox 25"/>
+              <p:cNvSpPr txBox="1"/>
+              <p:nvPr/>
+            </p:nvSpPr>
+            <p:spPr>
+              <a:xfrm>
+                <a:off x="5232213" y="2199459"/>
+                <a:ext cx="1368481" cy="523220"/>
+              </a:xfrm>
+              <a:prstGeom prst="rect">
+                <a:avLst/>
+              </a:prstGeom>
+              <a:noFill/>
+            </p:spPr>
+            <p:txBody>
+              <a:bodyPr wrap="square" rtlCol="0">
+                <a:spAutoFit/>
+              </a:bodyPr>
+              <a:lstStyle/>
+              <a:p>
+                <a:pPr algn="ctr"/>
+                <a:r>
+                  <a:rPr lang="en-US" sz="1400" dirty="0">
+                    <a:solidFill>
+                      <a:schemeClr val="tx1">
+                        <a:lumMod val="65000"/>
+                        <a:lumOff val="35000"/>
+                      </a:schemeClr>
+                    </a:solidFill>
+                  </a:rPr>
+                  <a:t>Virtual Machine Scale Set</a:t>
+                </a:r>
+              </a:p>
+            </p:txBody>
+          </p:sp>
+          <p:pic>
+            <p:nvPicPr>
+              <p:cNvPr id="27" name="Picture 26"/>
+              <p:cNvPicPr>
+                <a:picLocks noChangeAspect="1"/>
+              </p:cNvPicPr>
+              <p:nvPr/>
+            </p:nvPicPr>
+            <p:blipFill>
+              <a:blip r:embed="rId6">
+                <a:extLst>
+                  <a:ext uri="{BEBA8EAE-BF5A-486C-A8C5-ECC9F3942E4B}">
+                    <a14:imgProps xmlns:a14="http://schemas.microsoft.com/office/drawing/2010/main">
+                      <a14:imgLayer r:embed="rId7">
+                        <a14:imgEffect>
+                          <a14:saturation sat="0"/>
+                        </a14:imgEffect>
+                      </a14:imgLayer>
+                    </a14:imgProps>
+                  </a:ext>
+                  <a:ext uri="{28A0092B-C50C-407E-A947-70E740481C1C}">
+                    <a14:useLocalDpi xmlns:a14="http://schemas.microsoft.com/office/drawing/2010/main" val="0"/>
+                  </a:ext>
+                </a:extLst>
+              </a:blip>
+              <a:stretch>
+                <a:fillRect/>
+              </a:stretch>
+            </p:blipFill>
+            <p:spPr>
+              <a:xfrm>
+                <a:off x="6318320" y="1278890"/>
+                <a:ext cx="366736" cy="366736"/>
+              </a:xfrm>
+              <a:prstGeom prst="rect">
+                <a:avLst/>
+              </a:prstGeom>
+            </p:spPr>
+          </p:pic>
+          <p:sp>
+            <p:nvSpPr>
+              <p:cNvPr id="28" name="Rectangle 27"/>
+              <p:cNvSpPr/>
+              <p:nvPr/>
+            </p:nvSpPr>
+            <p:spPr>
+              <a:xfrm>
+                <a:off x="4176265" y="1228945"/>
+                <a:ext cx="2507145" cy="1493734"/>
+              </a:xfrm>
+              <a:prstGeom prst="rect">
+                <a:avLst/>
+              </a:prstGeom>
+              <a:noFill/>
+              <a:ln>
+                <a:prstDash val="dash"/>
+              </a:ln>
+            </p:spPr>
+            <p:style>
+              <a:lnRef idx="2">
+                <a:schemeClr val="accent1">
+                  <a:shade val="50000"/>
+                </a:schemeClr>
+              </a:lnRef>
+              <a:fillRef idx="1">
+                <a:schemeClr val="accent1"/>
+              </a:fillRef>
+              <a:effectRef idx="0">
+                <a:schemeClr val="accent1"/>
+              </a:effectRef>
+              <a:fontRef idx="minor">
+                <a:schemeClr val="lt1"/>
+              </a:fontRef>
+            </p:style>
+            <p:txBody>
+              <a:bodyPr rtlCol="0" anchor="ctr"/>
+              <a:lstStyle/>
+              <a:p>
+                <a:pPr algn="ctr"/>
+                <a:endParaRPr lang="en-US"/>
+              </a:p>
+            </p:txBody>
+          </p:sp>
+          <p:sp>
+            <p:nvSpPr>
+              <p:cNvPr id="29" name="TextBox 28"/>
+              <p:cNvSpPr txBox="1"/>
+              <p:nvPr/>
+            </p:nvSpPr>
+            <p:spPr>
+              <a:xfrm>
+                <a:off x="4190016" y="1203571"/>
+                <a:ext cx="1531619" cy="307777"/>
               </a:xfrm>
               <a:prstGeom prst="rect">
                 <a:avLst/>
@@ -6812,1008 +9186,569 @@
                       </a:schemeClr>
                     </a:solidFill>
                   </a:rPr>
-                  <a:t>East US Data Center</a:t>
+                  <a:t>Biz Subnet</a:t>
                 </a:r>
               </a:p>
             </p:txBody>
           </p:sp>
-          <p:grpSp>
-            <p:nvGrpSpPr>
-              <p:cNvPr id="38" name="Group 37"/>
-              <p:cNvGrpSpPr/>
+          <p:sp>
+            <p:nvSpPr>
+              <p:cNvPr id="30" name="TextBox 29"/>
+              <p:cNvSpPr txBox="1"/>
               <p:nvPr/>
-            </p:nvGrpSpPr>
-            <p:grpSpPr>
+            </p:nvSpPr>
+            <p:spPr>
               <a:xfrm>
-                <a:off x="7830618" y="1794038"/>
-                <a:ext cx="1616473" cy="1542765"/>
-                <a:chOff x="1146440" y="1203571"/>
-                <a:chExt cx="1616473" cy="1542765"/>
+                <a:off x="6253493" y="1598131"/>
+                <a:ext cx="496390" cy="307777"/>
               </a:xfrm>
-            </p:grpSpPr>
-            <p:pic>
-              <p:nvPicPr>
-                <p:cNvPr id="16" name="Picture 15"/>
-                <p:cNvPicPr>
-                  <a:picLocks noChangeAspect="1"/>
-                </p:cNvPicPr>
-                <p:nvPr/>
-              </p:nvPicPr>
-              <p:blipFill>
-                <a:blip r:embed="rId5">
-                  <a:extLst>
-                    <a:ext uri="{28A0092B-C50C-407E-A947-70E740481C1C}">
-                      <a14:useLocalDpi xmlns:a14="http://schemas.microsoft.com/office/drawing/2010/main" val="0"/>
-                    </a:ext>
-                  </a:extLst>
-                </a:blip>
-                <a:stretch>
-                  <a:fillRect/>
-                </a:stretch>
-              </p:blipFill>
-              <p:spPr>
-                <a:xfrm>
-                  <a:off x="1501138" y="1711379"/>
-                  <a:ext cx="569612" cy="569612"/>
-                </a:xfrm>
-                <a:prstGeom prst="rect">
-                  <a:avLst/>
-                </a:prstGeom>
-              </p:spPr>
-            </p:pic>
-            <p:sp>
-              <p:nvSpPr>
-                <p:cNvPr id="17" name="TextBox 16"/>
-                <p:cNvSpPr txBox="1"/>
-                <p:nvPr/>
-              </p:nvSpPr>
-              <p:spPr>
-                <a:xfrm>
-                  <a:off x="1146440" y="2222556"/>
-                  <a:ext cx="1368481" cy="523220"/>
-                </a:xfrm>
-                <a:prstGeom prst="rect">
-                  <a:avLst/>
-                </a:prstGeom>
-                <a:noFill/>
-              </p:spPr>
-              <p:txBody>
-                <a:bodyPr wrap="square" rtlCol="0">
-                  <a:spAutoFit/>
-                </a:bodyPr>
-                <a:lstStyle/>
-                <a:p>
-                  <a:pPr algn="ctr"/>
-                  <a:r>
-                    <a:rPr lang="en-US" sz="1400" dirty="0">
-                      <a:solidFill>
-                        <a:schemeClr val="tx1">
-                          <a:lumMod val="65000"/>
-                          <a:lumOff val="35000"/>
-                        </a:schemeClr>
-                      </a:solidFill>
-                    </a:rPr>
-                    <a:t>Virtual Machine Scale Set</a:t>
-                  </a:r>
-                </a:p>
-              </p:txBody>
-            </p:sp>
-            <p:pic>
-              <p:nvPicPr>
-                <p:cNvPr id="19" name="Picture 18"/>
-                <p:cNvPicPr>
-                  <a:picLocks noChangeAspect="1"/>
-                </p:cNvPicPr>
-                <p:nvPr/>
-              </p:nvPicPr>
-              <p:blipFill>
-                <a:blip r:embed="rId6">
-                  <a:extLst>
-                    <a:ext uri="{BEBA8EAE-BF5A-486C-A8C5-ECC9F3942E4B}">
-                      <a14:imgProps xmlns:a14="http://schemas.microsoft.com/office/drawing/2010/main">
-                        <a14:imgLayer r:embed="rId7">
-                          <a14:imgEffect>
-                            <a14:saturation sat="0"/>
-                          </a14:imgEffect>
-                        </a14:imgLayer>
-                      </a14:imgProps>
-                    </a:ext>
-                    <a:ext uri="{28A0092B-C50C-407E-A947-70E740481C1C}">
-                      <a14:useLocalDpi xmlns:a14="http://schemas.microsoft.com/office/drawing/2010/main" val="0"/>
-                    </a:ext>
-                  </a:extLst>
-                </a:blip>
-                <a:stretch>
-                  <a:fillRect/>
-                </a:stretch>
-              </p:blipFill>
-              <p:spPr>
-                <a:xfrm>
-                  <a:off x="2331350" y="1289920"/>
-                  <a:ext cx="366736" cy="366736"/>
-                </a:xfrm>
-                <a:prstGeom prst="rect">
-                  <a:avLst/>
-                </a:prstGeom>
-              </p:spPr>
-            </p:pic>
-            <p:sp>
-              <p:nvSpPr>
-                <p:cNvPr id="20" name="Rectangle 19"/>
-                <p:cNvSpPr/>
-                <p:nvPr/>
-              </p:nvSpPr>
-              <p:spPr>
-                <a:xfrm>
-                  <a:off x="1178825" y="1252602"/>
-                  <a:ext cx="1519261" cy="1493734"/>
-                </a:xfrm>
-                <a:prstGeom prst="rect">
-                  <a:avLst/>
-                </a:prstGeom>
-                <a:noFill/>
-                <a:ln>
-                  <a:prstDash val="dash"/>
-                </a:ln>
-              </p:spPr>
-              <p:style>
-                <a:lnRef idx="2">
-                  <a:schemeClr val="accent1">
-                    <a:shade val="50000"/>
-                  </a:schemeClr>
-                </a:lnRef>
-                <a:fillRef idx="1">
-                  <a:schemeClr val="accent1"/>
-                </a:fillRef>
-                <a:effectRef idx="0">
-                  <a:schemeClr val="accent1"/>
-                </a:effectRef>
-                <a:fontRef idx="minor">
-                  <a:schemeClr val="lt1"/>
-                </a:fontRef>
-              </p:style>
-              <p:txBody>
-                <a:bodyPr rtlCol="0" anchor="ctr"/>
-                <a:lstStyle/>
-                <a:p>
-                  <a:pPr algn="ctr"/>
-                  <a:endParaRPr lang="en-US"/>
-                </a:p>
-              </p:txBody>
-            </p:sp>
-            <p:sp>
-              <p:nvSpPr>
-                <p:cNvPr id="21" name="TextBox 20"/>
-                <p:cNvSpPr txBox="1"/>
-                <p:nvPr/>
-              </p:nvSpPr>
-              <p:spPr>
-                <a:xfrm>
-                  <a:off x="1192576" y="1203571"/>
-                  <a:ext cx="1531619" cy="307777"/>
-                </a:xfrm>
-                <a:prstGeom prst="rect">
-                  <a:avLst/>
-                </a:prstGeom>
-                <a:noFill/>
-              </p:spPr>
-              <p:txBody>
-                <a:bodyPr wrap="square" rtlCol="0">
-                  <a:spAutoFit/>
-                </a:bodyPr>
-                <a:lstStyle/>
-                <a:p>
-                  <a:r>
-                    <a:rPr lang="en-US" sz="1400" dirty="0">
-                      <a:solidFill>
-                        <a:schemeClr val="tx1">
-                          <a:lumMod val="65000"/>
-                          <a:lumOff val="35000"/>
-                        </a:schemeClr>
-                      </a:solidFill>
-                    </a:rPr>
-                    <a:t>Web Subnet</a:t>
-                  </a:r>
-                </a:p>
-              </p:txBody>
-            </p:sp>
-            <p:sp>
-              <p:nvSpPr>
-                <p:cNvPr id="23" name="TextBox 22"/>
-                <p:cNvSpPr txBox="1"/>
-                <p:nvPr/>
-              </p:nvSpPr>
-              <p:spPr>
-                <a:xfrm>
-                  <a:off x="2266523" y="1609161"/>
-                  <a:ext cx="496390" cy="307777"/>
-                </a:xfrm>
-                <a:prstGeom prst="rect">
-                  <a:avLst/>
-                </a:prstGeom>
-                <a:noFill/>
-              </p:spPr>
-              <p:txBody>
-                <a:bodyPr wrap="square" rtlCol="0">
-                  <a:spAutoFit/>
-                </a:bodyPr>
-                <a:lstStyle/>
-                <a:p>
-                  <a:pPr algn="ctr"/>
-                  <a:r>
-                    <a:rPr lang="en-US" sz="1400" dirty="0">
-                      <a:solidFill>
-                        <a:schemeClr val="tx1">
-                          <a:lumMod val="65000"/>
-                          <a:lumOff val="35000"/>
-                        </a:schemeClr>
-                      </a:solidFill>
-                    </a:rPr>
-                    <a:t>NSG</a:t>
-                  </a:r>
-                </a:p>
-              </p:txBody>
-            </p:sp>
-          </p:grpSp>
-          <p:grpSp>
-            <p:nvGrpSpPr>
-              <p:cNvPr id="37" name="Group 36"/>
-              <p:cNvGrpSpPr/>
-              <p:nvPr/>
-            </p:nvGrpSpPr>
-            <p:grpSpPr>
-              <a:xfrm>
-                <a:off x="9342101" y="1814349"/>
-                <a:ext cx="2676852" cy="1519108"/>
-                <a:chOff x="4073031" y="1203571"/>
-                <a:chExt cx="2676852" cy="1519108"/>
-              </a:xfrm>
-            </p:grpSpPr>
-            <p:pic>
-              <p:nvPicPr>
-                <p:cNvPr id="25" name="Picture 24"/>
-                <p:cNvPicPr>
-                  <a:picLocks noChangeAspect="1"/>
-                </p:cNvPicPr>
-                <p:nvPr/>
-              </p:nvPicPr>
-              <p:blipFill>
-                <a:blip r:embed="rId5">
-                  <a:extLst>
-                    <a:ext uri="{28A0092B-C50C-407E-A947-70E740481C1C}">
-                      <a14:useLocalDpi xmlns:a14="http://schemas.microsoft.com/office/drawing/2010/main" val="0"/>
-                    </a:ext>
-                  </a:extLst>
-                </a:blip>
-                <a:stretch>
-                  <a:fillRect/>
-                </a:stretch>
-              </p:blipFill>
-              <p:spPr>
-                <a:xfrm>
-                  <a:off x="5586911" y="1691924"/>
-                  <a:ext cx="569612" cy="569612"/>
-                </a:xfrm>
-                <a:prstGeom prst="rect">
-                  <a:avLst/>
-                </a:prstGeom>
-              </p:spPr>
-            </p:pic>
-            <p:sp>
-              <p:nvSpPr>
-                <p:cNvPr id="26" name="TextBox 25"/>
-                <p:cNvSpPr txBox="1"/>
-                <p:nvPr/>
-              </p:nvSpPr>
-              <p:spPr>
-                <a:xfrm>
-                  <a:off x="5232213" y="2199459"/>
-                  <a:ext cx="1368481" cy="523220"/>
-                </a:xfrm>
-                <a:prstGeom prst="rect">
-                  <a:avLst/>
-                </a:prstGeom>
-                <a:noFill/>
-              </p:spPr>
-              <p:txBody>
-                <a:bodyPr wrap="square" rtlCol="0">
-                  <a:spAutoFit/>
-                </a:bodyPr>
-                <a:lstStyle/>
-                <a:p>
-                  <a:pPr algn="ctr"/>
-                  <a:r>
-                    <a:rPr lang="en-US" sz="1400" dirty="0">
-                      <a:solidFill>
-                        <a:schemeClr val="tx1">
-                          <a:lumMod val="65000"/>
-                          <a:lumOff val="35000"/>
-                        </a:schemeClr>
-                      </a:solidFill>
-                    </a:rPr>
-                    <a:t>Virtual Machine Scale Set</a:t>
-                  </a:r>
-                </a:p>
-              </p:txBody>
-            </p:sp>
-            <p:pic>
-              <p:nvPicPr>
-                <p:cNvPr id="27" name="Picture 26"/>
-                <p:cNvPicPr>
-                  <a:picLocks noChangeAspect="1"/>
-                </p:cNvPicPr>
-                <p:nvPr/>
-              </p:nvPicPr>
-              <p:blipFill>
-                <a:blip r:embed="rId6">
-                  <a:extLst>
-                    <a:ext uri="{BEBA8EAE-BF5A-486C-A8C5-ECC9F3942E4B}">
-                      <a14:imgProps xmlns:a14="http://schemas.microsoft.com/office/drawing/2010/main">
-                        <a14:imgLayer r:embed="rId7">
-                          <a14:imgEffect>
-                            <a14:saturation sat="0"/>
-                          </a14:imgEffect>
-                        </a14:imgLayer>
-                      </a14:imgProps>
-                    </a:ext>
-                    <a:ext uri="{28A0092B-C50C-407E-A947-70E740481C1C}">
-                      <a14:useLocalDpi xmlns:a14="http://schemas.microsoft.com/office/drawing/2010/main" val="0"/>
-                    </a:ext>
-                  </a:extLst>
-                </a:blip>
-                <a:stretch>
-                  <a:fillRect/>
-                </a:stretch>
-              </p:blipFill>
-              <p:spPr>
-                <a:xfrm>
-                  <a:off x="6318320" y="1278890"/>
-                  <a:ext cx="366736" cy="366736"/>
-                </a:xfrm>
-                <a:prstGeom prst="rect">
-                  <a:avLst/>
-                </a:prstGeom>
-              </p:spPr>
-            </p:pic>
-            <p:sp>
-              <p:nvSpPr>
-                <p:cNvPr id="28" name="Rectangle 27"/>
-                <p:cNvSpPr/>
-                <p:nvPr/>
-              </p:nvSpPr>
-              <p:spPr>
-                <a:xfrm>
-                  <a:off x="4176265" y="1228945"/>
-                  <a:ext cx="2507145" cy="1493734"/>
-                </a:xfrm>
-                <a:prstGeom prst="rect">
-                  <a:avLst/>
-                </a:prstGeom>
-                <a:noFill/>
-                <a:ln>
-                  <a:prstDash val="dash"/>
-                </a:ln>
-              </p:spPr>
-              <p:style>
-                <a:lnRef idx="2">
-                  <a:schemeClr val="accent1">
-                    <a:shade val="50000"/>
-                  </a:schemeClr>
-                </a:lnRef>
-                <a:fillRef idx="1">
-                  <a:schemeClr val="accent1"/>
-                </a:fillRef>
-                <a:effectRef idx="0">
-                  <a:schemeClr val="accent1"/>
-                </a:effectRef>
-                <a:fontRef idx="minor">
-                  <a:schemeClr val="lt1"/>
-                </a:fontRef>
-              </p:style>
-              <p:txBody>
-                <a:bodyPr rtlCol="0" anchor="ctr"/>
-                <a:lstStyle/>
-                <a:p>
-                  <a:pPr algn="ctr"/>
-                  <a:endParaRPr lang="en-US"/>
-                </a:p>
-              </p:txBody>
-            </p:sp>
-            <p:sp>
-              <p:nvSpPr>
-                <p:cNvPr id="29" name="TextBox 28"/>
-                <p:cNvSpPr txBox="1"/>
-                <p:nvPr/>
-              </p:nvSpPr>
-              <p:spPr>
-                <a:xfrm>
-                  <a:off x="4190016" y="1203571"/>
-                  <a:ext cx="1531619" cy="307777"/>
-                </a:xfrm>
-                <a:prstGeom prst="rect">
-                  <a:avLst/>
-                </a:prstGeom>
-                <a:noFill/>
-              </p:spPr>
-              <p:txBody>
-                <a:bodyPr wrap="square" rtlCol="0">
-                  <a:spAutoFit/>
-                </a:bodyPr>
-                <a:lstStyle/>
-                <a:p>
-                  <a:r>
-                    <a:rPr lang="en-US" sz="1400" dirty="0">
-                      <a:solidFill>
-                        <a:schemeClr val="tx1">
-                          <a:lumMod val="65000"/>
-                          <a:lumOff val="35000"/>
-                        </a:schemeClr>
-                      </a:solidFill>
-                    </a:rPr>
-                    <a:t>Biz Subnet</a:t>
-                  </a:r>
-                </a:p>
-              </p:txBody>
-            </p:sp>
-            <p:sp>
-              <p:nvSpPr>
-                <p:cNvPr id="30" name="TextBox 29"/>
-                <p:cNvSpPr txBox="1"/>
-                <p:nvPr/>
-              </p:nvSpPr>
-              <p:spPr>
-                <a:xfrm>
-                  <a:off x="6253493" y="1598131"/>
-                  <a:ext cx="496390" cy="307777"/>
-                </a:xfrm>
-                <a:prstGeom prst="rect">
-                  <a:avLst/>
-                </a:prstGeom>
-                <a:noFill/>
-              </p:spPr>
-              <p:txBody>
-                <a:bodyPr wrap="square" rtlCol="0">
-                  <a:spAutoFit/>
-                </a:bodyPr>
-                <a:lstStyle/>
-                <a:p>
-                  <a:pPr algn="ctr"/>
-                  <a:r>
-                    <a:rPr lang="en-US" sz="1400" dirty="0">
-                      <a:solidFill>
-                        <a:schemeClr val="tx1">
-                          <a:lumMod val="65000"/>
-                          <a:lumOff val="35000"/>
-                        </a:schemeClr>
-                      </a:solidFill>
-                    </a:rPr>
-                    <a:t>NSG</a:t>
-                  </a:r>
-                </a:p>
-              </p:txBody>
-            </p:sp>
-            <p:pic>
-              <p:nvPicPr>
-                <p:cNvPr id="31" name="Picture 30"/>
-                <p:cNvPicPr>
-                  <a:picLocks noChangeAspect="1"/>
-                </p:cNvPicPr>
-                <p:nvPr/>
-              </p:nvPicPr>
-              <p:blipFill>
-                <a:blip r:embed="rId8">
-                  <a:extLst>
-                    <a:ext uri="{28A0092B-C50C-407E-A947-70E740481C1C}">
-                      <a14:useLocalDpi xmlns:a14="http://schemas.microsoft.com/office/drawing/2010/main" val="0"/>
-                    </a:ext>
-                  </a:extLst>
-                </a:blip>
-                <a:stretch>
-                  <a:fillRect/>
-                </a:stretch>
-              </p:blipFill>
-              <p:spPr>
-                <a:xfrm>
-                  <a:off x="4419434" y="1691924"/>
-                  <a:ext cx="565900" cy="565900"/>
-                </a:xfrm>
-                <a:prstGeom prst="rect">
-                  <a:avLst/>
-                </a:prstGeom>
-              </p:spPr>
-            </p:pic>
-            <p:sp>
-              <p:nvSpPr>
-                <p:cNvPr id="32" name="TextBox 31"/>
-                <p:cNvSpPr txBox="1"/>
-                <p:nvPr/>
-              </p:nvSpPr>
-              <p:spPr>
-                <a:xfrm>
-                  <a:off x="4073031" y="2199459"/>
-                  <a:ext cx="1279006" cy="523220"/>
-                </a:xfrm>
-                <a:prstGeom prst="rect">
-                  <a:avLst/>
-                </a:prstGeom>
-                <a:noFill/>
-              </p:spPr>
-              <p:txBody>
-                <a:bodyPr wrap="square" rtlCol="0">
-                  <a:spAutoFit/>
-                </a:bodyPr>
-                <a:lstStyle/>
-                <a:p>
-                  <a:pPr algn="ctr"/>
-                  <a:r>
-                    <a:rPr lang="en-US" sz="1400" dirty="0">
-                      <a:solidFill>
-                        <a:schemeClr val="tx1">
-                          <a:lumMod val="65000"/>
-                          <a:lumOff val="35000"/>
-                        </a:schemeClr>
-                      </a:solidFill>
-                    </a:rPr>
-                    <a:t>Internal Load Balancer</a:t>
-                  </a:r>
-                </a:p>
-              </p:txBody>
-            </p:sp>
-          </p:grpSp>
-          <p:grpSp>
-            <p:nvGrpSpPr>
-              <p:cNvPr id="62" name="Group 61"/>
-              <p:cNvGrpSpPr/>
-              <p:nvPr/>
-            </p:nvGrpSpPr>
-            <p:grpSpPr>
-              <a:xfrm>
-                <a:off x="6848179" y="2302702"/>
-                <a:ext cx="1039249" cy="1030755"/>
-                <a:chOff x="3976888" y="4348907"/>
-                <a:chExt cx="1039249" cy="1030755"/>
-              </a:xfrm>
-            </p:grpSpPr>
-            <p:pic>
-              <p:nvPicPr>
-                <p:cNvPr id="60" name="Picture 59"/>
-                <p:cNvPicPr>
-                  <a:picLocks noChangeAspect="1"/>
-                </p:cNvPicPr>
-                <p:nvPr/>
-              </p:nvPicPr>
-              <p:blipFill>
-                <a:blip r:embed="rId8">
-                  <a:extLst>
-                    <a:ext uri="{28A0092B-C50C-407E-A947-70E740481C1C}">
-                      <a14:useLocalDpi xmlns:a14="http://schemas.microsoft.com/office/drawing/2010/main" val="0"/>
-                    </a:ext>
-                  </a:extLst>
-                </a:blip>
-                <a:stretch>
-                  <a:fillRect/>
-                </a:stretch>
-              </p:blipFill>
-              <p:spPr>
-                <a:xfrm>
-                  <a:off x="4213563" y="4348907"/>
-                  <a:ext cx="565900" cy="565900"/>
-                </a:xfrm>
-                <a:prstGeom prst="rect">
-                  <a:avLst/>
-                </a:prstGeom>
-              </p:spPr>
-            </p:pic>
-            <p:sp>
-              <p:nvSpPr>
-                <p:cNvPr id="61" name="TextBox 60"/>
-                <p:cNvSpPr txBox="1"/>
-                <p:nvPr/>
-              </p:nvSpPr>
-              <p:spPr>
-                <a:xfrm>
-                  <a:off x="3976888" y="4856442"/>
-                  <a:ext cx="1039249" cy="523220"/>
-                </a:xfrm>
-                <a:prstGeom prst="rect">
-                  <a:avLst/>
-                </a:prstGeom>
-                <a:noFill/>
-              </p:spPr>
-              <p:txBody>
-                <a:bodyPr wrap="square" rtlCol="0">
-                  <a:spAutoFit/>
-                </a:bodyPr>
-                <a:lstStyle/>
-                <a:p>
-                  <a:pPr algn="ctr"/>
-                  <a:r>
-                    <a:rPr lang="en-US" sz="1400" dirty="0">
-                      <a:solidFill>
-                        <a:schemeClr val="tx1">
-                          <a:lumMod val="65000"/>
-                          <a:lumOff val="35000"/>
-                        </a:schemeClr>
-                      </a:solidFill>
-                    </a:rPr>
-                    <a:t>Public Load Balancer</a:t>
-                  </a:r>
-                </a:p>
-              </p:txBody>
-            </p:sp>
-          </p:grpSp>
-          <p:grpSp>
-            <p:nvGrpSpPr>
-              <p:cNvPr id="93" name="Group 92"/>
-              <p:cNvGrpSpPr/>
-              <p:nvPr/>
-            </p:nvGrpSpPr>
-            <p:grpSpPr>
-              <a:xfrm>
-                <a:off x="7830618" y="3350063"/>
-                <a:ext cx="1616473" cy="1326762"/>
-                <a:chOff x="4150783" y="2977678"/>
-                <a:chExt cx="1616473" cy="1326762"/>
-              </a:xfrm>
-            </p:grpSpPr>
-            <p:pic>
-              <p:nvPicPr>
-                <p:cNvPr id="64" name="Picture 63"/>
-                <p:cNvPicPr>
-                  <a:picLocks noChangeAspect="1"/>
-                </p:cNvPicPr>
-                <p:nvPr/>
-              </p:nvPicPr>
-              <p:blipFill>
-                <a:blip r:embed="rId9">
-                  <a:extLst>
-                    <a:ext uri="{28A0092B-C50C-407E-A947-70E740481C1C}">
-                      <a14:useLocalDpi xmlns:a14="http://schemas.microsoft.com/office/drawing/2010/main" val="0"/>
-                    </a:ext>
-                  </a:extLst>
-                </a:blip>
-                <a:stretch>
-                  <a:fillRect/>
-                </a:stretch>
-              </p:blipFill>
-              <p:spPr>
-                <a:xfrm>
-                  <a:off x="4548977" y="3496535"/>
-                  <a:ext cx="569612" cy="569612"/>
-                </a:xfrm>
-                <a:prstGeom prst="rect">
-                  <a:avLst/>
-                </a:prstGeom>
-              </p:spPr>
-            </p:pic>
-            <p:sp>
-              <p:nvSpPr>
-                <p:cNvPr id="88" name="TextBox 87"/>
-                <p:cNvSpPr txBox="1"/>
-                <p:nvPr/>
-              </p:nvSpPr>
-              <p:spPr>
-                <a:xfrm>
-                  <a:off x="4150783" y="3996663"/>
-                  <a:ext cx="1368481" cy="307777"/>
-                </a:xfrm>
-                <a:prstGeom prst="rect">
-                  <a:avLst/>
-                </a:prstGeom>
-                <a:noFill/>
-              </p:spPr>
-              <p:txBody>
-                <a:bodyPr wrap="square" rtlCol="0">
-                  <a:spAutoFit/>
-                </a:bodyPr>
-                <a:lstStyle/>
-                <a:p>
-                  <a:pPr algn="ctr"/>
-                  <a:r>
-                    <a:rPr lang="en-US" sz="1400" dirty="0" err="1">
-                      <a:solidFill>
-                        <a:schemeClr val="tx1">
-                          <a:lumMod val="65000"/>
-                          <a:lumOff val="35000"/>
-                        </a:schemeClr>
-                      </a:solidFill>
-                    </a:rPr>
-                    <a:t>Jumpbox</a:t>
-                  </a:r>
-                  <a:endParaRPr lang="en-US" sz="1400" dirty="0">
+              <a:prstGeom prst="rect">
+                <a:avLst/>
+              </a:prstGeom>
+              <a:noFill/>
+            </p:spPr>
+            <p:txBody>
+              <a:bodyPr wrap="square" rtlCol="0">
+                <a:spAutoFit/>
+              </a:bodyPr>
+              <a:lstStyle/>
+              <a:p>
+                <a:pPr algn="ctr"/>
+                <a:r>
+                  <a:rPr lang="en-US" sz="1400" dirty="0">
                     <a:solidFill>
                       <a:schemeClr val="tx1">
                         <a:lumMod val="65000"/>
                         <a:lumOff val="35000"/>
                       </a:schemeClr>
                     </a:solidFill>
-                  </a:endParaRPr>
-                </a:p>
-              </p:txBody>
-            </p:sp>
-            <p:pic>
-              <p:nvPicPr>
-                <p:cNvPr id="89" name="Picture 88"/>
-                <p:cNvPicPr>
-                  <a:picLocks noChangeAspect="1"/>
-                </p:cNvPicPr>
-                <p:nvPr/>
-              </p:nvPicPr>
-              <p:blipFill>
-                <a:blip r:embed="rId6">
-                  <a:extLst>
-                    <a:ext uri="{BEBA8EAE-BF5A-486C-A8C5-ECC9F3942E4B}">
-                      <a14:imgProps xmlns:a14="http://schemas.microsoft.com/office/drawing/2010/main">
-                        <a14:imgLayer r:embed="rId7">
-                          <a14:imgEffect>
-                            <a14:saturation sat="0"/>
-                          </a14:imgEffect>
-                        </a14:imgLayer>
-                      </a14:imgProps>
-                    </a:ext>
-                    <a:ext uri="{28A0092B-C50C-407E-A947-70E740481C1C}">
-                      <a14:useLocalDpi xmlns:a14="http://schemas.microsoft.com/office/drawing/2010/main" val="0"/>
-                    </a:ext>
-                  </a:extLst>
-                </a:blip>
-                <a:stretch>
-                  <a:fillRect/>
-                </a:stretch>
-              </p:blipFill>
-              <p:spPr>
-                <a:xfrm>
-                  <a:off x="5335693" y="3064027"/>
-                  <a:ext cx="366736" cy="366736"/>
-                </a:xfrm>
-                <a:prstGeom prst="rect">
-                  <a:avLst/>
-                </a:prstGeom>
-              </p:spPr>
-            </p:pic>
-            <p:sp>
-              <p:nvSpPr>
-                <p:cNvPr id="90" name="Rectangle 89"/>
-                <p:cNvSpPr/>
-                <p:nvPr/>
-              </p:nvSpPr>
-              <p:spPr>
-                <a:xfrm>
-                  <a:off x="4183168" y="3026709"/>
-                  <a:ext cx="1519261" cy="1277731"/>
-                </a:xfrm>
-                <a:prstGeom prst="rect">
-                  <a:avLst/>
-                </a:prstGeom>
-                <a:noFill/>
-                <a:ln>
-                  <a:prstDash val="dash"/>
-                </a:ln>
-              </p:spPr>
-              <p:style>
-                <a:lnRef idx="2">
-                  <a:schemeClr val="accent1">
-                    <a:shade val="50000"/>
-                  </a:schemeClr>
-                </a:lnRef>
-                <a:fillRef idx="1">
-                  <a:schemeClr val="accent1"/>
-                </a:fillRef>
-                <a:effectRef idx="0">
-                  <a:schemeClr val="accent1"/>
-                </a:effectRef>
-                <a:fontRef idx="minor">
-                  <a:schemeClr val="lt1"/>
-                </a:fontRef>
-              </p:style>
-              <p:txBody>
-                <a:bodyPr rtlCol="0" anchor="ctr"/>
-                <a:lstStyle/>
-                <a:p>
-                  <a:pPr algn="ctr"/>
-                  <a:endParaRPr lang="en-US"/>
-                </a:p>
-              </p:txBody>
-            </p:sp>
-            <p:sp>
-              <p:nvSpPr>
-                <p:cNvPr id="91" name="TextBox 90"/>
-                <p:cNvSpPr txBox="1"/>
-                <p:nvPr/>
-              </p:nvSpPr>
-              <p:spPr>
-                <a:xfrm>
-                  <a:off x="4196919" y="2977678"/>
-                  <a:ext cx="1531619" cy="307777"/>
-                </a:xfrm>
-                <a:prstGeom prst="rect">
-                  <a:avLst/>
-                </a:prstGeom>
-                <a:noFill/>
-              </p:spPr>
-              <p:txBody>
-                <a:bodyPr wrap="square" rtlCol="0">
-                  <a:spAutoFit/>
-                </a:bodyPr>
-                <a:lstStyle/>
-                <a:p>
-                  <a:r>
-                    <a:rPr lang="en-US" sz="1400" dirty="0" err="1">
-                      <a:solidFill>
-                        <a:schemeClr val="tx1">
-                          <a:lumMod val="65000"/>
-                          <a:lumOff val="35000"/>
-                        </a:schemeClr>
-                      </a:solidFill>
-                    </a:rPr>
-                    <a:t>Mgmt</a:t>
-                  </a:r>
-                  <a:r>
-                    <a:rPr lang="en-US" sz="1400" dirty="0">
-                      <a:solidFill>
-                        <a:schemeClr val="tx1">
-                          <a:lumMod val="65000"/>
-                          <a:lumOff val="35000"/>
-                        </a:schemeClr>
-                      </a:solidFill>
-                    </a:rPr>
-                    <a:t> Subnet</a:t>
-                  </a:r>
-                </a:p>
-              </p:txBody>
-            </p:sp>
-            <p:sp>
-              <p:nvSpPr>
-                <p:cNvPr id="92" name="TextBox 91"/>
-                <p:cNvSpPr txBox="1"/>
-                <p:nvPr/>
-              </p:nvSpPr>
-              <p:spPr>
-                <a:xfrm>
-                  <a:off x="5270866" y="3383268"/>
-                  <a:ext cx="496390" cy="307777"/>
-                </a:xfrm>
-                <a:prstGeom prst="rect">
-                  <a:avLst/>
-                </a:prstGeom>
-                <a:noFill/>
-              </p:spPr>
-              <p:txBody>
-                <a:bodyPr wrap="square" rtlCol="0">
-                  <a:spAutoFit/>
-                </a:bodyPr>
-                <a:lstStyle/>
-                <a:p>
-                  <a:pPr algn="ctr"/>
-                  <a:r>
-                    <a:rPr lang="en-US" sz="1400" dirty="0">
-                      <a:solidFill>
-                        <a:schemeClr val="tx1">
-                          <a:lumMod val="65000"/>
-                          <a:lumOff val="35000"/>
-                        </a:schemeClr>
-                      </a:solidFill>
-                    </a:rPr>
-                    <a:t>NSG</a:t>
-                  </a:r>
-                </a:p>
-              </p:txBody>
-            </p:sp>
-          </p:grpSp>
-          <p:cxnSp>
-            <p:nvCxnSpPr>
-              <p:cNvPr id="180" name="Straight Arrow Connector 179"/>
-              <p:cNvCxnSpPr>
-                <a:cxnSpLocks/>
-                <a:stCxn id="60" idx="3"/>
-                <a:endCxn id="16" idx="1"/>
-              </p:cNvCxnSpPr>
+                  </a:rPr>
+                  <a:t>NSG</a:t>
+                </a:r>
+              </a:p>
+            </p:txBody>
+          </p:sp>
+          <p:pic>
+            <p:nvPicPr>
+              <p:cNvPr id="31" name="Picture 30"/>
+              <p:cNvPicPr>
+                <a:picLocks noChangeAspect="1"/>
+              </p:cNvPicPr>
               <p:nvPr/>
-            </p:nvCxnSpPr>
+            </p:nvPicPr>
+            <p:blipFill>
+              <a:blip r:embed="rId8">
+                <a:extLst>
+                  <a:ext uri="{28A0092B-C50C-407E-A947-70E740481C1C}">
+                    <a14:useLocalDpi xmlns:a14="http://schemas.microsoft.com/office/drawing/2010/main" val="0"/>
+                  </a:ext>
+                </a:extLst>
+              </a:blip>
+              <a:stretch>
+                <a:fillRect/>
+              </a:stretch>
+            </p:blipFill>
             <p:spPr>
               <a:xfrm>
-                <a:off x="7650754" y="2585652"/>
-                <a:ext cx="534562" cy="1000"/>
+                <a:off x="4419434" y="1691924"/>
+                <a:ext cx="565900" cy="565900"/>
               </a:xfrm>
-              <a:prstGeom prst="straightConnector1">
+              <a:prstGeom prst="rect">
                 <a:avLst/>
               </a:prstGeom>
-              <a:ln w="15875">
-                <a:headEnd type="triangle"/>
-                <a:tailEnd type="triangle"/>
+            </p:spPr>
+          </p:pic>
+          <p:sp>
+            <p:nvSpPr>
+              <p:cNvPr id="32" name="TextBox 31"/>
+              <p:cNvSpPr txBox="1"/>
+              <p:nvPr/>
+            </p:nvSpPr>
+            <p:spPr>
+              <a:xfrm>
+                <a:off x="4073031" y="2199459"/>
+                <a:ext cx="1279006" cy="523220"/>
+              </a:xfrm>
+              <a:prstGeom prst="rect">
+                <a:avLst/>
+              </a:prstGeom>
+              <a:noFill/>
+            </p:spPr>
+            <p:txBody>
+              <a:bodyPr wrap="square" rtlCol="0">
+                <a:spAutoFit/>
+              </a:bodyPr>
+              <a:lstStyle/>
+              <a:p>
+                <a:pPr algn="ctr"/>
+                <a:r>
+                  <a:rPr lang="en-US" sz="1400" dirty="0">
+                    <a:solidFill>
+                      <a:schemeClr val="tx1">
+                        <a:lumMod val="65000"/>
+                        <a:lumOff val="35000"/>
+                      </a:schemeClr>
+                    </a:solidFill>
+                  </a:rPr>
+                  <a:t>Internal Load Balancer</a:t>
+                </a:r>
+              </a:p>
+            </p:txBody>
+          </p:sp>
+        </p:grpSp>
+        <p:grpSp>
+          <p:nvGrpSpPr>
+            <p:cNvPr id="62" name="Group 61"/>
+            <p:cNvGrpSpPr/>
+            <p:nvPr/>
+          </p:nvGrpSpPr>
+          <p:grpSpPr>
+            <a:xfrm>
+              <a:off x="6720355" y="2302702"/>
+              <a:ext cx="1039249" cy="1030755"/>
+              <a:chOff x="3976888" y="4348907"/>
+              <a:chExt cx="1039249" cy="1030755"/>
+            </a:xfrm>
+          </p:grpSpPr>
+          <p:pic>
+            <p:nvPicPr>
+              <p:cNvPr id="60" name="Picture 59"/>
+              <p:cNvPicPr>
+                <a:picLocks noChangeAspect="1"/>
+              </p:cNvPicPr>
+              <p:nvPr/>
+            </p:nvPicPr>
+            <p:blipFill>
+              <a:blip r:embed="rId8">
+                <a:extLst>
+                  <a:ext uri="{28A0092B-C50C-407E-A947-70E740481C1C}">
+                    <a14:useLocalDpi xmlns:a14="http://schemas.microsoft.com/office/drawing/2010/main" val="0"/>
+                  </a:ext>
+                </a:extLst>
+              </a:blip>
+              <a:stretch>
+                <a:fillRect/>
+              </a:stretch>
+            </p:blipFill>
+            <p:spPr>
+              <a:xfrm>
+                <a:off x="4213563" y="4348907"/>
+                <a:ext cx="565900" cy="565900"/>
+              </a:xfrm>
+              <a:prstGeom prst="rect">
+                <a:avLst/>
+              </a:prstGeom>
+            </p:spPr>
+          </p:pic>
+          <p:sp>
+            <p:nvSpPr>
+              <p:cNvPr id="61" name="TextBox 60"/>
+              <p:cNvSpPr txBox="1"/>
+              <p:nvPr/>
+            </p:nvSpPr>
+            <p:spPr>
+              <a:xfrm>
+                <a:off x="3976888" y="4856442"/>
+                <a:ext cx="1039249" cy="523220"/>
+              </a:xfrm>
+              <a:prstGeom prst="rect">
+                <a:avLst/>
+              </a:prstGeom>
+              <a:noFill/>
+            </p:spPr>
+            <p:txBody>
+              <a:bodyPr wrap="square" rtlCol="0">
+                <a:spAutoFit/>
+              </a:bodyPr>
+              <a:lstStyle/>
+              <a:p>
+                <a:pPr algn="ctr"/>
+                <a:r>
+                  <a:rPr lang="en-US" sz="1400" dirty="0">
+                    <a:solidFill>
+                      <a:schemeClr val="tx1">
+                        <a:lumMod val="65000"/>
+                        <a:lumOff val="35000"/>
+                      </a:schemeClr>
+                    </a:solidFill>
+                  </a:rPr>
+                  <a:t>Public Load Balancer</a:t>
+                </a:r>
+              </a:p>
+            </p:txBody>
+          </p:sp>
+        </p:grpSp>
+        <p:grpSp>
+          <p:nvGrpSpPr>
+            <p:cNvPr id="93" name="Group 92"/>
+            <p:cNvGrpSpPr/>
+            <p:nvPr/>
+          </p:nvGrpSpPr>
+          <p:grpSpPr>
+            <a:xfrm>
+              <a:off x="7781522" y="3350063"/>
+              <a:ext cx="1616473" cy="1326762"/>
+              <a:chOff x="4150783" y="2977678"/>
+              <a:chExt cx="1616473" cy="1326762"/>
+            </a:xfrm>
+          </p:grpSpPr>
+          <p:pic>
+            <p:nvPicPr>
+              <p:cNvPr id="64" name="Picture 63"/>
+              <p:cNvPicPr>
+                <a:picLocks noChangeAspect="1"/>
+              </p:cNvPicPr>
+              <p:nvPr/>
+            </p:nvPicPr>
+            <p:blipFill>
+              <a:blip r:embed="rId9">
+                <a:extLst>
+                  <a:ext uri="{28A0092B-C50C-407E-A947-70E740481C1C}">
+                    <a14:useLocalDpi xmlns:a14="http://schemas.microsoft.com/office/drawing/2010/main" val="0"/>
+                  </a:ext>
+                </a:extLst>
+              </a:blip>
+              <a:stretch>
+                <a:fillRect/>
+              </a:stretch>
+            </p:blipFill>
+            <p:spPr>
+              <a:xfrm>
+                <a:off x="4548977" y="3496535"/>
+                <a:ext cx="569612" cy="569612"/>
+              </a:xfrm>
+              <a:prstGeom prst="rect">
+                <a:avLst/>
+              </a:prstGeom>
+            </p:spPr>
+          </p:pic>
+          <p:sp>
+            <p:nvSpPr>
+              <p:cNvPr id="88" name="TextBox 87"/>
+              <p:cNvSpPr txBox="1"/>
+              <p:nvPr/>
+            </p:nvSpPr>
+            <p:spPr>
+              <a:xfrm>
+                <a:off x="4150783" y="3996663"/>
+                <a:ext cx="1368481" cy="307777"/>
+              </a:xfrm>
+              <a:prstGeom prst="rect">
+                <a:avLst/>
+              </a:prstGeom>
+              <a:noFill/>
+            </p:spPr>
+            <p:txBody>
+              <a:bodyPr wrap="square" rtlCol="0">
+                <a:spAutoFit/>
+              </a:bodyPr>
+              <a:lstStyle/>
+              <a:p>
+                <a:pPr algn="ctr"/>
+                <a:r>
+                  <a:rPr lang="en-US" sz="1400" dirty="0" err="1">
+                    <a:solidFill>
+                      <a:schemeClr val="tx1">
+                        <a:lumMod val="65000"/>
+                        <a:lumOff val="35000"/>
+                      </a:schemeClr>
+                    </a:solidFill>
+                  </a:rPr>
+                  <a:t>Jumpbox</a:t>
+                </a:r>
+                <a:endParaRPr lang="en-US" sz="1400" dirty="0">
+                  <a:solidFill>
+                    <a:schemeClr val="tx1">
+                      <a:lumMod val="65000"/>
+                      <a:lumOff val="35000"/>
+                    </a:schemeClr>
+                  </a:solidFill>
+                </a:endParaRPr>
+              </a:p>
+            </p:txBody>
+          </p:sp>
+          <p:pic>
+            <p:nvPicPr>
+              <p:cNvPr id="89" name="Picture 88"/>
+              <p:cNvPicPr>
+                <a:picLocks noChangeAspect="1"/>
+              </p:cNvPicPr>
+              <p:nvPr/>
+            </p:nvPicPr>
+            <p:blipFill>
+              <a:blip r:embed="rId6">
+                <a:extLst>
+                  <a:ext uri="{BEBA8EAE-BF5A-486C-A8C5-ECC9F3942E4B}">
+                    <a14:imgProps xmlns:a14="http://schemas.microsoft.com/office/drawing/2010/main">
+                      <a14:imgLayer r:embed="rId7">
+                        <a14:imgEffect>
+                          <a14:saturation sat="0"/>
+                        </a14:imgEffect>
+                      </a14:imgLayer>
+                    </a14:imgProps>
+                  </a:ext>
+                  <a:ext uri="{28A0092B-C50C-407E-A947-70E740481C1C}">
+                    <a14:useLocalDpi xmlns:a14="http://schemas.microsoft.com/office/drawing/2010/main" val="0"/>
+                  </a:ext>
+                </a:extLst>
+              </a:blip>
+              <a:stretch>
+                <a:fillRect/>
+              </a:stretch>
+            </p:blipFill>
+            <p:spPr>
+              <a:xfrm>
+                <a:off x="5335693" y="3064027"/>
+                <a:ext cx="366736" cy="366736"/>
+              </a:xfrm>
+              <a:prstGeom prst="rect">
+                <a:avLst/>
+              </a:prstGeom>
+            </p:spPr>
+          </p:pic>
+          <p:sp>
+            <p:nvSpPr>
+              <p:cNvPr id="90" name="Rectangle 89"/>
+              <p:cNvSpPr/>
+              <p:nvPr/>
+            </p:nvSpPr>
+            <p:spPr>
+              <a:xfrm>
+                <a:off x="4183168" y="3026709"/>
+                <a:ext cx="1519261" cy="1277731"/>
+              </a:xfrm>
+              <a:prstGeom prst="rect">
+                <a:avLst/>
+              </a:prstGeom>
+              <a:noFill/>
+              <a:ln>
+                <a:prstDash val="dash"/>
               </a:ln>
             </p:spPr>
             <p:style>
-              <a:lnRef idx="1">
-                <a:schemeClr val="accent1"/>
+              <a:lnRef idx="2">
+                <a:schemeClr val="accent1">
+                  <a:shade val="50000"/>
+                </a:schemeClr>
               </a:lnRef>
-              <a:fillRef idx="0">
+              <a:fillRef idx="1">
                 <a:schemeClr val="accent1"/>
               </a:fillRef>
               <a:effectRef idx="0">
                 <a:schemeClr val="accent1"/>
               </a:effectRef>
               <a:fontRef idx="minor">
-                <a:schemeClr val="tx1"/>
+                <a:schemeClr val="lt1"/>
               </a:fontRef>
             </p:style>
-          </p:cxnSp>
-          <p:cxnSp>
-            <p:nvCxnSpPr>
-              <p:cNvPr id="183" name="Straight Arrow Connector 182"/>
-              <p:cNvCxnSpPr>
-                <a:cxnSpLocks/>
-                <a:stCxn id="16" idx="3"/>
-                <a:endCxn id="31" idx="1"/>
-              </p:cNvCxnSpPr>
+            <p:txBody>
+              <a:bodyPr rtlCol="0" anchor="ctr"/>
+              <a:lstStyle/>
+              <a:p>
+                <a:pPr algn="ctr"/>
+                <a:endParaRPr lang="en-US"/>
+              </a:p>
+            </p:txBody>
+          </p:sp>
+          <p:sp>
+            <p:nvSpPr>
+              <p:cNvPr id="91" name="TextBox 90"/>
+              <p:cNvSpPr txBox="1"/>
               <p:nvPr/>
-            </p:nvCxnSpPr>
+            </p:nvSpPr>
             <p:spPr>
-              <a:xfrm flipV="1">
-                <a:off x="8754928" y="2585652"/>
-                <a:ext cx="933576" cy="1000"/>
+              <a:xfrm>
+                <a:off x="4196919" y="2977678"/>
+                <a:ext cx="1531619" cy="307777"/>
               </a:xfrm>
-              <a:prstGeom prst="straightConnector1">
+              <a:prstGeom prst="rect">
                 <a:avLst/>
               </a:prstGeom>
-              <a:ln w="15875">
-                <a:headEnd type="triangle"/>
-                <a:tailEnd type="triangle"/>
-              </a:ln>
+              <a:noFill/>
             </p:spPr>
-            <p:style>
-              <a:lnRef idx="1">
-                <a:schemeClr val="accent1"/>
-              </a:lnRef>
-              <a:fillRef idx="0">
-                <a:schemeClr val="accent1"/>
-              </a:fillRef>
-              <a:effectRef idx="0">
-                <a:schemeClr val="accent1"/>
-              </a:effectRef>
-              <a:fontRef idx="minor">
-                <a:schemeClr val="tx1"/>
-              </a:fontRef>
-            </p:style>
-          </p:cxnSp>
-          <p:cxnSp>
-            <p:nvCxnSpPr>
-              <p:cNvPr id="186" name="Straight Arrow Connector 185"/>
-              <p:cNvCxnSpPr>
-                <a:cxnSpLocks/>
-                <a:stCxn id="31" idx="3"/>
-                <a:endCxn id="25" idx="1"/>
-              </p:cNvCxnSpPr>
+            <p:txBody>
+              <a:bodyPr wrap="square" rtlCol="0">
+                <a:spAutoFit/>
+              </a:bodyPr>
+              <a:lstStyle/>
+              <a:p>
+                <a:r>
+                  <a:rPr lang="en-US" sz="1400" dirty="0" err="1">
+                    <a:solidFill>
+                      <a:schemeClr val="tx1">
+                        <a:lumMod val="65000"/>
+                        <a:lumOff val="35000"/>
+                      </a:schemeClr>
+                    </a:solidFill>
+                  </a:rPr>
+                  <a:t>Mgmt</a:t>
+                </a:r>
+                <a:r>
+                  <a:rPr lang="en-US" sz="1400" dirty="0">
+                    <a:solidFill>
+                      <a:schemeClr val="tx1">
+                        <a:lumMod val="65000"/>
+                        <a:lumOff val="35000"/>
+                      </a:schemeClr>
+                    </a:solidFill>
+                  </a:rPr>
+                  <a:t> Subnet</a:t>
+                </a:r>
+              </a:p>
+            </p:txBody>
+          </p:sp>
+          <p:sp>
+            <p:nvSpPr>
+              <p:cNvPr id="92" name="TextBox 91"/>
+              <p:cNvSpPr txBox="1"/>
               <p:nvPr/>
-            </p:nvCxnSpPr>
+            </p:nvSpPr>
             <p:spPr>
               <a:xfrm>
-                <a:off x="10254404" y="2585652"/>
-                <a:ext cx="601577" cy="1856"/>
+                <a:off x="5270866" y="3383268"/>
+                <a:ext cx="496390" cy="307777"/>
               </a:xfrm>
-              <a:prstGeom prst="straightConnector1">
+              <a:prstGeom prst="rect">
                 <a:avLst/>
               </a:prstGeom>
-              <a:ln w="15875">
-                <a:headEnd type="triangle"/>
-                <a:tailEnd type="triangle"/>
-              </a:ln>
+              <a:noFill/>
             </p:spPr>
-            <p:style>
-              <a:lnRef idx="1">
-                <a:schemeClr val="accent1"/>
-              </a:lnRef>
-              <a:fillRef idx="0">
-                <a:schemeClr val="accent1"/>
-              </a:fillRef>
-              <a:effectRef idx="0">
-                <a:schemeClr val="accent1"/>
-              </a:effectRef>
-              <a:fontRef idx="minor">
-                <a:schemeClr val="tx1"/>
-              </a:fontRef>
-            </p:style>
-          </p:cxnSp>
+            <p:txBody>
+              <a:bodyPr wrap="square" rtlCol="0">
+                <a:spAutoFit/>
+              </a:bodyPr>
+              <a:lstStyle/>
+              <a:p>
+                <a:pPr algn="ctr"/>
+                <a:r>
+                  <a:rPr lang="en-US" sz="1400" dirty="0">
+                    <a:solidFill>
+                      <a:schemeClr val="tx1">
+                        <a:lumMod val="65000"/>
+                        <a:lumOff val="35000"/>
+                      </a:schemeClr>
+                    </a:solidFill>
+                  </a:rPr>
+                  <a:t>NSG</a:t>
+                </a:r>
+              </a:p>
+            </p:txBody>
+          </p:sp>
         </p:grpSp>
+        <p:cxnSp>
+          <p:nvCxnSpPr>
+            <p:cNvPr id="180" name="Straight Arrow Connector 179"/>
+            <p:cNvCxnSpPr>
+              <a:cxnSpLocks/>
+              <a:stCxn id="60" idx="3"/>
+              <a:endCxn id="16" idx="1"/>
+            </p:cNvCxnSpPr>
+            <p:nvPr/>
+          </p:nvCxnSpPr>
+          <p:spPr>
+            <a:xfrm>
+              <a:off x="7522930" y="2585652"/>
+              <a:ext cx="613290" cy="1000"/>
+            </a:xfrm>
+            <a:prstGeom prst="straightConnector1">
+              <a:avLst/>
+            </a:prstGeom>
+            <a:ln w="15875">
+              <a:headEnd type="triangle"/>
+              <a:tailEnd type="triangle"/>
+            </a:ln>
+          </p:spPr>
+          <p:style>
+            <a:lnRef idx="1">
+              <a:schemeClr val="accent1"/>
+            </a:lnRef>
+            <a:fillRef idx="0">
+              <a:schemeClr val="accent1"/>
+            </a:fillRef>
+            <a:effectRef idx="0">
+              <a:schemeClr val="accent1"/>
+            </a:effectRef>
+            <a:fontRef idx="minor">
+              <a:schemeClr val="tx1"/>
+            </a:fontRef>
+          </p:style>
+        </p:cxnSp>
+        <p:cxnSp>
+          <p:nvCxnSpPr>
+            <p:cNvPr id="183" name="Straight Arrow Connector 182"/>
+            <p:cNvCxnSpPr>
+              <a:cxnSpLocks/>
+              <a:stCxn id="16" idx="3"/>
+              <a:endCxn id="31" idx="1"/>
+            </p:cNvCxnSpPr>
+            <p:nvPr/>
+          </p:nvCxnSpPr>
+          <p:spPr>
+            <a:xfrm flipV="1">
+              <a:off x="8705832" y="2585652"/>
+              <a:ext cx="933576" cy="1000"/>
+            </a:xfrm>
+            <a:prstGeom prst="straightConnector1">
+              <a:avLst/>
+            </a:prstGeom>
+            <a:ln w="15875">
+              <a:headEnd type="triangle"/>
+              <a:tailEnd type="triangle"/>
+            </a:ln>
+          </p:spPr>
+          <p:style>
+            <a:lnRef idx="1">
+              <a:schemeClr val="accent1"/>
+            </a:lnRef>
+            <a:fillRef idx="0">
+              <a:schemeClr val="accent1"/>
+            </a:fillRef>
+            <a:effectRef idx="0">
+              <a:schemeClr val="accent1"/>
+            </a:effectRef>
+            <a:fontRef idx="minor">
+              <a:schemeClr val="tx1"/>
+            </a:fontRef>
+          </p:style>
+        </p:cxnSp>
+        <p:cxnSp>
+          <p:nvCxnSpPr>
+            <p:cNvPr id="186" name="Straight Arrow Connector 185"/>
+            <p:cNvCxnSpPr>
+              <a:cxnSpLocks/>
+              <a:stCxn id="31" idx="3"/>
+              <a:endCxn id="25" idx="1"/>
+            </p:cNvCxnSpPr>
+            <p:nvPr/>
+          </p:nvCxnSpPr>
+          <p:spPr>
+            <a:xfrm>
+              <a:off x="10205308" y="2585652"/>
+              <a:ext cx="601577" cy="1856"/>
+            </a:xfrm>
+            <a:prstGeom prst="straightConnector1">
+              <a:avLst/>
+            </a:prstGeom>
+            <a:ln w="15875">
+              <a:headEnd type="triangle"/>
+              <a:tailEnd type="triangle"/>
+            </a:ln>
+          </p:spPr>
+          <p:style>
+            <a:lnRef idx="1">
+              <a:schemeClr val="accent1"/>
+            </a:lnRef>
+            <a:fillRef idx="0">
+              <a:schemeClr val="accent1"/>
+            </a:fillRef>
+            <a:effectRef idx="0">
+              <a:schemeClr val="accent1"/>
+            </a:effectRef>
+            <a:fontRef idx="minor">
+              <a:schemeClr val="tx1"/>
+            </a:fontRef>
+          </p:style>
+        </p:cxnSp>
         <p:sp>
           <p:nvSpPr>
             <p:cNvPr id="161" name="TextBox 160"/>
@@ -7822,8 +9757,8 @@
           </p:nvSpPr>
           <p:spPr>
             <a:xfrm>
-              <a:off x="6605340" y="784609"/>
-              <a:ext cx="1344799" cy="307777"/>
+              <a:off x="6748163" y="1135396"/>
+              <a:ext cx="2183962" cy="307777"/>
             </a:xfrm>
             <a:prstGeom prst="rect">
               <a:avLst/>
@@ -7844,7 +9779,7 @@
                     </a:schemeClr>
                   </a:solidFill>
                 </a:rPr>
-                <a:t>Resource Group</a:t>
+                <a:t>Resource Group (East US)</a:t>
               </a:r>
             </a:p>
           </p:txBody>
@@ -7936,7 +9871,7 @@
         </p:nvGrpSpPr>
         <p:grpSpPr>
           <a:xfrm>
-            <a:off x="3366841" y="5670658"/>
+            <a:off x="3366841" y="5591930"/>
             <a:ext cx="5382487" cy="1125013"/>
             <a:chOff x="3366841" y="5670658"/>
             <a:chExt cx="5382487" cy="1125013"/>
@@ -8313,12 +10248,12 @@
         </p:nvCxnSpPr>
         <p:spPr>
           <a:xfrm rot="10800000" flipV="1">
-            <a:off x="5185459" y="1776860"/>
-            <a:ext cx="634295" cy="808791"/>
+            <a:off x="5306579" y="1776860"/>
+            <a:ext cx="513175" cy="651335"/>
           </a:xfrm>
           <a:prstGeom prst="bentConnector3">
             <a:avLst>
-              <a:gd name="adj1" fmla="val 35487"/>
+              <a:gd name="adj1" fmla="val 50000"/>
             </a:avLst>
           </a:prstGeom>
           <a:ln w="15875">
@@ -8354,11 +10289,11 @@
         <p:spPr>
           <a:xfrm>
             <a:off x="6389365" y="1776861"/>
-            <a:ext cx="646393" cy="808791"/>
+            <a:ext cx="543441" cy="651335"/>
           </a:xfrm>
           <a:prstGeom prst="bentConnector3">
             <a:avLst>
-              <a:gd name="adj1" fmla="val 35759"/>
+              <a:gd name="adj1" fmla="val 50000"/>
             </a:avLst>
           </a:prstGeom>
           <a:ln w="15875">
@@ -8392,9 +10327,9 @@
           <p:nvPr/>
         </p:nvCxnSpPr>
         <p:spPr>
-          <a:xfrm>
-            <a:off x="6392983" y="3528932"/>
-            <a:ext cx="1786733" cy="624794"/>
+          <a:xfrm flipV="1">
+            <a:off x="6392983" y="3996270"/>
+            <a:ext cx="1762509" cy="543958"/>
           </a:xfrm>
           <a:prstGeom prst="bentConnector3">
             <a:avLst>
@@ -8432,9 +10367,9 @@
           <p:nvPr/>
         </p:nvCxnSpPr>
         <p:spPr>
-          <a:xfrm rot="10800000" flipV="1">
-            <a:off x="3823391" y="3528932"/>
-            <a:ext cx="1999980" cy="624794"/>
+          <a:xfrm rot="10800000">
+            <a:off x="3823391" y="3996270"/>
+            <a:ext cx="1999980" cy="543958"/>
           </a:xfrm>
           <a:prstGeom prst="bentConnector3">
             <a:avLst>
